--- a/documentatie/scrum presentaties/50% presentatie.pptx
+++ b/documentatie/scrum presentaties/50% presentatie.pptx
@@ -10,6 +10,10 @@
     <p:sldId id="258" r:id="rId4"/>
     <p:sldId id="259" r:id="rId5"/>
     <p:sldId id="260" r:id="rId6"/>
+    <p:sldId id="263" r:id="rId7"/>
+    <p:sldId id="264" r:id="rId8"/>
+    <p:sldId id="265" r:id="rId9"/>
+    <p:sldId id="266" r:id="rId10"/>
   </p:sldIdLst>
   <p:sldSz cx="12192000" cy="6858000"/>
   <p:notesSz cx="6858000" cy="9144000"/>
@@ -108,6 +112,11 @@
       </a:defRPr>
     </a:lvl9pPr>
   </p:defaultTextStyle>
+  <p:extLst>
+    <p:ext uri="{EFAFB233-063F-42B5-8137-9DF3F51BA10A}">
+      <p15:sldGuideLst xmlns:p15="http://schemas.microsoft.com/office/powerpoint/2012/main"/>
+    </p:ext>
+  </p:extLst>
 </p:presentation>
 </file>
 
@@ -856,7 +865,7 @@
           <a:p>
             <a:fld id="{2D83C7D4-2A85-430B-9211-96D8094A2B97}" type="datetimeFigureOut">
               <a:rPr lang="nl-NL" smtClean="0"/>
-              <a:t>31-10-2025</a:t>
+              <a:t>10-11-2025</a:t>
             </a:fld>
             <a:endParaRPr lang="nl-NL"/>
           </a:p>
@@ -898,7 +907,7 @@
           <a:p>
             <a:fld id="{276FB3F0-79A7-4EA4-A545-C0CD60C10EC0}" type="slidenum">
               <a:rPr lang="nl-NL" smtClean="0"/>
-              <a:t>‹nr.›</a:t>
+              <a:t>‹#›</a:t>
             </a:fld>
             <a:endParaRPr lang="nl-NL"/>
           </a:p>
@@ -1107,7 +1116,7 @@
           <a:p>
             <a:fld id="{2D83C7D4-2A85-430B-9211-96D8094A2B97}" type="datetimeFigureOut">
               <a:rPr lang="nl-NL" smtClean="0"/>
-              <a:t>31-10-2025</a:t>
+              <a:t>10-11-2025</a:t>
             </a:fld>
             <a:endParaRPr lang="nl-NL"/>
           </a:p>
@@ -1149,7 +1158,7 @@
           <a:p>
             <a:fld id="{276FB3F0-79A7-4EA4-A545-C0CD60C10EC0}" type="slidenum">
               <a:rPr lang="nl-NL" smtClean="0"/>
-              <a:t>‹nr.›</a:t>
+              <a:t>‹#›</a:t>
             </a:fld>
             <a:endParaRPr lang="nl-NL"/>
           </a:p>
@@ -1421,7 +1430,7 @@
           <a:p>
             <a:fld id="{2D83C7D4-2A85-430B-9211-96D8094A2B97}" type="datetimeFigureOut">
               <a:rPr lang="nl-NL" smtClean="0"/>
-              <a:t>31-10-2025</a:t>
+              <a:t>10-11-2025</a:t>
             </a:fld>
             <a:endParaRPr lang="nl-NL"/>
           </a:p>
@@ -1463,7 +1472,7 @@
           <a:p>
             <a:fld id="{276FB3F0-79A7-4EA4-A545-C0CD60C10EC0}" type="slidenum">
               <a:rPr lang="nl-NL" smtClean="0"/>
-              <a:t>‹nr.›</a:t>
+              <a:t>‹#›</a:t>
             </a:fld>
             <a:endParaRPr lang="nl-NL"/>
           </a:p>
@@ -1754,7 +1763,7 @@
           <a:p>
             <a:fld id="{2D83C7D4-2A85-430B-9211-96D8094A2B97}" type="datetimeFigureOut">
               <a:rPr lang="nl-NL" smtClean="0"/>
-              <a:t>31-10-2025</a:t>
+              <a:t>10-11-2025</a:t>
             </a:fld>
             <a:endParaRPr lang="nl-NL"/>
           </a:p>
@@ -1796,7 +1805,7 @@
           <a:p>
             <a:fld id="{276FB3F0-79A7-4EA4-A545-C0CD60C10EC0}" type="slidenum">
               <a:rPr lang="nl-NL" smtClean="0"/>
-              <a:t>‹nr.›</a:t>
+              <a:t>‹#›</a:t>
             </a:fld>
             <a:endParaRPr lang="nl-NL"/>
           </a:p>
@@ -2068,7 +2077,7 @@
           <a:p>
             <a:fld id="{2D83C7D4-2A85-430B-9211-96D8094A2B97}" type="datetimeFigureOut">
               <a:rPr lang="nl-NL" smtClean="0"/>
-              <a:t>31-10-2025</a:t>
+              <a:t>10-11-2025</a:t>
             </a:fld>
             <a:endParaRPr lang="nl-NL"/>
           </a:p>
@@ -2110,7 +2119,7 @@
           <a:p>
             <a:fld id="{276FB3F0-79A7-4EA4-A545-C0CD60C10EC0}" type="slidenum">
               <a:rPr lang="nl-NL" smtClean="0"/>
-              <a:t>‹nr.›</a:t>
+              <a:t>‹#›</a:t>
             </a:fld>
             <a:endParaRPr lang="nl-NL"/>
           </a:p>
@@ -2461,7 +2470,7 @@
           <a:p>
             <a:fld id="{2D83C7D4-2A85-430B-9211-96D8094A2B97}" type="datetimeFigureOut">
               <a:rPr lang="nl-NL" smtClean="0"/>
-              <a:t>31-10-2025</a:t>
+              <a:t>10-11-2025</a:t>
             </a:fld>
             <a:endParaRPr lang="nl-NL"/>
           </a:p>
@@ -2503,7 +2512,7 @@
           <a:p>
             <a:fld id="{276FB3F0-79A7-4EA4-A545-C0CD60C10EC0}" type="slidenum">
               <a:rPr lang="nl-NL" smtClean="0"/>
-              <a:t>‹nr.›</a:t>
+              <a:t>‹#›</a:t>
             </a:fld>
             <a:endParaRPr lang="nl-NL"/>
           </a:p>
@@ -2631,7 +2640,7 @@
           <a:p>
             <a:fld id="{2D83C7D4-2A85-430B-9211-96D8094A2B97}" type="datetimeFigureOut">
               <a:rPr lang="nl-NL" smtClean="0"/>
-              <a:t>31-10-2025</a:t>
+              <a:t>10-11-2025</a:t>
             </a:fld>
             <a:endParaRPr lang="nl-NL"/>
           </a:p>
@@ -2673,7 +2682,7 @@
           <a:p>
             <a:fld id="{276FB3F0-79A7-4EA4-A545-C0CD60C10EC0}" type="slidenum">
               <a:rPr lang="nl-NL" smtClean="0"/>
-              <a:t>‹nr.›</a:t>
+              <a:t>‹#›</a:t>
             </a:fld>
             <a:endParaRPr lang="nl-NL"/>
           </a:p>
@@ -2811,7 +2820,7 @@
           <a:p>
             <a:fld id="{2D83C7D4-2A85-430B-9211-96D8094A2B97}" type="datetimeFigureOut">
               <a:rPr lang="nl-NL" smtClean="0"/>
-              <a:t>31-10-2025</a:t>
+              <a:t>10-11-2025</a:t>
             </a:fld>
             <a:endParaRPr lang="nl-NL"/>
           </a:p>
@@ -2853,7 +2862,7 @@
           <a:p>
             <a:fld id="{276FB3F0-79A7-4EA4-A545-C0CD60C10EC0}" type="slidenum">
               <a:rPr lang="nl-NL" smtClean="0"/>
-              <a:t>‹nr.›</a:t>
+              <a:t>‹#›</a:t>
             </a:fld>
             <a:endParaRPr lang="nl-NL"/>
           </a:p>
@@ -2981,7 +2990,7 @@
           <a:p>
             <a:fld id="{2D83C7D4-2A85-430B-9211-96D8094A2B97}" type="datetimeFigureOut">
               <a:rPr lang="nl-NL" smtClean="0"/>
-              <a:t>31-10-2025</a:t>
+              <a:t>10-11-2025</a:t>
             </a:fld>
             <a:endParaRPr lang="nl-NL"/>
           </a:p>
@@ -3023,7 +3032,7 @@
           <a:p>
             <a:fld id="{276FB3F0-79A7-4EA4-A545-C0CD60C10EC0}" type="slidenum">
               <a:rPr lang="nl-NL" smtClean="0"/>
-              <a:t>‹nr.›</a:t>
+              <a:t>‹#›</a:t>
             </a:fld>
             <a:endParaRPr lang="nl-NL"/>
           </a:p>
@@ -3228,7 +3237,7 @@
           <a:p>
             <a:fld id="{2D83C7D4-2A85-430B-9211-96D8094A2B97}" type="datetimeFigureOut">
               <a:rPr lang="nl-NL" smtClean="0"/>
-              <a:t>31-10-2025</a:t>
+              <a:t>10-11-2025</a:t>
             </a:fld>
             <a:endParaRPr lang="nl-NL"/>
           </a:p>
@@ -3270,7 +3279,7 @@
           <a:p>
             <a:fld id="{276FB3F0-79A7-4EA4-A545-C0CD60C10EC0}" type="slidenum">
               <a:rPr lang="nl-NL" smtClean="0"/>
-              <a:t>‹nr.›</a:t>
+              <a:t>‹#›</a:t>
             </a:fld>
             <a:endParaRPr lang="nl-NL"/>
           </a:p>
@@ -3460,7 +3469,7 @@
           <a:p>
             <a:fld id="{2D83C7D4-2A85-430B-9211-96D8094A2B97}" type="datetimeFigureOut">
               <a:rPr lang="nl-NL" smtClean="0"/>
-              <a:t>31-10-2025</a:t>
+              <a:t>10-11-2025</a:t>
             </a:fld>
             <a:endParaRPr lang="nl-NL"/>
           </a:p>
@@ -3502,7 +3511,7 @@
           <a:p>
             <a:fld id="{276FB3F0-79A7-4EA4-A545-C0CD60C10EC0}" type="slidenum">
               <a:rPr lang="nl-NL" smtClean="0"/>
-              <a:t>‹nr.›</a:t>
+              <a:t>‹#›</a:t>
             </a:fld>
             <a:endParaRPr lang="nl-NL"/>
           </a:p>
@@ -3834,7 +3843,7 @@
           <a:p>
             <a:fld id="{2D83C7D4-2A85-430B-9211-96D8094A2B97}" type="datetimeFigureOut">
               <a:rPr lang="nl-NL" smtClean="0"/>
-              <a:t>31-10-2025</a:t>
+              <a:t>10-11-2025</a:t>
             </a:fld>
             <a:endParaRPr lang="nl-NL"/>
           </a:p>
@@ -3876,7 +3885,7 @@
           <a:p>
             <a:fld id="{276FB3F0-79A7-4EA4-A545-C0CD60C10EC0}" type="slidenum">
               <a:rPr lang="nl-NL" smtClean="0"/>
-              <a:t>‹nr.›</a:t>
+              <a:t>‹#›</a:t>
             </a:fld>
             <a:endParaRPr lang="nl-NL"/>
           </a:p>
@@ -3957,7 +3966,7 @@
           <a:p>
             <a:fld id="{2D83C7D4-2A85-430B-9211-96D8094A2B97}" type="datetimeFigureOut">
               <a:rPr lang="nl-NL" smtClean="0"/>
-              <a:t>31-10-2025</a:t>
+              <a:t>10-11-2025</a:t>
             </a:fld>
             <a:endParaRPr lang="nl-NL"/>
           </a:p>
@@ -3999,7 +4008,7 @@
           <a:p>
             <a:fld id="{276FB3F0-79A7-4EA4-A545-C0CD60C10EC0}" type="slidenum">
               <a:rPr lang="nl-NL" smtClean="0"/>
-              <a:t>‹nr.›</a:t>
+              <a:t>‹#›</a:t>
             </a:fld>
             <a:endParaRPr lang="nl-NL"/>
           </a:p>
@@ -4052,7 +4061,7 @@
           <a:p>
             <a:fld id="{2D83C7D4-2A85-430B-9211-96D8094A2B97}" type="datetimeFigureOut">
               <a:rPr lang="nl-NL" smtClean="0"/>
-              <a:t>31-10-2025</a:t>
+              <a:t>10-11-2025</a:t>
             </a:fld>
             <a:endParaRPr lang="nl-NL"/>
           </a:p>
@@ -4094,7 +4103,7 @@
           <a:p>
             <a:fld id="{276FB3F0-79A7-4EA4-A545-C0CD60C10EC0}" type="slidenum">
               <a:rPr lang="nl-NL" smtClean="0"/>
-              <a:t>‹nr.›</a:t>
+              <a:t>‹#›</a:t>
             </a:fld>
             <a:endParaRPr lang="nl-NL"/>
           </a:p>
@@ -4307,7 +4316,7 @@
           <a:p>
             <a:fld id="{2D83C7D4-2A85-430B-9211-96D8094A2B97}" type="datetimeFigureOut">
               <a:rPr lang="nl-NL" smtClean="0"/>
-              <a:t>31-10-2025</a:t>
+              <a:t>10-11-2025</a:t>
             </a:fld>
             <a:endParaRPr lang="nl-NL"/>
           </a:p>
@@ -4349,7 +4358,7 @@
           <a:p>
             <a:fld id="{276FB3F0-79A7-4EA4-A545-C0CD60C10EC0}" type="slidenum">
               <a:rPr lang="nl-NL" smtClean="0"/>
-              <a:t>‹nr.›</a:t>
+              <a:t>‹#›</a:t>
             </a:fld>
             <a:endParaRPr lang="nl-NL"/>
           </a:p>
@@ -4589,7 +4598,7 @@
           <a:p>
             <a:fld id="{276FB3F0-79A7-4EA4-A545-C0CD60C10EC0}" type="slidenum">
               <a:rPr lang="nl-NL" smtClean="0"/>
-              <a:t>‹nr.›</a:t>
+              <a:t>‹#›</a:t>
             </a:fld>
             <a:endParaRPr lang="nl-NL"/>
           </a:p>
@@ -4612,7 +4621,7 @@
           <a:p>
             <a:fld id="{2D83C7D4-2A85-430B-9211-96D8094A2B97}" type="datetimeFigureOut">
               <a:rPr lang="nl-NL" smtClean="0"/>
-              <a:t>31-10-2025</a:t>
+              <a:t>10-11-2025</a:t>
             </a:fld>
             <a:endParaRPr lang="nl-NL"/>
           </a:p>
@@ -5314,7 +5323,7 @@
           <a:p>
             <a:fld id="{2D83C7D4-2A85-430B-9211-96D8094A2B97}" type="datetimeFigureOut">
               <a:rPr lang="nl-NL" smtClean="0"/>
-              <a:t>31-10-2025</a:t>
+              <a:t>10-11-2025</a:t>
             </a:fld>
             <a:endParaRPr lang="nl-NL"/>
           </a:p>
@@ -5390,7 +5399,7 @@
           <a:p>
             <a:fld id="{276FB3F0-79A7-4EA4-A545-C0CD60C10EC0}" type="slidenum">
               <a:rPr lang="nl-NL" smtClean="0"/>
-              <a:t>‹nr.›</a:t>
+              <a:t>‹#›</a:t>
             </a:fld>
             <a:endParaRPr lang="nl-NL"/>
           </a:p>
@@ -6050,6 +6059,21 @@
           </a:p>
           <a:p>
             <a:r>
+              <a:rPr lang="en-US" dirty="0" err="1"/>
+              <a:t>Architectuur</a:t>
+            </a:r>
+            <a:r>
+              <a:rPr lang="en-US" dirty="0"/>
+              <a:t> </a:t>
+            </a:r>
+            <a:r>
+              <a:rPr lang="en-US" dirty="0" err="1"/>
+              <a:t>ontwerp</a:t>
+            </a:r>
+            <a:endParaRPr lang="en-US" dirty="0"/>
+          </a:p>
+          <a:p>
+            <a:r>
               <a:rPr lang="en-US" dirty="0"/>
               <a:t>Requirements</a:t>
             </a:r>
@@ -7060,31 +7084,35 @@
           </a:p>
         </p:txBody>
       </p:sp>
-      <p:sp>
-        <p:nvSpPr>
-          <p:cNvPr id="3" name="Tijdelijke aanduiding voor inhoud 2">
+      <p:pic>
+        <p:nvPicPr>
+          <p:cNvPr id="5" name="Content Placeholder 4">
             <a:extLst>
               <a:ext uri="{FF2B5EF4-FFF2-40B4-BE49-F238E27FC236}">
-                <a16:creationId xmlns:a16="http://schemas.microsoft.com/office/drawing/2014/main" id="{51A6AC34-3C27-5374-360A-8C65BDE195AC}"/>
+                <a16:creationId xmlns:a16="http://schemas.microsoft.com/office/drawing/2014/main" id="{A51B61B9-348D-5962-C358-4118A8FCE038}"/>
               </a:ext>
             </a:extLst>
           </p:cNvPr>
-          <p:cNvSpPr>
-            <a:spLocks noGrp="1"/>
-          </p:cNvSpPr>
+          <p:cNvPicPr>
+            <a:picLocks noGrp="1" noChangeAspect="1"/>
+          </p:cNvPicPr>
           <p:nvPr>
             <p:ph idx="1"/>
           </p:nvPr>
-        </p:nvSpPr>
-        <p:spPr/>
-        <p:txBody>
-          <a:bodyPr/>
-          <a:lstStyle/>
-          <a:p>
-            <a:endParaRPr lang="nl-NL" dirty="0"/>
-          </a:p>
-        </p:txBody>
-      </p:sp>
+        </p:nvPicPr>
+        <p:blipFill>
+          <a:blip r:embed="rId2"/>
+          <a:stretch>
+            <a:fillRect/>
+          </a:stretch>
+        </p:blipFill>
+        <p:spPr>
+          <a:xfrm>
+            <a:off x="333534" y="1930400"/>
+            <a:ext cx="11181132" cy="3555186"/>
+          </a:xfrm>
+        </p:spPr>
+      </p:pic>
     </p:spTree>
     <p:extLst>
       <p:ext uri="{BB962C8B-B14F-4D97-AF65-F5344CB8AC3E}">
@@ -7101,6 +7129,14 @@
 <file path=ppt/slides/slide5.xml><?xml version="1.0" encoding="utf-8"?>
 <p:sld xmlns:a="http://schemas.openxmlformats.org/drawingml/2006/main" xmlns:r="http://schemas.openxmlformats.org/officeDocument/2006/relationships" xmlns:p="http://schemas.openxmlformats.org/presentationml/2006/main">
   <p:cSld>
+    <p:bg>
+      <p:bgPr>
+        <a:solidFill>
+          <a:schemeClr val="bg1"/>
+        </a:solidFill>
+        <a:effectLst/>
+      </p:bgPr>
+    </p:bg>
     <p:spTree>
       <p:nvGrpSpPr>
         <p:cNvPr id="1" name=""/>
@@ -7115,53 +7151,834 @@
           <a:chExt cx="0" cy="0"/>
         </a:xfrm>
       </p:grpSpPr>
-      <p:sp>
-        <p:nvSpPr>
-          <p:cNvPr id="2" name="Titel 1">
+      <p:grpSp>
+        <p:nvGrpSpPr>
+          <p:cNvPr id="10" name="Group 9">
             <a:extLst>
               <a:ext uri="{FF2B5EF4-FFF2-40B4-BE49-F238E27FC236}">
-                <a16:creationId xmlns:a16="http://schemas.microsoft.com/office/drawing/2014/main" id="{D7F33226-FF4B-9B0B-F4B3-17F3E9CE6C13}"/>
+                <a16:creationId xmlns:a16="http://schemas.microsoft.com/office/drawing/2014/main" id="{6CE6E43D-FC44-4F15-89C6-7C08E9BDC3FF}"/>
+              </a:ext>
+              <a:ext uri="{C183D7F6-B498-43B3-948B-1728B52AA6E4}">
+                <adec:decorative xmlns:adec="http://schemas.microsoft.com/office/drawing/2017/decorative" val="1"/>
               </a:ext>
             </a:extLst>
           </p:cNvPr>
-          <p:cNvSpPr>
-            <a:spLocks noGrp="1"/>
-          </p:cNvSpPr>
-          <p:nvPr>
-            <p:ph type="title"/>
-          </p:nvPr>
-        </p:nvSpPr>
-        <p:spPr/>
-        <p:txBody>
-          <a:bodyPr/>
-          <a:lstStyle/>
-          <a:p>
-            <a:endParaRPr lang="nl-NL"/>
-          </a:p>
-        </p:txBody>
-      </p:sp>
-      <p:sp>
-        <p:nvSpPr>
-          <p:cNvPr id="3" name="Tijdelijke aanduiding voor inhoud 2">
+          <p:cNvGrpSpPr>
+            <a:grpSpLocks noGrp="1" noUngrp="1" noRot="1" noChangeAspect="1" noMove="1" noResize="1"/>
+          </p:cNvGrpSpPr>
+          <p:nvPr>
+            <p:extLst>
+              <p:ext uri="{386F3935-93C4-4BCD-93E2-E3B085C9AB24}">
+                <p16:designElem xmlns:p16="http://schemas.microsoft.com/office/powerpoint/2015/main" val="1"/>
+              </p:ext>
+            </p:extLst>
+          </p:nvPr>
+        </p:nvGrpSpPr>
+        <p:grpSpPr>
+          <a:xfrm>
+            <a:off x="0" y="-8467"/>
+            <a:ext cx="12192000" cy="6866467"/>
+            <a:chOff x="0" y="-8467"/>
+            <a:chExt cx="12192000" cy="6866467"/>
+          </a:xfrm>
+        </p:grpSpPr>
+        <p:cxnSp>
+          <p:nvCxnSpPr>
+            <p:cNvPr id="11" name="Straight Connector 10">
+              <a:extLst>
+                <a:ext uri="{FF2B5EF4-FFF2-40B4-BE49-F238E27FC236}">
+                  <a16:creationId xmlns:a16="http://schemas.microsoft.com/office/drawing/2014/main" id="{321115E6-3640-4179-A252-686A27B75B3B}"/>
+                </a:ext>
+                <a:ext uri="{C183D7F6-B498-43B3-948B-1728B52AA6E4}">
+                  <adec:decorative xmlns:adec="http://schemas.microsoft.com/office/drawing/2017/decorative" val="1"/>
+                </a:ext>
+              </a:extLst>
+            </p:cNvPr>
+            <p:cNvCxnSpPr/>
+            <p:nvPr>
+              <p:extLst>
+                <p:ext uri="{386F3935-93C4-4BCD-93E2-E3B085C9AB24}">
+                  <p16:designElem xmlns:p16="http://schemas.microsoft.com/office/powerpoint/2015/main" val="1"/>
+                </p:ext>
+              </p:extLst>
+            </p:nvPr>
+          </p:nvCxnSpPr>
+          <p:spPr>
+            <a:xfrm>
+              <a:off x="9371012" y="0"/>
+              <a:ext cx="1219200" cy="6858000"/>
+            </a:xfrm>
+            <a:prstGeom prst="line">
+              <a:avLst/>
+            </a:prstGeom>
+            <a:ln w="9525">
+              <a:solidFill>
+                <a:schemeClr val="accent1">
+                  <a:alpha val="70000"/>
+                </a:schemeClr>
+              </a:solidFill>
+            </a:ln>
+          </p:spPr>
+          <p:style>
+            <a:lnRef idx="2">
+              <a:schemeClr val="accent1"/>
+            </a:lnRef>
+            <a:fillRef idx="0">
+              <a:schemeClr val="accent1"/>
+            </a:fillRef>
+            <a:effectRef idx="1">
+              <a:schemeClr val="accent1"/>
+            </a:effectRef>
+            <a:fontRef idx="minor">
+              <a:schemeClr val="tx1"/>
+            </a:fontRef>
+          </p:style>
+        </p:cxnSp>
+        <p:cxnSp>
+          <p:nvCxnSpPr>
+            <p:cNvPr id="12" name="Straight Connector 11">
+              <a:extLst>
+                <a:ext uri="{FF2B5EF4-FFF2-40B4-BE49-F238E27FC236}">
+                  <a16:creationId xmlns:a16="http://schemas.microsoft.com/office/drawing/2014/main" id="{E68D2ABE-CDFA-4BEB-AF45-E43862265B0D}"/>
+                </a:ext>
+                <a:ext uri="{C183D7F6-B498-43B3-948B-1728B52AA6E4}">
+                  <adec:decorative xmlns:adec="http://schemas.microsoft.com/office/drawing/2017/decorative" val="1"/>
+                </a:ext>
+              </a:extLst>
+            </p:cNvPr>
+            <p:cNvCxnSpPr/>
+            <p:nvPr>
+              <p:extLst>
+                <p:ext uri="{386F3935-93C4-4BCD-93E2-E3B085C9AB24}">
+                  <p16:designElem xmlns:p16="http://schemas.microsoft.com/office/powerpoint/2015/main" val="1"/>
+                </p:ext>
+              </p:extLst>
+            </p:nvPr>
+          </p:nvCxnSpPr>
+          <p:spPr>
+            <a:xfrm flipH="1">
+              <a:off x="7425267" y="3681413"/>
+              <a:ext cx="4763558" cy="3176587"/>
+            </a:xfrm>
+            <a:prstGeom prst="line">
+              <a:avLst/>
+            </a:prstGeom>
+            <a:ln w="9525">
+              <a:solidFill>
+                <a:schemeClr val="accent1">
+                  <a:alpha val="70000"/>
+                </a:schemeClr>
+              </a:solidFill>
+            </a:ln>
+          </p:spPr>
+          <p:style>
+            <a:lnRef idx="2">
+              <a:schemeClr val="accent1"/>
+            </a:lnRef>
+            <a:fillRef idx="0">
+              <a:schemeClr val="accent1"/>
+            </a:fillRef>
+            <a:effectRef idx="1">
+              <a:schemeClr val="accent1"/>
+            </a:effectRef>
+            <a:fontRef idx="minor">
+              <a:schemeClr val="tx1"/>
+            </a:fontRef>
+          </p:style>
+        </p:cxnSp>
+        <p:sp>
+          <p:nvSpPr>
+            <p:cNvPr id="13" name="Rectangle 23">
+              <a:extLst>
+                <a:ext uri="{FF2B5EF4-FFF2-40B4-BE49-F238E27FC236}">
+                  <a16:creationId xmlns:a16="http://schemas.microsoft.com/office/drawing/2014/main" id="{A108FB8B-558B-4F9E-970F-72D2EE57F644}"/>
+                </a:ext>
+                <a:ext uri="{C183D7F6-B498-43B3-948B-1728B52AA6E4}">
+                  <adec:decorative xmlns:adec="http://schemas.microsoft.com/office/drawing/2017/decorative" val="1"/>
+                </a:ext>
+              </a:extLst>
+            </p:cNvPr>
+            <p:cNvSpPr/>
+            <p:nvPr>
+              <p:extLst>
+                <p:ext uri="{386F3935-93C4-4BCD-93E2-E3B085C9AB24}">
+                  <p16:designElem xmlns:p16="http://schemas.microsoft.com/office/powerpoint/2015/main" val="1"/>
+                </p:ext>
+              </p:extLst>
+            </p:nvPr>
+          </p:nvSpPr>
+          <p:spPr>
+            <a:xfrm>
+              <a:off x="9181476" y="-8467"/>
+              <a:ext cx="3007349" cy="6866467"/>
+            </a:xfrm>
+            <a:custGeom>
+              <a:avLst/>
+              <a:gdLst/>
+              <a:ahLst/>
+              <a:cxnLst/>
+              <a:rect l="l" t="t" r="r" b="b"/>
+              <a:pathLst>
+                <a:path w="3007349" h="6866467">
+                  <a:moveTo>
+                    <a:pt x="2045532" y="0"/>
+                  </a:moveTo>
+                  <a:lnTo>
+                    <a:pt x="3007349" y="0"/>
+                  </a:lnTo>
+                  <a:lnTo>
+                    <a:pt x="3007349" y="6866467"/>
+                  </a:lnTo>
+                  <a:lnTo>
+                    <a:pt x="0" y="6866467"/>
+                  </a:lnTo>
+                  <a:lnTo>
+                    <a:pt x="2045532" y="0"/>
+                  </a:lnTo>
+                  <a:close/>
+                </a:path>
+              </a:pathLst>
+            </a:custGeom>
+            <a:solidFill>
+              <a:schemeClr val="accent1">
+                <a:alpha val="36000"/>
+              </a:schemeClr>
+            </a:solidFill>
+            <a:ln>
+              <a:noFill/>
+            </a:ln>
+            <a:effectLst/>
+          </p:spPr>
+          <p:style>
+            <a:lnRef idx="1">
+              <a:schemeClr val="accent1"/>
+            </a:lnRef>
+            <a:fillRef idx="3">
+              <a:schemeClr val="accent1"/>
+            </a:fillRef>
+            <a:effectRef idx="2">
+              <a:schemeClr val="accent1"/>
+            </a:effectRef>
+            <a:fontRef idx="minor">
+              <a:schemeClr val="lt1"/>
+            </a:fontRef>
+          </p:style>
+          <p:txBody>
+            <a:bodyPr/>
+            <a:lstStyle/>
+            <a:p>
+              <a:endParaRPr lang="en-NL"/>
+            </a:p>
+          </p:txBody>
+        </p:sp>
+        <p:sp>
+          <p:nvSpPr>
+            <p:cNvPr id="14" name="Rectangle 25">
+              <a:extLst>
+                <a:ext uri="{FF2B5EF4-FFF2-40B4-BE49-F238E27FC236}">
+                  <a16:creationId xmlns:a16="http://schemas.microsoft.com/office/drawing/2014/main" id="{481E92F1-5BD2-4422-B875-90578CEAA552}"/>
+                </a:ext>
+                <a:ext uri="{C183D7F6-B498-43B3-948B-1728B52AA6E4}">
+                  <adec:decorative xmlns:adec="http://schemas.microsoft.com/office/drawing/2017/decorative" val="1"/>
+                </a:ext>
+              </a:extLst>
+            </p:cNvPr>
+            <p:cNvSpPr/>
+            <p:nvPr>
+              <p:extLst>
+                <p:ext uri="{386F3935-93C4-4BCD-93E2-E3B085C9AB24}">
+                  <p16:designElem xmlns:p16="http://schemas.microsoft.com/office/powerpoint/2015/main" val="1"/>
+                </p:ext>
+              </p:extLst>
+            </p:nvPr>
+          </p:nvSpPr>
+          <p:spPr>
+            <a:xfrm>
+              <a:off x="9603442" y="-8467"/>
+              <a:ext cx="2588558" cy="6866467"/>
+            </a:xfrm>
+            <a:custGeom>
+              <a:avLst/>
+              <a:gdLst/>
+              <a:ahLst/>
+              <a:cxnLst/>
+              <a:rect l="l" t="t" r="r" b="b"/>
+              <a:pathLst>
+                <a:path w="2573311" h="6866467">
+                  <a:moveTo>
+                    <a:pt x="0" y="0"/>
+                  </a:moveTo>
+                  <a:lnTo>
+                    <a:pt x="2573311" y="0"/>
+                  </a:lnTo>
+                  <a:lnTo>
+                    <a:pt x="2573311" y="6866467"/>
+                  </a:lnTo>
+                  <a:lnTo>
+                    <a:pt x="1202336" y="6866467"/>
+                  </a:lnTo>
+                  <a:lnTo>
+                    <a:pt x="0" y="0"/>
+                  </a:lnTo>
+                  <a:close/>
+                </a:path>
+              </a:pathLst>
+            </a:custGeom>
+            <a:solidFill>
+              <a:schemeClr val="accent1">
+                <a:alpha val="20000"/>
+              </a:schemeClr>
+            </a:solidFill>
+            <a:ln>
+              <a:noFill/>
+            </a:ln>
+            <a:effectLst/>
+          </p:spPr>
+          <p:style>
+            <a:lnRef idx="1">
+              <a:schemeClr val="accent1"/>
+            </a:lnRef>
+            <a:fillRef idx="3">
+              <a:schemeClr val="accent1"/>
+            </a:fillRef>
+            <a:effectRef idx="2">
+              <a:schemeClr val="accent1"/>
+            </a:effectRef>
+            <a:fontRef idx="minor">
+              <a:schemeClr val="lt1"/>
+            </a:fontRef>
+          </p:style>
+          <p:txBody>
+            <a:bodyPr/>
+            <a:lstStyle/>
+            <a:p>
+              <a:endParaRPr lang="en-NL"/>
+            </a:p>
+          </p:txBody>
+        </p:sp>
+        <p:sp>
+          <p:nvSpPr>
+            <p:cNvPr id="15" name="Isosceles Triangle 14">
+              <a:extLst>
+                <a:ext uri="{FF2B5EF4-FFF2-40B4-BE49-F238E27FC236}">
+                  <a16:creationId xmlns:a16="http://schemas.microsoft.com/office/drawing/2014/main" id="{9D9630F3-9488-4F58-9098-F6B8552BD6D5}"/>
+                </a:ext>
+                <a:ext uri="{C183D7F6-B498-43B3-948B-1728B52AA6E4}">
+                  <adec:decorative xmlns:adec="http://schemas.microsoft.com/office/drawing/2017/decorative" val="1"/>
+                </a:ext>
+              </a:extLst>
+            </p:cNvPr>
+            <p:cNvSpPr/>
+            <p:nvPr>
+              <p:extLst>
+                <p:ext uri="{386F3935-93C4-4BCD-93E2-E3B085C9AB24}">
+                  <p16:designElem xmlns:p16="http://schemas.microsoft.com/office/powerpoint/2015/main" val="1"/>
+                </p:ext>
+              </p:extLst>
+            </p:nvPr>
+          </p:nvSpPr>
+          <p:spPr>
+            <a:xfrm>
+              <a:off x="8932333" y="3048000"/>
+              <a:ext cx="3259667" cy="3810000"/>
+            </a:xfrm>
+            <a:prstGeom prst="triangle">
+              <a:avLst>
+                <a:gd name="adj" fmla="val 100000"/>
+              </a:avLst>
+            </a:prstGeom>
+            <a:solidFill>
+              <a:schemeClr val="accent1">
+                <a:lumMod val="75000"/>
+                <a:alpha val="66000"/>
+              </a:schemeClr>
+            </a:solidFill>
+            <a:ln>
+              <a:noFill/>
+            </a:ln>
+            <a:effectLst/>
+          </p:spPr>
+          <p:style>
+            <a:lnRef idx="1">
+              <a:schemeClr val="accent1"/>
+            </a:lnRef>
+            <a:fillRef idx="3">
+              <a:schemeClr val="accent1"/>
+            </a:fillRef>
+            <a:effectRef idx="2">
+              <a:schemeClr val="accent1"/>
+            </a:effectRef>
+            <a:fontRef idx="minor">
+              <a:schemeClr val="lt1"/>
+            </a:fontRef>
+          </p:style>
+          <p:txBody>
+            <a:bodyPr/>
+            <a:lstStyle/>
+            <a:p>
+              <a:endParaRPr lang="en-NL"/>
+            </a:p>
+          </p:txBody>
+        </p:sp>
+        <p:sp>
+          <p:nvSpPr>
+            <p:cNvPr id="16" name="Rectangle 27">
+              <a:extLst>
+                <a:ext uri="{FF2B5EF4-FFF2-40B4-BE49-F238E27FC236}">
+                  <a16:creationId xmlns:a16="http://schemas.microsoft.com/office/drawing/2014/main" id="{A82B105D-E7A6-4F3A-AFDA-B9133F6BDFE0}"/>
+                </a:ext>
+                <a:ext uri="{C183D7F6-B498-43B3-948B-1728B52AA6E4}">
+                  <adec:decorative xmlns:adec="http://schemas.microsoft.com/office/drawing/2017/decorative" val="1"/>
+                </a:ext>
+              </a:extLst>
+            </p:cNvPr>
+            <p:cNvSpPr/>
+            <p:nvPr>
+              <p:extLst>
+                <p:ext uri="{386F3935-93C4-4BCD-93E2-E3B085C9AB24}">
+                  <p16:designElem xmlns:p16="http://schemas.microsoft.com/office/powerpoint/2015/main" val="1"/>
+                </p:ext>
+              </p:extLst>
+            </p:nvPr>
+          </p:nvSpPr>
+          <p:spPr>
+            <a:xfrm>
+              <a:off x="9334500" y="-8467"/>
+              <a:ext cx="2854326" cy="6866467"/>
+            </a:xfrm>
+            <a:custGeom>
+              <a:avLst/>
+              <a:gdLst/>
+              <a:ahLst/>
+              <a:cxnLst/>
+              <a:rect l="l" t="t" r="r" b="b"/>
+              <a:pathLst>
+                <a:path w="2858013" h="6866467">
+                  <a:moveTo>
+                    <a:pt x="0" y="0"/>
+                  </a:moveTo>
+                  <a:lnTo>
+                    <a:pt x="2858013" y="0"/>
+                  </a:lnTo>
+                  <a:lnTo>
+                    <a:pt x="2858013" y="6866467"/>
+                  </a:lnTo>
+                  <a:lnTo>
+                    <a:pt x="2473942" y="6866467"/>
+                  </a:lnTo>
+                  <a:lnTo>
+                    <a:pt x="0" y="0"/>
+                  </a:lnTo>
+                  <a:close/>
+                </a:path>
+              </a:pathLst>
+            </a:custGeom>
+            <a:solidFill>
+              <a:schemeClr val="accent1">
+                <a:lumMod val="75000"/>
+                <a:alpha val="50000"/>
+              </a:schemeClr>
+            </a:solidFill>
+            <a:ln>
+              <a:noFill/>
+            </a:ln>
+            <a:effectLst/>
+          </p:spPr>
+          <p:style>
+            <a:lnRef idx="1">
+              <a:schemeClr val="accent1"/>
+            </a:lnRef>
+            <a:fillRef idx="3">
+              <a:schemeClr val="accent1"/>
+            </a:fillRef>
+            <a:effectRef idx="2">
+              <a:schemeClr val="accent1"/>
+            </a:effectRef>
+            <a:fontRef idx="minor">
+              <a:schemeClr val="lt1"/>
+            </a:fontRef>
+          </p:style>
+          <p:txBody>
+            <a:bodyPr/>
+            <a:lstStyle/>
+            <a:p>
+              <a:endParaRPr lang="en-NL"/>
+            </a:p>
+          </p:txBody>
+        </p:sp>
+        <p:sp>
+          <p:nvSpPr>
+            <p:cNvPr id="17" name="Rectangle 28">
+              <a:extLst>
+                <a:ext uri="{FF2B5EF4-FFF2-40B4-BE49-F238E27FC236}">
+                  <a16:creationId xmlns:a16="http://schemas.microsoft.com/office/drawing/2014/main" id="{592262AB-546B-41A7-99DE-EC034F0722FB}"/>
+                </a:ext>
+                <a:ext uri="{C183D7F6-B498-43B3-948B-1728B52AA6E4}">
+                  <adec:decorative xmlns:adec="http://schemas.microsoft.com/office/drawing/2017/decorative" val="1"/>
+                </a:ext>
+              </a:extLst>
+            </p:cNvPr>
+            <p:cNvSpPr/>
+            <p:nvPr>
+              <p:extLst>
+                <p:ext uri="{386F3935-93C4-4BCD-93E2-E3B085C9AB24}">
+                  <p16:designElem xmlns:p16="http://schemas.microsoft.com/office/powerpoint/2015/main" val="1"/>
+                </p:ext>
+              </p:extLst>
+            </p:nvPr>
+          </p:nvSpPr>
+          <p:spPr>
+            <a:xfrm>
+              <a:off x="10898730" y="-8467"/>
+              <a:ext cx="1290094" cy="6866467"/>
+            </a:xfrm>
+            <a:custGeom>
+              <a:avLst/>
+              <a:gdLst/>
+              <a:ahLst/>
+              <a:cxnLst/>
+              <a:rect l="l" t="t" r="r" b="b"/>
+              <a:pathLst>
+                <a:path w="1290094" h="6858000">
+                  <a:moveTo>
+                    <a:pt x="1019735" y="0"/>
+                  </a:moveTo>
+                  <a:lnTo>
+                    <a:pt x="1290094" y="0"/>
+                  </a:lnTo>
+                  <a:lnTo>
+                    <a:pt x="1290094" y="6858000"/>
+                  </a:lnTo>
+                  <a:lnTo>
+                    <a:pt x="0" y="6858000"/>
+                  </a:lnTo>
+                  <a:lnTo>
+                    <a:pt x="1019735" y="0"/>
+                  </a:lnTo>
+                  <a:close/>
+                </a:path>
+              </a:pathLst>
+            </a:custGeom>
+            <a:solidFill>
+              <a:schemeClr val="accent2">
+                <a:alpha val="70000"/>
+              </a:schemeClr>
+            </a:solidFill>
+            <a:ln>
+              <a:noFill/>
+            </a:ln>
+            <a:effectLst/>
+          </p:spPr>
+          <p:style>
+            <a:lnRef idx="1">
+              <a:schemeClr val="accent1"/>
+            </a:lnRef>
+            <a:fillRef idx="3">
+              <a:schemeClr val="accent1"/>
+            </a:fillRef>
+            <a:effectRef idx="2">
+              <a:schemeClr val="accent1"/>
+            </a:effectRef>
+            <a:fontRef idx="minor">
+              <a:schemeClr val="lt1"/>
+            </a:fontRef>
+          </p:style>
+          <p:txBody>
+            <a:bodyPr/>
+            <a:lstStyle/>
+            <a:p>
+              <a:endParaRPr lang="en-NL"/>
+            </a:p>
+          </p:txBody>
+        </p:sp>
+        <p:sp>
+          <p:nvSpPr>
+            <p:cNvPr id="18" name="Rectangle 29">
+              <a:extLst>
+                <a:ext uri="{FF2B5EF4-FFF2-40B4-BE49-F238E27FC236}">
+                  <a16:creationId xmlns:a16="http://schemas.microsoft.com/office/drawing/2014/main" id="{D878A1F7-F404-41A0-BD7C-9739499BDDD6}"/>
+                </a:ext>
+                <a:ext uri="{C183D7F6-B498-43B3-948B-1728B52AA6E4}">
+                  <adec:decorative xmlns:adec="http://schemas.microsoft.com/office/drawing/2017/decorative" val="1"/>
+                </a:ext>
+              </a:extLst>
+            </p:cNvPr>
+            <p:cNvSpPr/>
+            <p:nvPr>
+              <p:extLst>
+                <p:ext uri="{386F3935-93C4-4BCD-93E2-E3B085C9AB24}">
+                  <p16:designElem xmlns:p16="http://schemas.microsoft.com/office/powerpoint/2015/main" val="1"/>
+                </p:ext>
+              </p:extLst>
+            </p:nvPr>
+          </p:nvSpPr>
+          <p:spPr>
+            <a:xfrm>
+              <a:off x="10938999" y="-8467"/>
+              <a:ext cx="1249825" cy="6866467"/>
+            </a:xfrm>
+            <a:custGeom>
+              <a:avLst/>
+              <a:gdLst/>
+              <a:ahLst/>
+              <a:cxnLst/>
+              <a:rect l="l" t="t" r="r" b="b"/>
+              <a:pathLst>
+                <a:path w="1249825" h="6858000">
+                  <a:moveTo>
+                    <a:pt x="0" y="0"/>
+                  </a:moveTo>
+                  <a:lnTo>
+                    <a:pt x="1249825" y="0"/>
+                  </a:lnTo>
+                  <a:lnTo>
+                    <a:pt x="1249825" y="6858000"/>
+                  </a:lnTo>
+                  <a:lnTo>
+                    <a:pt x="1109382" y="6858000"/>
+                  </a:lnTo>
+                  <a:lnTo>
+                    <a:pt x="0" y="0"/>
+                  </a:lnTo>
+                  <a:close/>
+                </a:path>
+              </a:pathLst>
+            </a:custGeom>
+            <a:solidFill>
+              <a:schemeClr val="accent2">
+                <a:lumMod val="75000"/>
+                <a:alpha val="80000"/>
+              </a:schemeClr>
+            </a:solidFill>
+            <a:ln>
+              <a:noFill/>
+            </a:ln>
+            <a:effectLst/>
+          </p:spPr>
+          <p:style>
+            <a:lnRef idx="1">
+              <a:schemeClr val="accent1"/>
+            </a:lnRef>
+            <a:fillRef idx="3">
+              <a:schemeClr val="accent1"/>
+            </a:fillRef>
+            <a:effectRef idx="2">
+              <a:schemeClr val="accent1"/>
+            </a:effectRef>
+            <a:fontRef idx="minor">
+              <a:schemeClr val="lt1"/>
+            </a:fontRef>
+          </p:style>
+          <p:txBody>
+            <a:bodyPr/>
+            <a:lstStyle/>
+            <a:p>
+              <a:endParaRPr lang="en-NL"/>
+            </a:p>
+          </p:txBody>
+        </p:sp>
+        <p:sp>
+          <p:nvSpPr>
+            <p:cNvPr id="19" name="Isosceles Triangle 18">
+              <a:extLst>
+                <a:ext uri="{FF2B5EF4-FFF2-40B4-BE49-F238E27FC236}">
+                  <a16:creationId xmlns:a16="http://schemas.microsoft.com/office/drawing/2014/main" id="{0076BF32-29FF-4C3A-B1AF-91A28EFDA079}"/>
+                </a:ext>
+                <a:ext uri="{C183D7F6-B498-43B3-948B-1728B52AA6E4}">
+                  <adec:decorative xmlns:adec="http://schemas.microsoft.com/office/drawing/2017/decorative" val="1"/>
+                </a:ext>
+              </a:extLst>
+            </p:cNvPr>
+            <p:cNvSpPr/>
+            <p:nvPr>
+              <p:extLst>
+                <p:ext uri="{386F3935-93C4-4BCD-93E2-E3B085C9AB24}">
+                  <p16:designElem xmlns:p16="http://schemas.microsoft.com/office/powerpoint/2015/main" val="1"/>
+                </p:ext>
+              </p:extLst>
+            </p:nvPr>
+          </p:nvSpPr>
+          <p:spPr>
+            <a:xfrm>
+              <a:off x="10371666" y="3589867"/>
+              <a:ext cx="1817159" cy="3268133"/>
+            </a:xfrm>
+            <a:prstGeom prst="triangle">
+              <a:avLst>
+                <a:gd name="adj" fmla="val 100000"/>
+              </a:avLst>
+            </a:prstGeom>
+            <a:solidFill>
+              <a:schemeClr val="accent1">
+                <a:lumMod val="75000"/>
+                <a:alpha val="66000"/>
+              </a:schemeClr>
+            </a:solidFill>
+            <a:ln>
+              <a:noFill/>
+            </a:ln>
+            <a:effectLst/>
+          </p:spPr>
+          <p:style>
+            <a:lnRef idx="1">
+              <a:schemeClr val="accent1"/>
+            </a:lnRef>
+            <a:fillRef idx="3">
+              <a:schemeClr val="accent1"/>
+            </a:fillRef>
+            <a:effectRef idx="2">
+              <a:schemeClr val="accent1"/>
+            </a:effectRef>
+            <a:fontRef idx="minor">
+              <a:schemeClr val="lt1"/>
+            </a:fontRef>
+          </p:style>
+          <p:txBody>
+            <a:bodyPr/>
+            <a:lstStyle/>
+            <a:p>
+              <a:endParaRPr lang="en-NL"/>
+            </a:p>
+          </p:txBody>
+        </p:sp>
+        <p:sp>
+          <p:nvSpPr>
+            <p:cNvPr id="20" name="Isosceles Triangle 19">
+              <a:extLst>
+                <a:ext uri="{FF2B5EF4-FFF2-40B4-BE49-F238E27FC236}">
+                  <a16:creationId xmlns:a16="http://schemas.microsoft.com/office/drawing/2014/main" id="{0A4C29F3-B3A2-40B9-8670-ADA39B0C42FF}"/>
+                </a:ext>
+                <a:ext uri="{C183D7F6-B498-43B3-948B-1728B52AA6E4}">
+                  <adec:decorative xmlns:adec="http://schemas.microsoft.com/office/drawing/2017/decorative" val="1"/>
+                </a:ext>
+              </a:extLst>
+            </p:cNvPr>
+            <p:cNvSpPr/>
+            <p:nvPr>
+              <p:extLst>
+                <p:ext uri="{386F3935-93C4-4BCD-93E2-E3B085C9AB24}">
+                  <p16:designElem xmlns:p16="http://schemas.microsoft.com/office/powerpoint/2015/main" val="1"/>
+                </p:ext>
+              </p:extLst>
+            </p:nvPr>
+          </p:nvSpPr>
+          <p:spPr>
+            <a:xfrm>
+              <a:off x="0" y="4013200"/>
+              <a:ext cx="448733" cy="2844800"/>
+            </a:xfrm>
+            <a:prstGeom prst="triangle">
+              <a:avLst>
+                <a:gd name="adj" fmla="val 0"/>
+              </a:avLst>
+            </a:prstGeom>
+            <a:solidFill>
+              <a:schemeClr val="accent1">
+                <a:alpha val="70000"/>
+              </a:schemeClr>
+            </a:solidFill>
+            <a:ln>
+              <a:noFill/>
+            </a:ln>
+            <a:effectLst/>
+          </p:spPr>
+          <p:style>
+            <a:lnRef idx="1">
+              <a:schemeClr val="accent1"/>
+            </a:lnRef>
+            <a:fillRef idx="3">
+              <a:schemeClr val="accent1"/>
+            </a:fillRef>
+            <a:effectRef idx="2">
+              <a:schemeClr val="accent1"/>
+            </a:effectRef>
+            <a:fontRef idx="minor">
+              <a:schemeClr val="lt1"/>
+            </a:fontRef>
+          </p:style>
+          <p:txBody>
+            <a:bodyPr/>
+            <a:lstStyle/>
+            <a:p>
+              <a:endParaRPr lang="en-NL"/>
+            </a:p>
+          </p:txBody>
+        </p:sp>
+      </p:grpSp>
+      <p:pic>
+        <p:nvPicPr>
+          <p:cNvPr id="5" name="Content Placeholder 4" descr="A graph on a piece of paper&#10;&#10;AI-generated content may be incorrect.">
             <a:extLst>
               <a:ext uri="{FF2B5EF4-FFF2-40B4-BE49-F238E27FC236}">
-                <a16:creationId xmlns:a16="http://schemas.microsoft.com/office/drawing/2014/main" id="{A701B2D9-C038-5481-3A52-4B3FE168B9E2}"/>
+                <a16:creationId xmlns:a16="http://schemas.microsoft.com/office/drawing/2014/main" id="{4B2658E6-2642-2CD2-1AC2-A1DCF4F6C89C}"/>
               </a:ext>
             </a:extLst>
           </p:cNvPr>
-          <p:cNvSpPr>
-            <a:spLocks noGrp="1"/>
-          </p:cNvSpPr>
+          <p:cNvPicPr>
+            <a:picLocks noGrp="1" noChangeAspect="1"/>
+          </p:cNvPicPr>
           <p:nvPr>
             <p:ph idx="1"/>
           </p:nvPr>
-        </p:nvSpPr>
-        <p:spPr/>
-        <p:txBody>
-          <a:bodyPr/>
+        </p:nvPicPr>
+        <p:blipFill>
+          <a:blip r:embed="rId2"/>
+          <a:srcRect t="13663" b="14222"/>
+          <a:stretch>
+            <a:fillRect/>
+          </a:stretch>
+        </p:blipFill>
+        <p:spPr>
+          <a:xfrm>
+            <a:off x="1165685" y="1409117"/>
+            <a:ext cx="9860629" cy="5546605"/>
+          </a:xfrm>
+          <a:prstGeom prst="rect">
+            <a:avLst/>
+          </a:prstGeom>
+        </p:spPr>
+      </p:pic>
+      <p:sp>
+        <p:nvSpPr>
+          <p:cNvPr id="6" name="TextBox 5">
+            <a:extLst>
+              <a:ext uri="{FF2B5EF4-FFF2-40B4-BE49-F238E27FC236}">
+                <a16:creationId xmlns:a16="http://schemas.microsoft.com/office/drawing/2014/main" id="{06EBA266-7557-98C6-EC6D-D2BFF8C0971D}"/>
+              </a:ext>
+            </a:extLst>
+          </p:cNvPr>
+          <p:cNvSpPr txBox="1"/>
+          <p:nvPr/>
+        </p:nvSpPr>
+        <p:spPr>
+          <a:xfrm>
+            <a:off x="272227" y="342027"/>
+            <a:ext cx="8906076" cy="615553"/>
+          </a:xfrm>
+          <a:prstGeom prst="rect">
+            <a:avLst/>
+          </a:prstGeom>
+          <a:noFill/>
+        </p:spPr>
+        <p:txBody>
+          <a:bodyPr wrap="square" rtlCol="0">
+            <a:spAutoFit/>
+          </a:bodyPr>
           <a:lstStyle/>
           <a:p>
-            <a:endParaRPr lang="nl-NL"/>
+            <a:r>
+              <a:rPr lang="en-US" sz="3400" dirty="0" err="1">
+                <a:solidFill>
+                  <a:schemeClr val="accent1"/>
+                </a:solidFill>
+              </a:rPr>
+              <a:t>Locatie</a:t>
+            </a:r>
+            <a:endParaRPr lang="en-NL" sz="3400" dirty="0">
+              <a:solidFill>
+                <a:schemeClr val="accent1"/>
+              </a:solidFill>
+            </a:endParaRPr>
           </a:p>
         </p:txBody>
       </p:sp>
@@ -7169,6 +7986,1127 @@
     <p:extLst>
       <p:ext uri="{BB962C8B-B14F-4D97-AF65-F5344CB8AC3E}">
         <p14:creationId xmlns:p14="http://schemas.microsoft.com/office/powerpoint/2010/main" val="2605444312"/>
+      </p:ext>
+    </p:extLst>
+  </p:cSld>
+  <p:clrMapOvr>
+    <a:masterClrMapping/>
+  </p:clrMapOvr>
+</p:sld>
+</file>
+
+<file path=ppt/slides/slide6.xml><?xml version="1.0" encoding="utf-8"?>
+<p:sld xmlns:a="http://schemas.openxmlformats.org/drawingml/2006/main" xmlns:r="http://schemas.openxmlformats.org/officeDocument/2006/relationships" xmlns:p="http://schemas.openxmlformats.org/presentationml/2006/main">
+  <p:cSld>
+    <p:spTree>
+      <p:nvGrpSpPr>
+        <p:cNvPr id="1" name=""/>
+        <p:cNvGrpSpPr/>
+        <p:nvPr/>
+      </p:nvGrpSpPr>
+      <p:grpSpPr>
+        <a:xfrm>
+          <a:off x="0" y="0"/>
+          <a:ext cx="0" cy="0"/>
+          <a:chOff x="0" y="0"/>
+          <a:chExt cx="0" cy="0"/>
+        </a:xfrm>
+      </p:grpSpPr>
+      <p:pic>
+        <p:nvPicPr>
+          <p:cNvPr id="7" name="Afbeelding 6" descr="Afbeelding met buitenshuis, water, meer, grond&#10;&#10;Door AI gegenereerde inhoud is mogelijk onjuist.">
+            <a:extLst>
+              <a:ext uri="{FF2B5EF4-FFF2-40B4-BE49-F238E27FC236}">
+                <a16:creationId xmlns:a16="http://schemas.microsoft.com/office/drawing/2014/main" id="{4824E7CD-560B-8EC1-6E57-EE70CB576E50}"/>
+              </a:ext>
+            </a:extLst>
+          </p:cNvPr>
+          <p:cNvPicPr>
+            <a:picLocks noChangeAspect="1"/>
+          </p:cNvPicPr>
+          <p:nvPr/>
+        </p:nvPicPr>
+        <p:blipFill>
+          <a:blip r:embed="rId2">
+            <a:extLst>
+              <a:ext uri="{28A0092B-C50C-407E-A947-70E740481C1C}">
+                <a14:useLocalDpi xmlns:a14="http://schemas.microsoft.com/office/drawing/2010/main" val="0"/>
+              </a:ext>
+            </a:extLst>
+          </a:blip>
+          <a:srcRect t="9829" r="2" b="2"/>
+          <a:stretch>
+            <a:fillRect/>
+          </a:stretch>
+        </p:blipFill>
+        <p:spPr>
+          <a:xfrm>
+            <a:off x="20" y="3"/>
+            <a:ext cx="6050260" cy="4091667"/>
+          </a:xfrm>
+          <a:prstGeom prst="rect">
+            <a:avLst/>
+          </a:prstGeom>
+        </p:spPr>
+      </p:pic>
+      <p:pic>
+        <p:nvPicPr>
+          <p:cNvPr id="5" name="Tijdelijke aanduiding voor inhoud 4" descr="Afbeelding met water, meer, buitenshuis, vaarweg&#10;&#10;Door AI gegenereerde inhoud is mogelijk onjuist.">
+            <a:extLst>
+              <a:ext uri="{FF2B5EF4-FFF2-40B4-BE49-F238E27FC236}">
+                <a16:creationId xmlns:a16="http://schemas.microsoft.com/office/drawing/2014/main" id="{60E992EA-9B2F-2A58-E761-8076E3BD85AA}"/>
+              </a:ext>
+            </a:extLst>
+          </p:cNvPr>
+          <p:cNvPicPr>
+            <a:picLocks noGrp="1" noChangeAspect="1"/>
+          </p:cNvPicPr>
+          <p:nvPr>
+            <p:ph idx="1"/>
+          </p:nvPr>
+        </p:nvPicPr>
+        <p:blipFill>
+          <a:blip r:embed="rId3">
+            <a:extLst>
+              <a:ext uri="{28A0092B-C50C-407E-A947-70E740481C1C}">
+                <a14:useLocalDpi xmlns:a14="http://schemas.microsoft.com/office/drawing/2010/main" val="0"/>
+              </a:ext>
+            </a:extLst>
+          </a:blip>
+          <a:srcRect r="2" b="9816"/>
+          <a:stretch>
+            <a:fillRect/>
+          </a:stretch>
+        </p:blipFill>
+        <p:spPr>
+          <a:xfrm>
+            <a:off x="6141719" y="-683"/>
+            <a:ext cx="6050280" cy="4091667"/>
+          </a:xfrm>
+          <a:prstGeom prst="rect">
+            <a:avLst/>
+          </a:prstGeom>
+        </p:spPr>
+      </p:pic>
+    </p:spTree>
+    <p:extLst>
+      <p:ext uri="{BB962C8B-B14F-4D97-AF65-F5344CB8AC3E}">
+        <p14:creationId xmlns:p14="http://schemas.microsoft.com/office/powerpoint/2010/main" val="3862607539"/>
+      </p:ext>
+    </p:extLst>
+  </p:cSld>
+  <p:clrMapOvr>
+    <a:masterClrMapping/>
+  </p:clrMapOvr>
+</p:sld>
+</file>
+
+<file path=ppt/slides/slide7.xml><?xml version="1.0" encoding="utf-8"?>
+<p:sld xmlns:a="http://schemas.openxmlformats.org/drawingml/2006/main" xmlns:r="http://schemas.openxmlformats.org/officeDocument/2006/relationships" xmlns:p="http://schemas.openxmlformats.org/presentationml/2006/main">
+  <p:cSld>
+    <p:bg>
+      <p:bgPr>
+        <a:solidFill>
+          <a:schemeClr val="bg1"/>
+        </a:solidFill>
+        <a:effectLst/>
+      </p:bgPr>
+    </p:bg>
+    <p:spTree>
+      <p:nvGrpSpPr>
+        <p:cNvPr id="1" name=""/>
+        <p:cNvGrpSpPr/>
+        <p:nvPr/>
+      </p:nvGrpSpPr>
+      <p:grpSpPr>
+        <a:xfrm>
+          <a:off x="0" y="0"/>
+          <a:ext cx="0" cy="0"/>
+          <a:chOff x="0" y="0"/>
+          <a:chExt cx="0" cy="0"/>
+        </a:xfrm>
+      </p:grpSpPr>
+      <p:grpSp>
+        <p:nvGrpSpPr>
+          <p:cNvPr id="9" name="Group 8">
+            <a:extLst>
+              <a:ext uri="{FF2B5EF4-FFF2-40B4-BE49-F238E27FC236}">
+                <a16:creationId xmlns:a16="http://schemas.microsoft.com/office/drawing/2014/main" id="{6CE6E43D-FC44-4F15-89C6-7C08E9BDC3FF}"/>
+              </a:ext>
+              <a:ext uri="{C183D7F6-B498-43B3-948B-1728B52AA6E4}">
+                <adec:decorative xmlns:adec="http://schemas.microsoft.com/office/drawing/2017/decorative" val="1"/>
+              </a:ext>
+            </a:extLst>
+          </p:cNvPr>
+          <p:cNvGrpSpPr>
+            <a:grpSpLocks noGrp="1" noUngrp="1" noRot="1" noChangeAspect="1" noMove="1" noResize="1"/>
+          </p:cNvGrpSpPr>
+          <p:nvPr>
+            <p:extLst>
+              <p:ext uri="{386F3935-93C4-4BCD-93E2-E3B085C9AB24}">
+                <p16:designElem xmlns:p16="http://schemas.microsoft.com/office/powerpoint/2015/main" val="1"/>
+              </p:ext>
+            </p:extLst>
+          </p:nvPr>
+        </p:nvGrpSpPr>
+        <p:grpSpPr>
+          <a:xfrm>
+            <a:off x="0" y="-8467"/>
+            <a:ext cx="12192000" cy="6866467"/>
+            <a:chOff x="0" y="-8467"/>
+            <a:chExt cx="12192000" cy="6866467"/>
+          </a:xfrm>
+        </p:grpSpPr>
+        <p:cxnSp>
+          <p:nvCxnSpPr>
+            <p:cNvPr id="10" name="Straight Connector 9">
+              <a:extLst>
+                <a:ext uri="{FF2B5EF4-FFF2-40B4-BE49-F238E27FC236}">
+                  <a16:creationId xmlns:a16="http://schemas.microsoft.com/office/drawing/2014/main" id="{321115E6-3640-4179-A252-686A27B75B3B}"/>
+                </a:ext>
+                <a:ext uri="{C183D7F6-B498-43B3-948B-1728B52AA6E4}">
+                  <adec:decorative xmlns:adec="http://schemas.microsoft.com/office/drawing/2017/decorative" val="1"/>
+                </a:ext>
+              </a:extLst>
+            </p:cNvPr>
+            <p:cNvCxnSpPr/>
+            <p:nvPr>
+              <p:extLst>
+                <p:ext uri="{386F3935-93C4-4BCD-93E2-E3B085C9AB24}">
+                  <p16:designElem xmlns:p16="http://schemas.microsoft.com/office/powerpoint/2015/main" val="1"/>
+                </p:ext>
+              </p:extLst>
+            </p:nvPr>
+          </p:nvCxnSpPr>
+          <p:spPr>
+            <a:xfrm>
+              <a:off x="9371012" y="0"/>
+              <a:ext cx="1219200" cy="6858000"/>
+            </a:xfrm>
+            <a:prstGeom prst="line">
+              <a:avLst/>
+            </a:prstGeom>
+            <a:ln w="9525">
+              <a:solidFill>
+                <a:schemeClr val="accent1">
+                  <a:alpha val="70000"/>
+                </a:schemeClr>
+              </a:solidFill>
+            </a:ln>
+          </p:spPr>
+          <p:style>
+            <a:lnRef idx="2">
+              <a:schemeClr val="accent1"/>
+            </a:lnRef>
+            <a:fillRef idx="0">
+              <a:schemeClr val="accent1"/>
+            </a:fillRef>
+            <a:effectRef idx="1">
+              <a:schemeClr val="accent1"/>
+            </a:effectRef>
+            <a:fontRef idx="minor">
+              <a:schemeClr val="tx1"/>
+            </a:fontRef>
+          </p:style>
+        </p:cxnSp>
+        <p:cxnSp>
+          <p:nvCxnSpPr>
+            <p:cNvPr id="11" name="Straight Connector 10">
+              <a:extLst>
+                <a:ext uri="{FF2B5EF4-FFF2-40B4-BE49-F238E27FC236}">
+                  <a16:creationId xmlns:a16="http://schemas.microsoft.com/office/drawing/2014/main" id="{E68D2ABE-CDFA-4BEB-AF45-E43862265B0D}"/>
+                </a:ext>
+                <a:ext uri="{C183D7F6-B498-43B3-948B-1728B52AA6E4}">
+                  <adec:decorative xmlns:adec="http://schemas.microsoft.com/office/drawing/2017/decorative" val="1"/>
+                </a:ext>
+              </a:extLst>
+            </p:cNvPr>
+            <p:cNvCxnSpPr/>
+            <p:nvPr>
+              <p:extLst>
+                <p:ext uri="{386F3935-93C4-4BCD-93E2-E3B085C9AB24}">
+                  <p16:designElem xmlns:p16="http://schemas.microsoft.com/office/powerpoint/2015/main" val="1"/>
+                </p:ext>
+              </p:extLst>
+            </p:nvPr>
+          </p:nvCxnSpPr>
+          <p:spPr>
+            <a:xfrm flipH="1">
+              <a:off x="7425267" y="3681413"/>
+              <a:ext cx="4763558" cy="3176587"/>
+            </a:xfrm>
+            <a:prstGeom prst="line">
+              <a:avLst/>
+            </a:prstGeom>
+            <a:ln w="9525">
+              <a:solidFill>
+                <a:schemeClr val="accent1">
+                  <a:alpha val="70000"/>
+                </a:schemeClr>
+              </a:solidFill>
+            </a:ln>
+          </p:spPr>
+          <p:style>
+            <a:lnRef idx="2">
+              <a:schemeClr val="accent1"/>
+            </a:lnRef>
+            <a:fillRef idx="0">
+              <a:schemeClr val="accent1"/>
+            </a:fillRef>
+            <a:effectRef idx="1">
+              <a:schemeClr val="accent1"/>
+            </a:effectRef>
+            <a:fontRef idx="minor">
+              <a:schemeClr val="tx1"/>
+            </a:fontRef>
+          </p:style>
+        </p:cxnSp>
+        <p:sp>
+          <p:nvSpPr>
+            <p:cNvPr id="12" name="Rectangle 23">
+              <a:extLst>
+                <a:ext uri="{FF2B5EF4-FFF2-40B4-BE49-F238E27FC236}">
+                  <a16:creationId xmlns:a16="http://schemas.microsoft.com/office/drawing/2014/main" id="{A108FB8B-558B-4F9E-970F-72D2EE57F644}"/>
+                </a:ext>
+                <a:ext uri="{C183D7F6-B498-43B3-948B-1728B52AA6E4}">
+                  <adec:decorative xmlns:adec="http://schemas.microsoft.com/office/drawing/2017/decorative" val="1"/>
+                </a:ext>
+              </a:extLst>
+            </p:cNvPr>
+            <p:cNvSpPr/>
+            <p:nvPr>
+              <p:extLst>
+                <p:ext uri="{386F3935-93C4-4BCD-93E2-E3B085C9AB24}">
+                  <p16:designElem xmlns:p16="http://schemas.microsoft.com/office/powerpoint/2015/main" val="1"/>
+                </p:ext>
+              </p:extLst>
+            </p:nvPr>
+          </p:nvSpPr>
+          <p:spPr>
+            <a:xfrm>
+              <a:off x="9181476" y="-8467"/>
+              <a:ext cx="3007349" cy="6866467"/>
+            </a:xfrm>
+            <a:custGeom>
+              <a:avLst/>
+              <a:gdLst/>
+              <a:ahLst/>
+              <a:cxnLst/>
+              <a:rect l="l" t="t" r="r" b="b"/>
+              <a:pathLst>
+                <a:path w="3007349" h="6866467">
+                  <a:moveTo>
+                    <a:pt x="2045532" y="0"/>
+                  </a:moveTo>
+                  <a:lnTo>
+                    <a:pt x="3007349" y="0"/>
+                  </a:lnTo>
+                  <a:lnTo>
+                    <a:pt x="3007349" y="6866467"/>
+                  </a:lnTo>
+                  <a:lnTo>
+                    <a:pt x="0" y="6866467"/>
+                  </a:lnTo>
+                  <a:lnTo>
+                    <a:pt x="2045532" y="0"/>
+                  </a:lnTo>
+                  <a:close/>
+                </a:path>
+              </a:pathLst>
+            </a:custGeom>
+            <a:solidFill>
+              <a:schemeClr val="accent1">
+                <a:alpha val="36000"/>
+              </a:schemeClr>
+            </a:solidFill>
+            <a:ln>
+              <a:noFill/>
+            </a:ln>
+            <a:effectLst/>
+          </p:spPr>
+          <p:style>
+            <a:lnRef idx="1">
+              <a:schemeClr val="accent1"/>
+            </a:lnRef>
+            <a:fillRef idx="3">
+              <a:schemeClr val="accent1"/>
+            </a:fillRef>
+            <a:effectRef idx="2">
+              <a:schemeClr val="accent1"/>
+            </a:effectRef>
+            <a:fontRef idx="minor">
+              <a:schemeClr val="lt1"/>
+            </a:fontRef>
+          </p:style>
+          <p:txBody>
+            <a:bodyPr/>
+            <a:lstStyle/>
+            <a:p>
+              <a:endParaRPr lang="en-NL"/>
+            </a:p>
+          </p:txBody>
+        </p:sp>
+        <p:sp>
+          <p:nvSpPr>
+            <p:cNvPr id="13" name="Rectangle 25">
+              <a:extLst>
+                <a:ext uri="{FF2B5EF4-FFF2-40B4-BE49-F238E27FC236}">
+                  <a16:creationId xmlns:a16="http://schemas.microsoft.com/office/drawing/2014/main" id="{481E92F1-5BD2-4422-B875-90578CEAA552}"/>
+                </a:ext>
+                <a:ext uri="{C183D7F6-B498-43B3-948B-1728B52AA6E4}">
+                  <adec:decorative xmlns:adec="http://schemas.microsoft.com/office/drawing/2017/decorative" val="1"/>
+                </a:ext>
+              </a:extLst>
+            </p:cNvPr>
+            <p:cNvSpPr/>
+            <p:nvPr>
+              <p:extLst>
+                <p:ext uri="{386F3935-93C4-4BCD-93E2-E3B085C9AB24}">
+                  <p16:designElem xmlns:p16="http://schemas.microsoft.com/office/powerpoint/2015/main" val="1"/>
+                </p:ext>
+              </p:extLst>
+            </p:nvPr>
+          </p:nvSpPr>
+          <p:spPr>
+            <a:xfrm>
+              <a:off x="9603442" y="-8467"/>
+              <a:ext cx="2588558" cy="6866467"/>
+            </a:xfrm>
+            <a:custGeom>
+              <a:avLst/>
+              <a:gdLst/>
+              <a:ahLst/>
+              <a:cxnLst/>
+              <a:rect l="l" t="t" r="r" b="b"/>
+              <a:pathLst>
+                <a:path w="2573311" h="6866467">
+                  <a:moveTo>
+                    <a:pt x="0" y="0"/>
+                  </a:moveTo>
+                  <a:lnTo>
+                    <a:pt x="2573311" y="0"/>
+                  </a:lnTo>
+                  <a:lnTo>
+                    <a:pt x="2573311" y="6866467"/>
+                  </a:lnTo>
+                  <a:lnTo>
+                    <a:pt x="1202336" y="6866467"/>
+                  </a:lnTo>
+                  <a:lnTo>
+                    <a:pt x="0" y="0"/>
+                  </a:lnTo>
+                  <a:close/>
+                </a:path>
+              </a:pathLst>
+            </a:custGeom>
+            <a:solidFill>
+              <a:schemeClr val="accent1">
+                <a:alpha val="20000"/>
+              </a:schemeClr>
+            </a:solidFill>
+            <a:ln>
+              <a:noFill/>
+            </a:ln>
+            <a:effectLst/>
+          </p:spPr>
+          <p:style>
+            <a:lnRef idx="1">
+              <a:schemeClr val="accent1"/>
+            </a:lnRef>
+            <a:fillRef idx="3">
+              <a:schemeClr val="accent1"/>
+            </a:fillRef>
+            <a:effectRef idx="2">
+              <a:schemeClr val="accent1"/>
+            </a:effectRef>
+            <a:fontRef idx="minor">
+              <a:schemeClr val="lt1"/>
+            </a:fontRef>
+          </p:style>
+          <p:txBody>
+            <a:bodyPr/>
+            <a:lstStyle/>
+            <a:p>
+              <a:endParaRPr lang="en-NL"/>
+            </a:p>
+          </p:txBody>
+        </p:sp>
+        <p:sp>
+          <p:nvSpPr>
+            <p:cNvPr id="14" name="Isosceles Triangle 13">
+              <a:extLst>
+                <a:ext uri="{FF2B5EF4-FFF2-40B4-BE49-F238E27FC236}">
+                  <a16:creationId xmlns:a16="http://schemas.microsoft.com/office/drawing/2014/main" id="{9D9630F3-9488-4F58-9098-F6B8552BD6D5}"/>
+                </a:ext>
+                <a:ext uri="{C183D7F6-B498-43B3-948B-1728B52AA6E4}">
+                  <adec:decorative xmlns:adec="http://schemas.microsoft.com/office/drawing/2017/decorative" val="1"/>
+                </a:ext>
+              </a:extLst>
+            </p:cNvPr>
+            <p:cNvSpPr/>
+            <p:nvPr>
+              <p:extLst>
+                <p:ext uri="{386F3935-93C4-4BCD-93E2-E3B085C9AB24}">
+                  <p16:designElem xmlns:p16="http://schemas.microsoft.com/office/powerpoint/2015/main" val="1"/>
+                </p:ext>
+              </p:extLst>
+            </p:nvPr>
+          </p:nvSpPr>
+          <p:spPr>
+            <a:xfrm>
+              <a:off x="8932333" y="3048000"/>
+              <a:ext cx="3259667" cy="3810000"/>
+            </a:xfrm>
+            <a:prstGeom prst="triangle">
+              <a:avLst>
+                <a:gd name="adj" fmla="val 100000"/>
+              </a:avLst>
+            </a:prstGeom>
+            <a:solidFill>
+              <a:schemeClr val="accent1">
+                <a:lumMod val="75000"/>
+                <a:alpha val="66000"/>
+              </a:schemeClr>
+            </a:solidFill>
+            <a:ln>
+              <a:noFill/>
+            </a:ln>
+            <a:effectLst/>
+          </p:spPr>
+          <p:style>
+            <a:lnRef idx="1">
+              <a:schemeClr val="accent1"/>
+            </a:lnRef>
+            <a:fillRef idx="3">
+              <a:schemeClr val="accent1"/>
+            </a:fillRef>
+            <a:effectRef idx="2">
+              <a:schemeClr val="accent1"/>
+            </a:effectRef>
+            <a:fontRef idx="minor">
+              <a:schemeClr val="lt1"/>
+            </a:fontRef>
+          </p:style>
+          <p:txBody>
+            <a:bodyPr/>
+            <a:lstStyle/>
+            <a:p>
+              <a:endParaRPr lang="en-NL"/>
+            </a:p>
+          </p:txBody>
+        </p:sp>
+        <p:sp>
+          <p:nvSpPr>
+            <p:cNvPr id="15" name="Rectangle 27">
+              <a:extLst>
+                <a:ext uri="{FF2B5EF4-FFF2-40B4-BE49-F238E27FC236}">
+                  <a16:creationId xmlns:a16="http://schemas.microsoft.com/office/drawing/2014/main" id="{A82B105D-E7A6-4F3A-AFDA-B9133F6BDFE0}"/>
+                </a:ext>
+                <a:ext uri="{C183D7F6-B498-43B3-948B-1728B52AA6E4}">
+                  <adec:decorative xmlns:adec="http://schemas.microsoft.com/office/drawing/2017/decorative" val="1"/>
+                </a:ext>
+              </a:extLst>
+            </p:cNvPr>
+            <p:cNvSpPr/>
+            <p:nvPr>
+              <p:extLst>
+                <p:ext uri="{386F3935-93C4-4BCD-93E2-E3B085C9AB24}">
+                  <p16:designElem xmlns:p16="http://schemas.microsoft.com/office/powerpoint/2015/main" val="1"/>
+                </p:ext>
+              </p:extLst>
+            </p:nvPr>
+          </p:nvSpPr>
+          <p:spPr>
+            <a:xfrm>
+              <a:off x="9334500" y="-8467"/>
+              <a:ext cx="2854326" cy="6866467"/>
+            </a:xfrm>
+            <a:custGeom>
+              <a:avLst/>
+              <a:gdLst/>
+              <a:ahLst/>
+              <a:cxnLst/>
+              <a:rect l="l" t="t" r="r" b="b"/>
+              <a:pathLst>
+                <a:path w="2858013" h="6866467">
+                  <a:moveTo>
+                    <a:pt x="0" y="0"/>
+                  </a:moveTo>
+                  <a:lnTo>
+                    <a:pt x="2858013" y="0"/>
+                  </a:lnTo>
+                  <a:lnTo>
+                    <a:pt x="2858013" y="6866467"/>
+                  </a:lnTo>
+                  <a:lnTo>
+                    <a:pt x="2473942" y="6866467"/>
+                  </a:lnTo>
+                  <a:lnTo>
+                    <a:pt x="0" y="0"/>
+                  </a:lnTo>
+                  <a:close/>
+                </a:path>
+              </a:pathLst>
+            </a:custGeom>
+            <a:solidFill>
+              <a:schemeClr val="accent1">
+                <a:lumMod val="75000"/>
+                <a:alpha val="50000"/>
+              </a:schemeClr>
+            </a:solidFill>
+            <a:ln>
+              <a:noFill/>
+            </a:ln>
+            <a:effectLst/>
+          </p:spPr>
+          <p:style>
+            <a:lnRef idx="1">
+              <a:schemeClr val="accent1"/>
+            </a:lnRef>
+            <a:fillRef idx="3">
+              <a:schemeClr val="accent1"/>
+            </a:fillRef>
+            <a:effectRef idx="2">
+              <a:schemeClr val="accent1"/>
+            </a:effectRef>
+            <a:fontRef idx="minor">
+              <a:schemeClr val="lt1"/>
+            </a:fontRef>
+          </p:style>
+          <p:txBody>
+            <a:bodyPr/>
+            <a:lstStyle/>
+            <a:p>
+              <a:endParaRPr lang="en-NL"/>
+            </a:p>
+          </p:txBody>
+        </p:sp>
+        <p:sp>
+          <p:nvSpPr>
+            <p:cNvPr id="16" name="Rectangle 28">
+              <a:extLst>
+                <a:ext uri="{FF2B5EF4-FFF2-40B4-BE49-F238E27FC236}">
+                  <a16:creationId xmlns:a16="http://schemas.microsoft.com/office/drawing/2014/main" id="{592262AB-546B-41A7-99DE-EC034F0722FB}"/>
+                </a:ext>
+                <a:ext uri="{C183D7F6-B498-43B3-948B-1728B52AA6E4}">
+                  <adec:decorative xmlns:adec="http://schemas.microsoft.com/office/drawing/2017/decorative" val="1"/>
+                </a:ext>
+              </a:extLst>
+            </p:cNvPr>
+            <p:cNvSpPr/>
+            <p:nvPr>
+              <p:extLst>
+                <p:ext uri="{386F3935-93C4-4BCD-93E2-E3B085C9AB24}">
+                  <p16:designElem xmlns:p16="http://schemas.microsoft.com/office/powerpoint/2015/main" val="1"/>
+                </p:ext>
+              </p:extLst>
+            </p:nvPr>
+          </p:nvSpPr>
+          <p:spPr>
+            <a:xfrm>
+              <a:off x="10898730" y="-8467"/>
+              <a:ext cx="1290094" cy="6866467"/>
+            </a:xfrm>
+            <a:custGeom>
+              <a:avLst/>
+              <a:gdLst/>
+              <a:ahLst/>
+              <a:cxnLst/>
+              <a:rect l="l" t="t" r="r" b="b"/>
+              <a:pathLst>
+                <a:path w="1290094" h="6858000">
+                  <a:moveTo>
+                    <a:pt x="1019735" y="0"/>
+                  </a:moveTo>
+                  <a:lnTo>
+                    <a:pt x="1290094" y="0"/>
+                  </a:lnTo>
+                  <a:lnTo>
+                    <a:pt x="1290094" y="6858000"/>
+                  </a:lnTo>
+                  <a:lnTo>
+                    <a:pt x="0" y="6858000"/>
+                  </a:lnTo>
+                  <a:lnTo>
+                    <a:pt x="1019735" y="0"/>
+                  </a:lnTo>
+                  <a:close/>
+                </a:path>
+              </a:pathLst>
+            </a:custGeom>
+            <a:solidFill>
+              <a:schemeClr val="accent2">
+                <a:alpha val="70000"/>
+              </a:schemeClr>
+            </a:solidFill>
+            <a:ln>
+              <a:noFill/>
+            </a:ln>
+            <a:effectLst/>
+          </p:spPr>
+          <p:style>
+            <a:lnRef idx="1">
+              <a:schemeClr val="accent1"/>
+            </a:lnRef>
+            <a:fillRef idx="3">
+              <a:schemeClr val="accent1"/>
+            </a:fillRef>
+            <a:effectRef idx="2">
+              <a:schemeClr val="accent1"/>
+            </a:effectRef>
+            <a:fontRef idx="minor">
+              <a:schemeClr val="lt1"/>
+            </a:fontRef>
+          </p:style>
+          <p:txBody>
+            <a:bodyPr/>
+            <a:lstStyle/>
+            <a:p>
+              <a:endParaRPr lang="en-NL"/>
+            </a:p>
+          </p:txBody>
+        </p:sp>
+        <p:sp>
+          <p:nvSpPr>
+            <p:cNvPr id="17" name="Rectangle 29">
+              <a:extLst>
+                <a:ext uri="{FF2B5EF4-FFF2-40B4-BE49-F238E27FC236}">
+                  <a16:creationId xmlns:a16="http://schemas.microsoft.com/office/drawing/2014/main" id="{D878A1F7-F404-41A0-BD7C-9739499BDDD6}"/>
+                </a:ext>
+                <a:ext uri="{C183D7F6-B498-43B3-948B-1728B52AA6E4}">
+                  <adec:decorative xmlns:adec="http://schemas.microsoft.com/office/drawing/2017/decorative" val="1"/>
+                </a:ext>
+              </a:extLst>
+            </p:cNvPr>
+            <p:cNvSpPr/>
+            <p:nvPr>
+              <p:extLst>
+                <p:ext uri="{386F3935-93C4-4BCD-93E2-E3B085C9AB24}">
+                  <p16:designElem xmlns:p16="http://schemas.microsoft.com/office/powerpoint/2015/main" val="1"/>
+                </p:ext>
+              </p:extLst>
+            </p:nvPr>
+          </p:nvSpPr>
+          <p:spPr>
+            <a:xfrm>
+              <a:off x="10938999" y="-8467"/>
+              <a:ext cx="1249825" cy="6866467"/>
+            </a:xfrm>
+            <a:custGeom>
+              <a:avLst/>
+              <a:gdLst/>
+              <a:ahLst/>
+              <a:cxnLst/>
+              <a:rect l="l" t="t" r="r" b="b"/>
+              <a:pathLst>
+                <a:path w="1249825" h="6858000">
+                  <a:moveTo>
+                    <a:pt x="0" y="0"/>
+                  </a:moveTo>
+                  <a:lnTo>
+                    <a:pt x="1249825" y="0"/>
+                  </a:lnTo>
+                  <a:lnTo>
+                    <a:pt x="1249825" y="6858000"/>
+                  </a:lnTo>
+                  <a:lnTo>
+                    <a:pt x="1109382" y="6858000"/>
+                  </a:lnTo>
+                  <a:lnTo>
+                    <a:pt x="0" y="0"/>
+                  </a:lnTo>
+                  <a:close/>
+                </a:path>
+              </a:pathLst>
+            </a:custGeom>
+            <a:solidFill>
+              <a:schemeClr val="accent2">
+                <a:lumMod val="75000"/>
+                <a:alpha val="80000"/>
+              </a:schemeClr>
+            </a:solidFill>
+            <a:ln>
+              <a:noFill/>
+            </a:ln>
+            <a:effectLst/>
+          </p:spPr>
+          <p:style>
+            <a:lnRef idx="1">
+              <a:schemeClr val="accent1"/>
+            </a:lnRef>
+            <a:fillRef idx="3">
+              <a:schemeClr val="accent1"/>
+            </a:fillRef>
+            <a:effectRef idx="2">
+              <a:schemeClr val="accent1"/>
+            </a:effectRef>
+            <a:fontRef idx="minor">
+              <a:schemeClr val="lt1"/>
+            </a:fontRef>
+          </p:style>
+          <p:txBody>
+            <a:bodyPr/>
+            <a:lstStyle/>
+            <a:p>
+              <a:endParaRPr lang="en-NL"/>
+            </a:p>
+          </p:txBody>
+        </p:sp>
+        <p:sp>
+          <p:nvSpPr>
+            <p:cNvPr id="18" name="Isosceles Triangle 17">
+              <a:extLst>
+                <a:ext uri="{FF2B5EF4-FFF2-40B4-BE49-F238E27FC236}">
+                  <a16:creationId xmlns:a16="http://schemas.microsoft.com/office/drawing/2014/main" id="{0076BF32-29FF-4C3A-B1AF-91A28EFDA079}"/>
+                </a:ext>
+                <a:ext uri="{C183D7F6-B498-43B3-948B-1728B52AA6E4}">
+                  <adec:decorative xmlns:adec="http://schemas.microsoft.com/office/drawing/2017/decorative" val="1"/>
+                </a:ext>
+              </a:extLst>
+            </p:cNvPr>
+            <p:cNvSpPr/>
+            <p:nvPr>
+              <p:extLst>
+                <p:ext uri="{386F3935-93C4-4BCD-93E2-E3B085C9AB24}">
+                  <p16:designElem xmlns:p16="http://schemas.microsoft.com/office/powerpoint/2015/main" val="1"/>
+                </p:ext>
+              </p:extLst>
+            </p:nvPr>
+          </p:nvSpPr>
+          <p:spPr>
+            <a:xfrm>
+              <a:off x="10371666" y="3589867"/>
+              <a:ext cx="1817159" cy="3268133"/>
+            </a:xfrm>
+            <a:prstGeom prst="triangle">
+              <a:avLst>
+                <a:gd name="adj" fmla="val 100000"/>
+              </a:avLst>
+            </a:prstGeom>
+            <a:solidFill>
+              <a:schemeClr val="accent1">
+                <a:lumMod val="75000"/>
+                <a:alpha val="66000"/>
+              </a:schemeClr>
+            </a:solidFill>
+            <a:ln>
+              <a:noFill/>
+            </a:ln>
+            <a:effectLst/>
+          </p:spPr>
+          <p:style>
+            <a:lnRef idx="1">
+              <a:schemeClr val="accent1"/>
+            </a:lnRef>
+            <a:fillRef idx="3">
+              <a:schemeClr val="accent1"/>
+            </a:fillRef>
+            <a:effectRef idx="2">
+              <a:schemeClr val="accent1"/>
+            </a:effectRef>
+            <a:fontRef idx="minor">
+              <a:schemeClr val="lt1"/>
+            </a:fontRef>
+          </p:style>
+          <p:txBody>
+            <a:bodyPr/>
+            <a:lstStyle/>
+            <a:p>
+              <a:endParaRPr lang="en-NL"/>
+            </a:p>
+          </p:txBody>
+        </p:sp>
+        <p:sp>
+          <p:nvSpPr>
+            <p:cNvPr id="19" name="Isosceles Triangle 18">
+              <a:extLst>
+                <a:ext uri="{FF2B5EF4-FFF2-40B4-BE49-F238E27FC236}">
+                  <a16:creationId xmlns:a16="http://schemas.microsoft.com/office/drawing/2014/main" id="{0A4C29F3-B3A2-40B9-8670-ADA39B0C42FF}"/>
+                </a:ext>
+                <a:ext uri="{C183D7F6-B498-43B3-948B-1728B52AA6E4}">
+                  <adec:decorative xmlns:adec="http://schemas.microsoft.com/office/drawing/2017/decorative" val="1"/>
+                </a:ext>
+              </a:extLst>
+            </p:cNvPr>
+            <p:cNvSpPr/>
+            <p:nvPr>
+              <p:extLst>
+                <p:ext uri="{386F3935-93C4-4BCD-93E2-E3B085C9AB24}">
+                  <p16:designElem xmlns:p16="http://schemas.microsoft.com/office/powerpoint/2015/main" val="1"/>
+                </p:ext>
+              </p:extLst>
+            </p:nvPr>
+          </p:nvSpPr>
+          <p:spPr>
+            <a:xfrm>
+              <a:off x="0" y="4013200"/>
+              <a:ext cx="448733" cy="2844800"/>
+            </a:xfrm>
+            <a:prstGeom prst="triangle">
+              <a:avLst>
+                <a:gd name="adj" fmla="val 0"/>
+              </a:avLst>
+            </a:prstGeom>
+            <a:solidFill>
+              <a:schemeClr val="accent1">
+                <a:alpha val="70000"/>
+              </a:schemeClr>
+            </a:solidFill>
+            <a:ln>
+              <a:noFill/>
+            </a:ln>
+            <a:effectLst/>
+          </p:spPr>
+          <p:style>
+            <a:lnRef idx="1">
+              <a:schemeClr val="accent1"/>
+            </a:lnRef>
+            <a:fillRef idx="3">
+              <a:schemeClr val="accent1"/>
+            </a:fillRef>
+            <a:effectRef idx="2">
+              <a:schemeClr val="accent1"/>
+            </a:effectRef>
+            <a:fontRef idx="minor">
+              <a:schemeClr val="lt1"/>
+            </a:fontRef>
+          </p:style>
+          <p:txBody>
+            <a:bodyPr/>
+            <a:lstStyle/>
+            <a:p>
+              <a:endParaRPr lang="en-NL"/>
+            </a:p>
+          </p:txBody>
+        </p:sp>
+      </p:grpSp>
+      <p:pic>
+        <p:nvPicPr>
+          <p:cNvPr id="4" name="Tijdelijke aanduiding voor inhoud 4" descr="Afbeelding met buitenshuis, gebouw, stad, straat&#10;&#10;Door AI gegenereerde inhoud is mogelijk onjuist.">
+            <a:extLst>
+              <a:ext uri="{FF2B5EF4-FFF2-40B4-BE49-F238E27FC236}">
+                <a16:creationId xmlns:a16="http://schemas.microsoft.com/office/drawing/2014/main" id="{D59EBE5C-FE5F-0E25-C499-7730C83DE51C}"/>
+              </a:ext>
+            </a:extLst>
+          </p:cNvPr>
+          <p:cNvPicPr>
+            <a:picLocks noGrp="1" noChangeAspect="1"/>
+          </p:cNvPicPr>
+          <p:nvPr>
+            <p:ph idx="1"/>
+          </p:nvPr>
+        </p:nvPicPr>
+        <p:blipFill>
+          <a:blip r:embed="rId2">
+            <a:extLst>
+              <a:ext uri="{28A0092B-C50C-407E-A947-70E740481C1C}">
+                <a14:useLocalDpi xmlns:a14="http://schemas.microsoft.com/office/drawing/2010/main" val="0"/>
+              </a:ext>
+            </a:extLst>
+          </a:blip>
+          <a:srcRect b="443"/>
+          <a:stretch>
+            <a:fillRect/>
+          </a:stretch>
+        </p:blipFill>
+        <p:spPr>
+          <a:xfrm>
+            <a:off x="20" y="10"/>
+            <a:ext cx="12191980" cy="6857990"/>
+          </a:xfrm>
+          <a:prstGeom prst="rect">
+            <a:avLst/>
+          </a:prstGeom>
+        </p:spPr>
+      </p:pic>
+    </p:spTree>
+    <p:extLst>
+      <p:ext uri="{BB962C8B-B14F-4D97-AF65-F5344CB8AC3E}">
+        <p14:creationId xmlns:p14="http://schemas.microsoft.com/office/powerpoint/2010/main" val="1728655369"/>
+      </p:ext>
+    </p:extLst>
+  </p:cSld>
+  <p:clrMapOvr>
+    <a:masterClrMapping/>
+  </p:clrMapOvr>
+</p:sld>
+</file>
+
+<file path=ppt/slides/slide8.xml><?xml version="1.0" encoding="utf-8"?>
+<p:sld xmlns:a="http://schemas.openxmlformats.org/drawingml/2006/main" xmlns:r="http://schemas.openxmlformats.org/officeDocument/2006/relationships" xmlns:p="http://schemas.openxmlformats.org/presentationml/2006/main">
+  <p:cSld>
+    <p:spTree>
+      <p:nvGrpSpPr>
+        <p:cNvPr id="1" name=""/>
+        <p:cNvGrpSpPr/>
+        <p:nvPr/>
+      </p:nvGrpSpPr>
+      <p:grpSpPr>
+        <a:xfrm>
+          <a:off x="0" y="0"/>
+          <a:ext cx="0" cy="0"/>
+          <a:chOff x="0" y="0"/>
+          <a:chExt cx="0" cy="0"/>
+        </a:xfrm>
+      </p:grpSpPr>
+      <p:sp>
+        <p:nvSpPr>
+          <p:cNvPr id="2" name="Title 1">
+            <a:extLst>
+              <a:ext uri="{FF2B5EF4-FFF2-40B4-BE49-F238E27FC236}">
+                <a16:creationId xmlns:a16="http://schemas.microsoft.com/office/drawing/2014/main" id="{ED3A0CE4-6455-76B7-4D1E-E48C16499A1D}"/>
+              </a:ext>
+            </a:extLst>
+          </p:cNvPr>
+          <p:cNvSpPr>
+            <a:spLocks noGrp="1"/>
+          </p:cNvSpPr>
+          <p:nvPr>
+            <p:ph type="title"/>
+          </p:nvPr>
+        </p:nvSpPr>
+        <p:spPr/>
+        <p:txBody>
+          <a:bodyPr/>
+          <a:lstStyle/>
+          <a:p>
+            <a:r>
+              <a:rPr lang="en-US" dirty="0" err="1"/>
+              <a:t>Architectuur</a:t>
+            </a:r>
+            <a:r>
+              <a:rPr lang="en-US" dirty="0"/>
+              <a:t> </a:t>
+            </a:r>
+            <a:r>
+              <a:rPr lang="en-US" dirty="0" err="1"/>
+              <a:t>ontwerp</a:t>
+            </a:r>
+            <a:endParaRPr lang="en-NL" dirty="0"/>
+          </a:p>
+        </p:txBody>
+      </p:sp>
+      <p:pic>
+        <p:nvPicPr>
+          <p:cNvPr id="5" name="Content Placeholder 4">
+            <a:extLst>
+              <a:ext uri="{FF2B5EF4-FFF2-40B4-BE49-F238E27FC236}">
+                <a16:creationId xmlns:a16="http://schemas.microsoft.com/office/drawing/2014/main" id="{BC7FB581-7615-91EB-1DB8-B6DB7CB20AE9}"/>
+              </a:ext>
+            </a:extLst>
+          </p:cNvPr>
+          <p:cNvPicPr>
+            <a:picLocks noGrp="1" noChangeAspect="1"/>
+          </p:cNvPicPr>
+          <p:nvPr>
+            <p:ph idx="1"/>
+          </p:nvPr>
+        </p:nvPicPr>
+        <p:blipFill>
+          <a:blip r:embed="rId2"/>
+          <a:stretch>
+            <a:fillRect/>
+          </a:stretch>
+        </p:blipFill>
+        <p:spPr>
+          <a:xfrm>
+            <a:off x="1528877" y="1270000"/>
+            <a:ext cx="9575597" cy="5679582"/>
+          </a:xfrm>
+        </p:spPr>
+      </p:pic>
+    </p:spTree>
+    <p:extLst>
+      <p:ext uri="{BB962C8B-B14F-4D97-AF65-F5344CB8AC3E}">
+        <p14:creationId xmlns:p14="http://schemas.microsoft.com/office/powerpoint/2010/main" val="618870125"/>
+      </p:ext>
+    </p:extLst>
+  </p:cSld>
+  <p:clrMapOvr>
+    <a:masterClrMapping/>
+  </p:clrMapOvr>
+</p:sld>
+</file>
+
+<file path=ppt/slides/slide9.xml><?xml version="1.0" encoding="utf-8"?>
+<p:sld xmlns:a="http://schemas.openxmlformats.org/drawingml/2006/main" xmlns:r="http://schemas.openxmlformats.org/officeDocument/2006/relationships" xmlns:p="http://schemas.openxmlformats.org/presentationml/2006/main">
+  <p:cSld>
+    <p:spTree>
+      <p:nvGrpSpPr>
+        <p:cNvPr id="1" name=""/>
+        <p:cNvGrpSpPr/>
+        <p:nvPr/>
+      </p:nvGrpSpPr>
+      <p:grpSpPr>
+        <a:xfrm>
+          <a:off x="0" y="0"/>
+          <a:ext cx="0" cy="0"/>
+          <a:chOff x="0" y="0"/>
+          <a:chExt cx="0" cy="0"/>
+        </a:xfrm>
+      </p:grpSpPr>
+      <p:sp>
+        <p:nvSpPr>
+          <p:cNvPr id="2" name="Title 1">
+            <a:extLst>
+              <a:ext uri="{FF2B5EF4-FFF2-40B4-BE49-F238E27FC236}">
+                <a16:creationId xmlns:a16="http://schemas.microsoft.com/office/drawing/2014/main" id="{871849E2-0B8C-C26B-5D1E-73BCB8250D5D}"/>
+              </a:ext>
+            </a:extLst>
+          </p:cNvPr>
+          <p:cNvSpPr>
+            <a:spLocks noGrp="1"/>
+          </p:cNvSpPr>
+          <p:nvPr>
+            <p:ph type="title"/>
+          </p:nvPr>
+        </p:nvSpPr>
+        <p:spPr/>
+        <p:txBody>
+          <a:bodyPr/>
+          <a:lstStyle/>
+          <a:p>
+            <a:r>
+              <a:rPr lang="en-US" dirty="0" err="1"/>
+              <a:t>Requirments</a:t>
+            </a:r>
+            <a:endParaRPr lang="en-NL" dirty="0"/>
+          </a:p>
+        </p:txBody>
+      </p:sp>
+      <p:pic>
+        <p:nvPicPr>
+          <p:cNvPr id="5" name="Content Placeholder 4">
+            <a:extLst>
+              <a:ext uri="{FF2B5EF4-FFF2-40B4-BE49-F238E27FC236}">
+                <a16:creationId xmlns:a16="http://schemas.microsoft.com/office/drawing/2014/main" id="{0A7B2795-A416-A5B9-2785-AF2A1E711819}"/>
+              </a:ext>
+            </a:extLst>
+          </p:cNvPr>
+          <p:cNvPicPr>
+            <a:picLocks noGrp="1" noChangeAspect="1"/>
+          </p:cNvPicPr>
+          <p:nvPr>
+            <p:ph idx="1"/>
+          </p:nvPr>
+        </p:nvPicPr>
+        <p:blipFill>
+          <a:blip r:embed="rId2"/>
+          <a:stretch>
+            <a:fillRect/>
+          </a:stretch>
+        </p:blipFill>
+        <p:spPr>
+          <a:xfrm>
+            <a:off x="515599" y="1849933"/>
+            <a:ext cx="11160802" cy="3530570"/>
+          </a:xfrm>
+        </p:spPr>
+      </p:pic>
+    </p:spTree>
+    <p:extLst>
+      <p:ext uri="{BB962C8B-B14F-4D97-AF65-F5344CB8AC3E}">
+        <p14:creationId xmlns:p14="http://schemas.microsoft.com/office/powerpoint/2010/main" val="2490545301"/>
       </p:ext>
     </p:extLst>
   </p:cSld>

--- a/documentatie/scrum presentaties/50% presentatie.pptx
+++ b/documentatie/scrum presentaties/50% presentatie.pptx
@@ -12,8 +12,17 @@
     <p:sldId id="260" r:id="rId6"/>
     <p:sldId id="263" r:id="rId7"/>
     <p:sldId id="264" r:id="rId8"/>
-    <p:sldId id="265" r:id="rId9"/>
-    <p:sldId id="266" r:id="rId10"/>
+    <p:sldId id="266" r:id="rId9"/>
+    <p:sldId id="267" r:id="rId10"/>
+    <p:sldId id="270" r:id="rId11"/>
+    <p:sldId id="271" r:id="rId12"/>
+    <p:sldId id="272" r:id="rId13"/>
+    <p:sldId id="265" r:id="rId14"/>
+    <p:sldId id="268" r:id="rId15"/>
+    <p:sldId id="273" r:id="rId16"/>
+    <p:sldId id="274" r:id="rId17"/>
+    <p:sldId id="275" r:id="rId18"/>
+    <p:sldId id="276" r:id="rId19"/>
   </p:sldIdLst>
   <p:sldSz cx="12192000" cy="6858000"/>
   <p:notesSz cx="6858000" cy="9144000"/>
@@ -5959,6 +5968,3222 @@
 </p:sld>
 </file>
 
+<file path=ppt/slides/slide10.xml><?xml version="1.0" encoding="utf-8"?>
+<p:sld xmlns:a="http://schemas.openxmlformats.org/drawingml/2006/main" xmlns:r="http://schemas.openxmlformats.org/officeDocument/2006/relationships" xmlns:p="http://schemas.openxmlformats.org/presentationml/2006/main">
+  <p:cSld>
+    <p:spTree>
+      <p:nvGrpSpPr>
+        <p:cNvPr id="1" name=""/>
+        <p:cNvGrpSpPr/>
+        <p:nvPr/>
+      </p:nvGrpSpPr>
+      <p:grpSpPr>
+        <a:xfrm>
+          <a:off x="0" y="0"/>
+          <a:ext cx="0" cy="0"/>
+          <a:chOff x="0" y="0"/>
+          <a:chExt cx="0" cy="0"/>
+        </a:xfrm>
+      </p:grpSpPr>
+      <p:sp>
+        <p:nvSpPr>
+          <p:cNvPr id="2" name="Titel 1">
+            <a:extLst>
+              <a:ext uri="{FF2B5EF4-FFF2-40B4-BE49-F238E27FC236}">
+                <a16:creationId xmlns:a16="http://schemas.microsoft.com/office/drawing/2014/main" id="{8A1C2364-5641-CF98-3D3E-BDABD216640A}"/>
+              </a:ext>
+            </a:extLst>
+          </p:cNvPr>
+          <p:cNvSpPr>
+            <a:spLocks noGrp="1"/>
+          </p:cNvSpPr>
+          <p:nvPr>
+            <p:ph type="title"/>
+          </p:nvPr>
+        </p:nvSpPr>
+        <p:spPr>
+          <a:xfrm>
+            <a:off x="677330" y="609600"/>
+            <a:ext cx="2930518" cy="1320800"/>
+          </a:xfrm>
+        </p:spPr>
+        <p:txBody>
+          <a:bodyPr anchor="ctr">
+            <a:normAutofit/>
+          </a:bodyPr>
+          <a:lstStyle/>
+          <a:p>
+            <a:pPr>
+              <a:lnSpc>
+                <a:spcPct val="90000"/>
+              </a:lnSpc>
+            </a:pPr>
+            <a:r>
+              <a:rPr lang="en-US" sz="2800" dirty="0" err="1"/>
+              <a:t>Onderzoek</a:t>
+            </a:r>
+            <a:r>
+              <a:rPr lang="en-US" sz="2800" dirty="0"/>
+              <a:t> </a:t>
+            </a:r>
+            <a:r>
+              <a:rPr lang="en-US" sz="2800" dirty="0" err="1"/>
+              <a:t>naar</a:t>
+            </a:r>
+            <a:r>
+              <a:rPr lang="en-US" sz="2800" dirty="0"/>
+              <a:t> microcontroller</a:t>
+            </a:r>
+            <a:endParaRPr lang="nl-NL" sz="2800" dirty="0"/>
+          </a:p>
+        </p:txBody>
+      </p:sp>
+      <p:pic>
+        <p:nvPicPr>
+          <p:cNvPr id="9" name="Afbeelding 8">
+            <a:extLst>
+              <a:ext uri="{FF2B5EF4-FFF2-40B4-BE49-F238E27FC236}">
+                <a16:creationId xmlns:a16="http://schemas.microsoft.com/office/drawing/2014/main" id="{00A8B24A-1647-AF63-CF5B-B46E0E5B9454}"/>
+              </a:ext>
+            </a:extLst>
+          </p:cNvPr>
+          <p:cNvPicPr>
+            <a:picLocks noChangeAspect="1"/>
+          </p:cNvPicPr>
+          <p:nvPr/>
+        </p:nvPicPr>
+        <p:blipFill>
+          <a:blip r:embed="rId2">
+            <a:extLst>
+              <a:ext uri="{28A0092B-C50C-407E-A947-70E740481C1C}">
+                <a14:useLocalDpi xmlns:a14="http://schemas.microsoft.com/office/drawing/2010/main" val="0"/>
+              </a:ext>
+            </a:extLst>
+          </a:blip>
+          <a:stretch>
+            <a:fillRect/>
+          </a:stretch>
+        </p:blipFill>
+        <p:spPr>
+          <a:xfrm>
+            <a:off x="2236980" y="3758812"/>
+            <a:ext cx="1165432" cy="1165432"/>
+          </a:xfrm>
+          <a:prstGeom prst="rect">
+            <a:avLst/>
+          </a:prstGeom>
+        </p:spPr>
+      </p:pic>
+      <p:pic>
+        <p:nvPicPr>
+          <p:cNvPr id="5" name="Afbeelding 4">
+            <a:extLst>
+              <a:ext uri="{FF2B5EF4-FFF2-40B4-BE49-F238E27FC236}">
+                <a16:creationId xmlns:a16="http://schemas.microsoft.com/office/drawing/2014/main" id="{09C14804-DA71-1B66-4304-D7DE3B9D68B5}"/>
+              </a:ext>
+            </a:extLst>
+          </p:cNvPr>
+          <p:cNvPicPr>
+            <a:picLocks noChangeAspect="1"/>
+          </p:cNvPicPr>
+          <p:nvPr/>
+        </p:nvPicPr>
+        <p:blipFill>
+          <a:blip r:embed="rId3">
+            <a:extLst>
+              <a:ext uri="{28A0092B-C50C-407E-A947-70E740481C1C}">
+                <a14:useLocalDpi xmlns:a14="http://schemas.microsoft.com/office/drawing/2010/main" val="0"/>
+              </a:ext>
+            </a:extLst>
+          </a:blip>
+          <a:srcRect t="11710" r="-1" b="14247"/>
+          <a:stretch>
+            <a:fillRect/>
+          </a:stretch>
+        </p:blipFill>
+        <p:spPr>
+          <a:xfrm>
+            <a:off x="2208932" y="2814423"/>
+            <a:ext cx="1221528" cy="904447"/>
+          </a:xfrm>
+          <a:prstGeom prst="rect">
+            <a:avLst/>
+          </a:prstGeom>
+        </p:spPr>
+      </p:pic>
+      <p:pic>
+        <p:nvPicPr>
+          <p:cNvPr id="7" name="Afbeelding 6">
+            <a:extLst>
+              <a:ext uri="{FF2B5EF4-FFF2-40B4-BE49-F238E27FC236}">
+                <a16:creationId xmlns:a16="http://schemas.microsoft.com/office/drawing/2014/main" id="{AAF283D3-6AC9-3ABB-7B9D-BD2061953262}"/>
+              </a:ext>
+            </a:extLst>
+          </p:cNvPr>
+          <p:cNvPicPr>
+            <a:picLocks noChangeAspect="1"/>
+          </p:cNvPicPr>
+          <p:nvPr/>
+        </p:nvPicPr>
+        <p:blipFill>
+          <a:blip r:embed="rId4">
+            <a:extLst>
+              <a:ext uri="{28A0092B-C50C-407E-A947-70E740481C1C}">
+                <a14:useLocalDpi xmlns:a14="http://schemas.microsoft.com/office/drawing/2010/main" val="0"/>
+              </a:ext>
+            </a:extLst>
+          </a:blip>
+          <a:srcRect t="1706"/>
+          <a:stretch>
+            <a:fillRect/>
+          </a:stretch>
+        </p:blipFill>
+        <p:spPr>
+          <a:xfrm>
+            <a:off x="1991976" y="4766030"/>
+            <a:ext cx="1607337" cy="1183412"/>
+          </a:xfrm>
+          <a:prstGeom prst="rect">
+            <a:avLst/>
+          </a:prstGeom>
+        </p:spPr>
+      </p:pic>
+      <p:graphicFrame>
+        <p:nvGraphicFramePr>
+          <p:cNvPr id="4" name="Table 3">
+            <a:extLst>
+              <a:ext uri="{FF2B5EF4-FFF2-40B4-BE49-F238E27FC236}">
+                <a16:creationId xmlns:a16="http://schemas.microsoft.com/office/drawing/2014/main" id="{33C0D1F4-65FA-1835-39D4-87A7E79F082E}"/>
+              </a:ext>
+            </a:extLst>
+          </p:cNvPr>
+          <p:cNvGraphicFramePr>
+            <a:graphicFrameLocks noGrp="1"/>
+          </p:cNvGraphicFramePr>
+          <p:nvPr>
+            <p:extLst>
+              <p:ext uri="{D42A27DB-BD31-4B8C-83A1-F6EECF244321}">
+                <p14:modId xmlns:p14="http://schemas.microsoft.com/office/powerpoint/2010/main" val="1842290071"/>
+              </p:ext>
+            </p:extLst>
+          </p:nvPr>
+        </p:nvGraphicFramePr>
+        <p:xfrm>
+          <a:off x="3615403" y="1814840"/>
+          <a:ext cx="6175421" cy="4287558"/>
+        </p:xfrm>
+        <a:graphic>
+          <a:graphicData uri="http://schemas.openxmlformats.org/drawingml/2006/table">
+            <a:tbl>
+              <a:tblPr firstRow="1" bandRow="1">
+                <a:tableStyleId>{5C22544A-7EE6-4342-B048-85BDC9FD1C3A}</a:tableStyleId>
+              </a:tblPr>
+              <a:tblGrid>
+                <a:gridCol w="1019418">
+                  <a:extLst>
+                    <a:ext uri="{9D8B030D-6E8A-4147-A177-3AD203B41FA5}">
+                      <a16:colId xmlns:a16="http://schemas.microsoft.com/office/drawing/2014/main" val="2627733194"/>
+                    </a:ext>
+                  </a:extLst>
+                </a:gridCol>
+                <a:gridCol w="844598">
+                  <a:extLst>
+                    <a:ext uri="{9D8B030D-6E8A-4147-A177-3AD203B41FA5}">
+                      <a16:colId xmlns:a16="http://schemas.microsoft.com/office/drawing/2014/main" val="2150787738"/>
+                    </a:ext>
+                  </a:extLst>
+                </a:gridCol>
+                <a:gridCol w="816678">
+                  <a:extLst>
+                    <a:ext uri="{9D8B030D-6E8A-4147-A177-3AD203B41FA5}">
+                      <a16:colId xmlns:a16="http://schemas.microsoft.com/office/drawing/2014/main" val="468366130"/>
+                    </a:ext>
+                  </a:extLst>
+                </a:gridCol>
+                <a:gridCol w="848118">
+                  <a:extLst>
+                    <a:ext uri="{9D8B030D-6E8A-4147-A177-3AD203B41FA5}">
+                      <a16:colId xmlns:a16="http://schemas.microsoft.com/office/drawing/2014/main" val="1397205655"/>
+                    </a:ext>
+                  </a:extLst>
+                </a:gridCol>
+                <a:gridCol w="882203">
+                  <a:extLst>
+                    <a:ext uri="{9D8B030D-6E8A-4147-A177-3AD203B41FA5}">
+                      <a16:colId xmlns:a16="http://schemas.microsoft.com/office/drawing/2014/main" val="1123180273"/>
+                    </a:ext>
+                  </a:extLst>
+                </a:gridCol>
+                <a:gridCol w="882203">
+                  <a:extLst>
+                    <a:ext uri="{9D8B030D-6E8A-4147-A177-3AD203B41FA5}">
+                      <a16:colId xmlns:a16="http://schemas.microsoft.com/office/drawing/2014/main" val="3303097515"/>
+                    </a:ext>
+                  </a:extLst>
+                </a:gridCol>
+                <a:gridCol w="882203">
+                  <a:extLst>
+                    <a:ext uri="{9D8B030D-6E8A-4147-A177-3AD203B41FA5}">
+                      <a16:colId xmlns:a16="http://schemas.microsoft.com/office/drawing/2014/main" val="4025165270"/>
+                    </a:ext>
+                  </a:extLst>
+                </a:gridCol>
+              </a:tblGrid>
+              <a:tr h="971986">
+                <a:tc>
+                  <a:txBody>
+                    <a:bodyPr/>
+                    <a:lstStyle/>
+                    <a:p>
+                      <a:r>
+                        <a:rPr lang="en-US" dirty="0"/>
+                        <a:t>Naam</a:t>
+                      </a:r>
+                      <a:endParaRPr lang="en-NL" dirty="0"/>
+                    </a:p>
+                  </a:txBody>
+                  <a:tcPr/>
+                </a:tc>
+                <a:tc>
+                  <a:txBody>
+                    <a:bodyPr/>
+                    <a:lstStyle/>
+                    <a:p>
+                      <a:r>
+                        <a:rPr lang="en-US" dirty="0"/>
+                        <a:t>Processor</a:t>
+                      </a:r>
+                      <a:endParaRPr lang="en-NL" dirty="0"/>
+                    </a:p>
+                  </a:txBody>
+                  <a:tcPr/>
+                </a:tc>
+                <a:tc>
+                  <a:txBody>
+                    <a:bodyPr/>
+                    <a:lstStyle/>
+                    <a:p>
+                      <a:r>
+                        <a:rPr lang="en-US" dirty="0"/>
+                        <a:t>Internet</a:t>
+                      </a:r>
+                      <a:endParaRPr lang="en-NL" dirty="0"/>
+                    </a:p>
+                  </a:txBody>
+                  <a:tcPr/>
+                </a:tc>
+                <a:tc>
+                  <a:txBody>
+                    <a:bodyPr/>
+                    <a:lstStyle/>
+                    <a:p>
+                      <a:r>
+                        <a:rPr lang="en-US" dirty="0" err="1"/>
+                        <a:t>Snelheid</a:t>
+                      </a:r>
+                      <a:endParaRPr lang="en-NL" dirty="0"/>
+                    </a:p>
+                  </a:txBody>
+                  <a:tcPr/>
+                </a:tc>
+                <a:tc>
+                  <a:txBody>
+                    <a:bodyPr/>
+                    <a:lstStyle/>
+                    <a:p>
+                      <a:pPr marL="0" marR="0" lvl="0" indent="0" algn="l" defTabSz="457200" rtl="0" eaLnBrk="1" fontAlgn="auto" latinLnBrk="0" hangingPunct="1">
+                        <a:lnSpc>
+                          <a:spcPct val="100000"/>
+                        </a:lnSpc>
+                        <a:spcBef>
+                          <a:spcPts val="0"/>
+                        </a:spcBef>
+                        <a:spcAft>
+                          <a:spcPts val="0"/>
+                        </a:spcAft>
+                        <a:buClrTx/>
+                        <a:buSzTx/>
+                        <a:buFontTx/>
+                        <a:buNone/>
+                        <a:tabLst/>
+                        <a:defRPr/>
+                      </a:pPr>
+                      <a:r>
+                        <a:rPr lang="nl-NL" sz="1800" b="1" kern="1200" dirty="0">
+                          <a:solidFill>
+                            <a:schemeClr val="lt1"/>
+                          </a:solidFill>
+                          <a:effectLst/>
+                          <a:latin typeface="+mn-lt"/>
+                          <a:ea typeface="+mn-ea"/>
+                          <a:cs typeface="+mn-cs"/>
+                        </a:rPr>
+                        <a:t>Energieverbruik</a:t>
+                      </a:r>
+                      <a:endParaRPr lang="en-NL" sz="1800" b="1" kern="1200" dirty="0">
+                        <a:solidFill>
+                          <a:schemeClr val="lt1"/>
+                        </a:solidFill>
+                        <a:effectLst/>
+                        <a:latin typeface="+mn-lt"/>
+                        <a:ea typeface="+mn-ea"/>
+                        <a:cs typeface="+mn-cs"/>
+                      </a:endParaRPr>
+                    </a:p>
+                  </a:txBody>
+                  <a:tcPr/>
+                </a:tc>
+                <a:tc>
+                  <a:txBody>
+                    <a:bodyPr/>
+                    <a:lstStyle/>
+                    <a:p>
+                      <a:r>
+                        <a:rPr lang="en-US" dirty="0"/>
+                        <a:t>GPIO</a:t>
+                      </a:r>
+                      <a:endParaRPr lang="en-NL" dirty="0"/>
+                    </a:p>
+                  </a:txBody>
+                  <a:tcPr/>
+                </a:tc>
+                <a:tc>
+                  <a:txBody>
+                    <a:bodyPr/>
+                    <a:lstStyle/>
+                    <a:p>
+                      <a:r>
+                        <a:rPr lang="en-US" dirty="0" err="1"/>
+                        <a:t>Prijs</a:t>
+                      </a:r>
+                      <a:endParaRPr lang="en-NL" dirty="0"/>
+                    </a:p>
+                  </a:txBody>
+                  <a:tcPr/>
+                </a:tc>
+                <a:extLst>
+                  <a:ext uri="{0D108BD9-81ED-4DB2-BD59-A6C34878D82A}">
+                    <a16:rowId xmlns:a16="http://schemas.microsoft.com/office/drawing/2014/main" val="3732947197"/>
+                  </a:ext>
+                </a:extLst>
+              </a:tr>
+              <a:tr h="971986">
+                <a:tc>
+                  <a:txBody>
+                    <a:bodyPr/>
+                    <a:lstStyle/>
+                    <a:p>
+                      <a:r>
+                        <a:rPr lang="en-US" sz="1400" dirty="0"/>
+                        <a:t>Arduino uno</a:t>
+                      </a:r>
+                      <a:endParaRPr lang="en-NL" sz="1400" dirty="0"/>
+                    </a:p>
+                  </a:txBody>
+                  <a:tcPr/>
+                </a:tc>
+                <a:tc>
+                  <a:txBody>
+                    <a:bodyPr/>
+                    <a:lstStyle/>
+                    <a:p>
+                      <a:r>
+                        <a:rPr lang="uk-UA" sz="1400" dirty="0"/>
+                        <a:t>8</a:t>
+                      </a:r>
+                      <a:r>
+                        <a:rPr lang="en-US" sz="1400" dirty="0"/>
+                        <a:t>bit</a:t>
+                      </a:r>
+                    </a:p>
+                    <a:p>
+                      <a:r>
+                        <a:rPr lang="en-US" sz="1400" dirty="0"/>
+                        <a:t>16MHz</a:t>
+                      </a:r>
+                      <a:endParaRPr lang="en-NL" sz="1400" dirty="0"/>
+                    </a:p>
+                  </a:txBody>
+                  <a:tcPr/>
+                </a:tc>
+                <a:tc>
+                  <a:txBody>
+                    <a:bodyPr/>
+                    <a:lstStyle/>
+                    <a:p>
+                      <a:endParaRPr lang="en-US" sz="1400" dirty="0"/>
+                    </a:p>
+                    <a:p>
+                      <a:r>
+                        <a:rPr lang="en-US" sz="1400" dirty="0"/>
+                        <a:t>Geen</a:t>
+                      </a:r>
+                    </a:p>
+                  </a:txBody>
+                  <a:tcPr/>
+                </a:tc>
+                <a:tc>
+                  <a:txBody>
+                    <a:bodyPr/>
+                    <a:lstStyle/>
+                    <a:p>
+                      <a:endParaRPr lang="en-US" dirty="0"/>
+                    </a:p>
+                    <a:p>
+                      <a:r>
+                        <a:rPr lang="en-US" sz="1400" dirty="0" err="1"/>
+                        <a:t>Laag</a:t>
+                      </a:r>
+                      <a:endParaRPr lang="en-NL" sz="1400" dirty="0"/>
+                    </a:p>
+                  </a:txBody>
+                  <a:tcPr/>
+                </a:tc>
+                <a:tc>
+                  <a:txBody>
+                    <a:bodyPr/>
+                    <a:lstStyle/>
+                    <a:p>
+                      <a:r>
+                        <a:rPr lang="en-US" sz="1400" dirty="0"/>
+                        <a:t>45-50mA</a:t>
+                      </a:r>
+                    </a:p>
+                    <a:p>
+                      <a:r>
+                        <a:rPr lang="en-US" sz="1400" dirty="0"/>
+                        <a:t>tot</a:t>
+                      </a:r>
+                    </a:p>
+                    <a:p>
+                      <a:r>
+                        <a:rPr lang="en-US" sz="1400" dirty="0"/>
+                        <a:t>200mA</a:t>
+                      </a:r>
+                    </a:p>
+                  </a:txBody>
+                  <a:tcPr/>
+                </a:tc>
+                <a:tc>
+                  <a:txBody>
+                    <a:bodyPr/>
+                    <a:lstStyle/>
+                    <a:p>
+                      <a:r>
+                        <a:rPr lang="en-US" sz="1400" dirty="0"/>
+                        <a:t>14 </a:t>
+                      </a:r>
+                      <a:r>
+                        <a:rPr lang="en-US" sz="1400" dirty="0" err="1"/>
+                        <a:t>digitaal</a:t>
+                      </a:r>
+                      <a:r>
+                        <a:rPr lang="en-US" sz="1400" dirty="0"/>
+                        <a:t>, 6 </a:t>
+                      </a:r>
+                      <a:r>
+                        <a:rPr lang="en-US" sz="1400" dirty="0" err="1"/>
+                        <a:t>analoog</a:t>
+                      </a:r>
+                      <a:endParaRPr lang="en-US" sz="1400" dirty="0"/>
+                    </a:p>
+                    <a:p>
+                      <a:r>
+                        <a:rPr lang="en-US" sz="1400" dirty="0"/>
+                        <a:t>SPI, I2C </a:t>
+                      </a:r>
+                      <a:r>
+                        <a:rPr lang="en-US" sz="1400" dirty="0" err="1"/>
+                        <a:t>en</a:t>
+                      </a:r>
+                      <a:r>
+                        <a:rPr lang="en-US" sz="1400" dirty="0"/>
+                        <a:t> UART</a:t>
+                      </a:r>
+                      <a:endParaRPr lang="en-NL" sz="1400" dirty="0"/>
+                    </a:p>
+                  </a:txBody>
+                  <a:tcPr/>
+                </a:tc>
+                <a:tc>
+                  <a:txBody>
+                    <a:bodyPr/>
+                    <a:lstStyle/>
+                    <a:p>
+                      <a:r>
+                        <a:rPr lang="en-US" sz="1400" dirty="0"/>
+                        <a:t>20-30€</a:t>
+                      </a:r>
+                      <a:endParaRPr lang="en-NL" sz="1400" dirty="0"/>
+                    </a:p>
+                  </a:txBody>
+                  <a:tcPr/>
+                </a:tc>
+                <a:extLst>
+                  <a:ext uri="{0D108BD9-81ED-4DB2-BD59-A6C34878D82A}">
+                    <a16:rowId xmlns:a16="http://schemas.microsoft.com/office/drawing/2014/main" val="1190671987"/>
+                  </a:ext>
+                </a:extLst>
+              </a:tr>
+              <a:tr h="971986">
+                <a:tc>
+                  <a:txBody>
+                    <a:bodyPr/>
+                    <a:lstStyle/>
+                    <a:p>
+                      <a:r>
+                        <a:rPr lang="en-US" sz="1400" dirty="0"/>
+                        <a:t>ESP-32</a:t>
+                      </a:r>
+                      <a:endParaRPr lang="en-NL" sz="1400" dirty="0"/>
+                    </a:p>
+                  </a:txBody>
+                  <a:tcPr/>
+                </a:tc>
+                <a:tc>
+                  <a:txBody>
+                    <a:bodyPr/>
+                    <a:lstStyle/>
+                    <a:p>
+                      <a:r>
+                        <a:rPr lang="en-US" sz="1400" dirty="0"/>
+                        <a:t>32bit</a:t>
+                      </a:r>
+                    </a:p>
+                    <a:p>
+                      <a:r>
+                        <a:rPr lang="uk-UA" sz="1400" dirty="0"/>
+                        <a:t>2</a:t>
+                      </a:r>
+                      <a:r>
+                        <a:rPr lang="en-US" sz="1400" dirty="0"/>
+                        <a:t> cores</a:t>
+                      </a:r>
+                    </a:p>
+                    <a:p>
+                      <a:r>
+                        <a:rPr lang="en-US" sz="1400" dirty="0"/>
+                        <a:t>240MHz</a:t>
+                      </a:r>
+                      <a:endParaRPr lang="en-NL" sz="1400" dirty="0"/>
+                    </a:p>
+                  </a:txBody>
+                  <a:tcPr/>
+                </a:tc>
+                <a:tc>
+                  <a:txBody>
+                    <a:bodyPr/>
+                    <a:lstStyle/>
+                    <a:p>
+                      <a:r>
+                        <a:rPr lang="en-US" sz="1400" dirty="0"/>
+                        <a:t>Wi-Fi</a:t>
+                      </a:r>
+                    </a:p>
+                    <a:p>
+                      <a:r>
+                        <a:rPr lang="en-US" sz="1400" dirty="0" err="1"/>
+                        <a:t>en</a:t>
+                      </a:r>
+                      <a:endParaRPr lang="en-US" sz="1400" dirty="0"/>
+                    </a:p>
+                    <a:p>
+                      <a:r>
+                        <a:rPr lang="en-US" sz="1400" dirty="0"/>
+                        <a:t>Bluetooth</a:t>
+                      </a:r>
+                    </a:p>
+                  </a:txBody>
+                  <a:tcPr/>
+                </a:tc>
+                <a:tc>
+                  <a:txBody>
+                    <a:bodyPr/>
+                    <a:lstStyle/>
+                    <a:p>
+                      <a:endParaRPr lang="en-US" dirty="0"/>
+                    </a:p>
+                    <a:p>
+                      <a:r>
+                        <a:rPr lang="en-US" sz="1400" dirty="0" err="1"/>
+                        <a:t>Gemiddeld</a:t>
+                      </a:r>
+                      <a:endParaRPr lang="en-NL" sz="1400" dirty="0"/>
+                    </a:p>
+                  </a:txBody>
+                  <a:tcPr/>
+                </a:tc>
+                <a:tc>
+                  <a:txBody>
+                    <a:bodyPr/>
+                    <a:lstStyle/>
+                    <a:p>
+                      <a:r>
+                        <a:rPr lang="en-US" sz="1400" dirty="0"/>
+                        <a:t>50-240mA+</a:t>
+                      </a:r>
+                      <a:endParaRPr lang="en-NL" sz="1400" dirty="0"/>
+                    </a:p>
+                  </a:txBody>
+                  <a:tcPr/>
+                </a:tc>
+                <a:tc>
+                  <a:txBody>
+                    <a:bodyPr/>
+                    <a:lstStyle/>
+                    <a:p>
+                      <a:r>
+                        <a:rPr lang="en-NL" sz="1400" dirty="0"/>
+                        <a:t>30</a:t>
+                      </a:r>
+                      <a:endParaRPr lang="en-US" sz="1400" dirty="0"/>
+                    </a:p>
+                    <a:p>
+                      <a:r>
+                        <a:rPr lang="en-US" sz="1400" dirty="0"/>
+                        <a:t>SPI,I2C </a:t>
+                      </a:r>
+                      <a:r>
+                        <a:rPr lang="en-US" sz="1400" dirty="0" err="1"/>
+                        <a:t>en</a:t>
+                      </a:r>
+                      <a:r>
+                        <a:rPr lang="en-US" sz="1400" dirty="0"/>
+                        <a:t> DAC</a:t>
+                      </a:r>
+                      <a:endParaRPr lang="en-NL" sz="1400" dirty="0"/>
+                    </a:p>
+                  </a:txBody>
+                  <a:tcPr/>
+                </a:tc>
+                <a:tc>
+                  <a:txBody>
+                    <a:bodyPr/>
+                    <a:lstStyle/>
+                    <a:p>
+                      <a:r>
+                        <a:rPr lang="en-US" sz="1400" dirty="0"/>
+                        <a:t>3-10€</a:t>
+                      </a:r>
+                      <a:endParaRPr lang="en-NL" sz="1400" dirty="0"/>
+                    </a:p>
+                  </a:txBody>
+                  <a:tcPr/>
+                </a:tc>
+                <a:extLst>
+                  <a:ext uri="{0D108BD9-81ED-4DB2-BD59-A6C34878D82A}">
+                    <a16:rowId xmlns:a16="http://schemas.microsoft.com/office/drawing/2014/main" val="1052638572"/>
+                  </a:ext>
+                </a:extLst>
+              </a:tr>
+              <a:tr h="971986">
+                <a:tc>
+                  <a:txBody>
+                    <a:bodyPr/>
+                    <a:lstStyle/>
+                    <a:p>
+                      <a:r>
+                        <a:rPr lang="en-US" sz="1400" dirty="0"/>
+                        <a:t>Raspberry PI 4</a:t>
+                      </a:r>
+                      <a:endParaRPr lang="en-NL" sz="1400" dirty="0"/>
+                    </a:p>
+                  </a:txBody>
+                  <a:tcPr/>
+                </a:tc>
+                <a:tc>
+                  <a:txBody>
+                    <a:bodyPr/>
+                    <a:lstStyle/>
+                    <a:p>
+                      <a:r>
+                        <a:rPr lang="en-US" sz="1400" dirty="0"/>
+                        <a:t>64bit</a:t>
+                      </a:r>
+                    </a:p>
+                    <a:p>
+                      <a:r>
+                        <a:rPr lang="en-US" sz="1400" dirty="0"/>
+                        <a:t>4 cores</a:t>
+                      </a:r>
+                    </a:p>
+                    <a:p>
+                      <a:r>
+                        <a:rPr lang="en-US" sz="1400" dirty="0"/>
+                        <a:t>1.5GHz</a:t>
+                      </a:r>
+                      <a:endParaRPr lang="en-NL" sz="1400" dirty="0"/>
+                    </a:p>
+                  </a:txBody>
+                  <a:tcPr/>
+                </a:tc>
+                <a:tc>
+                  <a:txBody>
+                    <a:bodyPr/>
+                    <a:lstStyle/>
+                    <a:p>
+                      <a:r>
+                        <a:rPr lang="en-US" sz="1400" dirty="0"/>
+                        <a:t>Wi-Fi</a:t>
+                      </a:r>
+                    </a:p>
+                    <a:p>
+                      <a:r>
+                        <a:rPr lang="en-US" sz="1400" dirty="0" err="1"/>
+                        <a:t>en</a:t>
+                      </a:r>
+                      <a:endParaRPr lang="en-US" sz="1400" dirty="0"/>
+                    </a:p>
+                    <a:p>
+                      <a:r>
+                        <a:rPr lang="en-US" sz="1400" dirty="0"/>
+                        <a:t>Bluetooth</a:t>
+                      </a:r>
+                    </a:p>
+                  </a:txBody>
+                  <a:tcPr/>
+                </a:tc>
+                <a:tc>
+                  <a:txBody>
+                    <a:bodyPr/>
+                    <a:lstStyle/>
+                    <a:p>
+                      <a:endParaRPr lang="en-US" dirty="0"/>
+                    </a:p>
+                    <a:p>
+                      <a:r>
+                        <a:rPr lang="en-US" sz="1400" dirty="0"/>
+                        <a:t>Hoog</a:t>
+                      </a:r>
+                      <a:endParaRPr lang="en-NL" sz="1400" dirty="0"/>
+                    </a:p>
+                  </a:txBody>
+                  <a:tcPr/>
+                </a:tc>
+                <a:tc>
+                  <a:txBody>
+                    <a:bodyPr/>
+                    <a:lstStyle/>
+                    <a:p>
+                      <a:r>
+                        <a:rPr lang="en-US" sz="1400" dirty="0"/>
+                        <a:t>3W-5W</a:t>
+                      </a:r>
+                      <a:endParaRPr lang="en-NL" sz="1400" dirty="0"/>
+                    </a:p>
+                  </a:txBody>
+                  <a:tcPr/>
+                </a:tc>
+                <a:tc>
+                  <a:txBody>
+                    <a:bodyPr/>
+                    <a:lstStyle/>
+                    <a:p>
+                      <a:r>
+                        <a:rPr lang="en-US" sz="1400" dirty="0"/>
+                        <a:t>40</a:t>
+                      </a:r>
+                    </a:p>
+                    <a:p>
+                      <a:r>
+                        <a:rPr lang="en-US" sz="1400" dirty="0"/>
+                        <a:t>I2C, SPI, UART </a:t>
+                      </a:r>
+                      <a:r>
+                        <a:rPr lang="en-US" sz="1400" dirty="0" err="1"/>
+                        <a:t>en</a:t>
+                      </a:r>
+                      <a:r>
+                        <a:rPr lang="en-US" sz="1400" dirty="0"/>
+                        <a:t> PWM</a:t>
+                      </a:r>
+                      <a:endParaRPr lang="en-NL" sz="1400" dirty="0"/>
+                    </a:p>
+                  </a:txBody>
+                  <a:tcPr/>
+                </a:tc>
+                <a:tc>
+                  <a:txBody>
+                    <a:bodyPr/>
+                    <a:lstStyle/>
+                    <a:p>
+                      <a:pPr marL="0" marR="0" lvl="0" indent="0" algn="l" defTabSz="457200" rtl="0" eaLnBrk="1" fontAlgn="auto" latinLnBrk="0" hangingPunct="1">
+                        <a:lnSpc>
+                          <a:spcPct val="100000"/>
+                        </a:lnSpc>
+                        <a:spcBef>
+                          <a:spcPts val="0"/>
+                        </a:spcBef>
+                        <a:spcAft>
+                          <a:spcPts val="0"/>
+                        </a:spcAft>
+                        <a:buClrTx/>
+                        <a:buSzTx/>
+                        <a:buFontTx/>
+                        <a:buNone/>
+                        <a:tabLst/>
+                        <a:defRPr/>
+                      </a:pPr>
+                      <a:r>
+                        <a:rPr lang="en-US" sz="1400" dirty="0"/>
+                        <a:t>50-70€</a:t>
+                      </a:r>
+                      <a:endParaRPr lang="en-NL" sz="1400" dirty="0"/>
+                    </a:p>
+                    <a:p>
+                      <a:endParaRPr lang="en-NL" dirty="0"/>
+                    </a:p>
+                  </a:txBody>
+                  <a:tcPr/>
+                </a:tc>
+                <a:extLst>
+                  <a:ext uri="{0D108BD9-81ED-4DB2-BD59-A6C34878D82A}">
+                    <a16:rowId xmlns:a16="http://schemas.microsoft.com/office/drawing/2014/main" val="786914914"/>
+                  </a:ext>
+                </a:extLst>
+              </a:tr>
+            </a:tbl>
+          </a:graphicData>
+        </a:graphic>
+      </p:graphicFrame>
+    </p:spTree>
+    <p:extLst>
+      <p:ext uri="{BB962C8B-B14F-4D97-AF65-F5344CB8AC3E}">
+        <p14:creationId xmlns:p14="http://schemas.microsoft.com/office/powerpoint/2010/main" val="1015200384"/>
+      </p:ext>
+    </p:extLst>
+  </p:cSld>
+  <p:clrMapOvr>
+    <a:masterClrMapping/>
+  </p:clrMapOvr>
+</p:sld>
+</file>
+
+<file path=ppt/slides/slide11.xml><?xml version="1.0" encoding="utf-8"?>
+<p:sld xmlns:a="http://schemas.openxmlformats.org/drawingml/2006/main" xmlns:r="http://schemas.openxmlformats.org/officeDocument/2006/relationships" xmlns:p="http://schemas.openxmlformats.org/presentationml/2006/main">
+  <p:cSld>
+    <p:spTree>
+      <p:nvGrpSpPr>
+        <p:cNvPr id="1" name=""/>
+        <p:cNvGrpSpPr/>
+        <p:nvPr/>
+      </p:nvGrpSpPr>
+      <p:grpSpPr>
+        <a:xfrm>
+          <a:off x="0" y="0"/>
+          <a:ext cx="0" cy="0"/>
+          <a:chOff x="0" y="0"/>
+          <a:chExt cx="0" cy="0"/>
+        </a:xfrm>
+      </p:grpSpPr>
+      <p:sp>
+        <p:nvSpPr>
+          <p:cNvPr id="2" name="Title 1">
+            <a:extLst>
+              <a:ext uri="{FF2B5EF4-FFF2-40B4-BE49-F238E27FC236}">
+                <a16:creationId xmlns:a16="http://schemas.microsoft.com/office/drawing/2014/main" id="{D2160E4B-49EB-3E4F-BB8E-0B3270696CE0}"/>
+              </a:ext>
+            </a:extLst>
+          </p:cNvPr>
+          <p:cNvSpPr>
+            <a:spLocks noGrp="1"/>
+          </p:cNvSpPr>
+          <p:nvPr>
+            <p:ph type="title"/>
+          </p:nvPr>
+        </p:nvSpPr>
+        <p:spPr>
+          <a:xfrm>
+            <a:off x="136009" y="134112"/>
+            <a:ext cx="8596668" cy="1320800"/>
+          </a:xfrm>
+        </p:spPr>
+        <p:txBody>
+          <a:bodyPr/>
+          <a:lstStyle/>
+          <a:p>
+            <a:r>
+              <a:rPr lang="en-US" dirty="0" err="1"/>
+              <a:t>Sensoren</a:t>
+            </a:r>
+            <a:r>
+              <a:rPr lang="en-US" dirty="0"/>
+              <a:t> </a:t>
+            </a:r>
+            <a:r>
+              <a:rPr lang="en-US" dirty="0" err="1"/>
+              <a:t>onderzoek</a:t>
+            </a:r>
+            <a:endParaRPr lang="en-NL" dirty="0"/>
+          </a:p>
+        </p:txBody>
+      </p:sp>
+      <p:graphicFrame>
+        <p:nvGraphicFramePr>
+          <p:cNvPr id="4" name="Content Placeholder 3">
+            <a:extLst>
+              <a:ext uri="{FF2B5EF4-FFF2-40B4-BE49-F238E27FC236}">
+                <a16:creationId xmlns:a16="http://schemas.microsoft.com/office/drawing/2014/main" id="{4AD71FDA-42D7-2106-BCCB-ACDBABF2D8F2}"/>
+              </a:ext>
+            </a:extLst>
+          </p:cNvPr>
+          <p:cNvGraphicFramePr>
+            <a:graphicFrameLocks noGrp="1"/>
+          </p:cNvGraphicFramePr>
+          <p:nvPr>
+            <p:ph idx="1"/>
+            <p:extLst>
+              <p:ext uri="{D42A27DB-BD31-4B8C-83A1-F6EECF244321}">
+                <p14:modId xmlns:p14="http://schemas.microsoft.com/office/powerpoint/2010/main" val="771396746"/>
+              </p:ext>
+            </p:extLst>
+          </p:nvPr>
+        </p:nvGraphicFramePr>
+        <p:xfrm>
+          <a:off x="1148485" y="2713939"/>
+          <a:ext cx="9341511" cy="4144061"/>
+        </p:xfrm>
+        <a:graphic>
+          <a:graphicData uri="http://schemas.openxmlformats.org/drawingml/2006/table">
+            <a:tbl>
+              <a:tblPr firstRow="1" firstCol="1">
+                <a:tableStyleId>{5C22544A-7EE6-4342-B048-85BDC9FD1C3A}</a:tableStyleId>
+              </a:tblPr>
+              <a:tblGrid>
+                <a:gridCol w="2490259">
+                  <a:extLst>
+                    <a:ext uri="{9D8B030D-6E8A-4147-A177-3AD203B41FA5}">
+                      <a16:colId xmlns:a16="http://schemas.microsoft.com/office/drawing/2014/main" val="1009998293"/>
+                    </a:ext>
+                  </a:extLst>
+                </a:gridCol>
+                <a:gridCol w="1579189">
+                  <a:extLst>
+                    <a:ext uri="{9D8B030D-6E8A-4147-A177-3AD203B41FA5}">
+                      <a16:colId xmlns:a16="http://schemas.microsoft.com/office/drawing/2014/main" val="2754714101"/>
+                    </a:ext>
+                  </a:extLst>
+                </a:gridCol>
+                <a:gridCol w="1579189">
+                  <a:extLst>
+                    <a:ext uri="{9D8B030D-6E8A-4147-A177-3AD203B41FA5}">
+                      <a16:colId xmlns:a16="http://schemas.microsoft.com/office/drawing/2014/main" val="863153412"/>
+                    </a:ext>
+                  </a:extLst>
+                </a:gridCol>
+                <a:gridCol w="1816068">
+                  <a:extLst>
+                    <a:ext uri="{9D8B030D-6E8A-4147-A177-3AD203B41FA5}">
+                      <a16:colId xmlns:a16="http://schemas.microsoft.com/office/drawing/2014/main" val="1694052627"/>
+                    </a:ext>
+                  </a:extLst>
+                </a:gridCol>
+                <a:gridCol w="1876806">
+                  <a:extLst>
+                    <a:ext uri="{9D8B030D-6E8A-4147-A177-3AD203B41FA5}">
+                      <a16:colId xmlns:a16="http://schemas.microsoft.com/office/drawing/2014/main" val="4262543509"/>
+                    </a:ext>
+                  </a:extLst>
+                </a:gridCol>
+              </a:tblGrid>
+              <a:tr h="491880">
+                <a:tc>
+                  <a:txBody>
+                    <a:bodyPr/>
+                    <a:lstStyle/>
+                    <a:p>
+                      <a:pPr>
+                        <a:lnSpc>
+                          <a:spcPct val="107000"/>
+                        </a:lnSpc>
+                        <a:spcAft>
+                          <a:spcPts val="800"/>
+                        </a:spcAft>
+                        <a:buNone/>
+                      </a:pPr>
+                      <a:r>
+                        <a:rPr lang="nl-NL" sz="1500" kern="100" dirty="0">
+                          <a:effectLst/>
+                        </a:rPr>
+                        <a:t> </a:t>
+                      </a:r>
+                      <a:endParaRPr lang="en-NL" sz="1100" kern="100" dirty="0">
+                        <a:effectLst/>
+                        <a:latin typeface="Aptos" panose="020B0004020202020204" pitchFamily="34" charset="0"/>
+                        <a:ea typeface="Aptos" panose="020B0004020202020204" pitchFamily="34" charset="0"/>
+                        <a:cs typeface="Arial" panose="020B0604020202020204" pitchFamily="34" charset="0"/>
+                      </a:endParaRPr>
+                    </a:p>
+                  </a:txBody>
+                  <a:tcPr marL="68580" marR="68580" marT="0" marB="0"/>
+                </a:tc>
+                <a:tc>
+                  <a:txBody>
+                    <a:bodyPr/>
+                    <a:lstStyle/>
+                    <a:p>
+                      <a:pPr>
+                        <a:lnSpc>
+                          <a:spcPct val="107000"/>
+                        </a:lnSpc>
+                        <a:spcAft>
+                          <a:spcPts val="800"/>
+                        </a:spcAft>
+                        <a:buNone/>
+                      </a:pPr>
+                      <a:r>
+                        <a:rPr lang="nl-NL" sz="1100" kern="100" dirty="0">
+                          <a:effectLst/>
+                        </a:rPr>
+                        <a:t>Anemometer YX-DFS2</a:t>
+                      </a:r>
+                      <a:endParaRPr lang="en-NL" sz="1100" kern="100" dirty="0">
+                        <a:effectLst/>
+                        <a:latin typeface="Aptos" panose="020B0004020202020204" pitchFamily="34" charset="0"/>
+                        <a:ea typeface="Aptos" panose="020B0004020202020204" pitchFamily="34" charset="0"/>
+                        <a:cs typeface="Arial" panose="020B0604020202020204" pitchFamily="34" charset="0"/>
+                      </a:endParaRPr>
+                    </a:p>
+                  </a:txBody>
+                  <a:tcPr marL="68580" marR="68580" marT="0" marB="0"/>
+                </a:tc>
+                <a:tc>
+                  <a:txBody>
+                    <a:bodyPr/>
+                    <a:lstStyle/>
+                    <a:p>
+                      <a:pPr>
+                        <a:lnSpc>
+                          <a:spcPct val="107000"/>
+                        </a:lnSpc>
+                        <a:spcAft>
+                          <a:spcPts val="1610"/>
+                        </a:spcAft>
+                        <a:buNone/>
+                      </a:pPr>
+                      <a:r>
+                        <a:rPr lang="nl-NL" sz="1100" kern="100" dirty="0">
+                          <a:effectLst/>
+                        </a:rPr>
+                        <a:t>Anemometer </a:t>
+                      </a:r>
+                      <a:endParaRPr lang="en-NL" sz="1100" kern="100" dirty="0">
+                        <a:effectLst/>
+                        <a:latin typeface="Aptos" panose="020B0004020202020204" pitchFamily="34" charset="0"/>
+                        <a:ea typeface="Aptos" panose="020B0004020202020204" pitchFamily="34" charset="0"/>
+                        <a:cs typeface="Arial" panose="020B0604020202020204" pitchFamily="34" charset="0"/>
+                      </a:endParaRPr>
+                    </a:p>
+                  </a:txBody>
+                  <a:tcPr marL="68580" marR="68580" marT="0" marB="0"/>
+                </a:tc>
+                <a:tc>
+                  <a:txBody>
+                    <a:bodyPr/>
+                    <a:lstStyle/>
+                    <a:p>
+                      <a:pPr>
+                        <a:lnSpc>
+                          <a:spcPct val="107000"/>
+                        </a:lnSpc>
+                        <a:spcAft>
+                          <a:spcPts val="800"/>
+                        </a:spcAft>
+                        <a:buNone/>
+                      </a:pPr>
+                      <a:r>
+                        <a:rPr lang="nl-NL" sz="1100" kern="100">
+                          <a:effectLst/>
+                        </a:rPr>
+                        <a:t>RS485 Windrichting</a:t>
+                      </a:r>
+                      <a:endParaRPr lang="en-NL" sz="1100" kern="100">
+                        <a:effectLst/>
+                        <a:latin typeface="Aptos" panose="020B0004020202020204" pitchFamily="34" charset="0"/>
+                        <a:ea typeface="Aptos" panose="020B0004020202020204" pitchFamily="34" charset="0"/>
+                        <a:cs typeface="Arial" panose="020B0604020202020204" pitchFamily="34" charset="0"/>
+                      </a:endParaRPr>
+                    </a:p>
+                  </a:txBody>
+                  <a:tcPr marL="68580" marR="68580" marT="0" marB="0"/>
+                </a:tc>
+                <a:tc>
+                  <a:txBody>
+                    <a:bodyPr/>
+                    <a:lstStyle/>
+                    <a:p>
+                      <a:pPr>
+                        <a:lnSpc>
+                          <a:spcPct val="107000"/>
+                        </a:lnSpc>
+                        <a:spcAft>
+                          <a:spcPts val="800"/>
+                        </a:spcAft>
+                        <a:buNone/>
+                      </a:pPr>
+                      <a:r>
+                        <a:rPr lang="nl-NL" sz="1100" kern="100" dirty="0" err="1">
+                          <a:effectLst/>
+                        </a:rPr>
+                        <a:t>SenseCAP</a:t>
+                      </a:r>
+                      <a:r>
+                        <a:rPr lang="nl-NL" sz="1100" kern="100" dirty="0">
+                          <a:effectLst/>
+                        </a:rPr>
+                        <a:t> S200</a:t>
+                      </a:r>
+                      <a:endParaRPr lang="en-NL" sz="1100" kern="100" dirty="0">
+                        <a:effectLst/>
+                        <a:latin typeface="Aptos" panose="020B0004020202020204" pitchFamily="34" charset="0"/>
+                        <a:ea typeface="Aptos" panose="020B0004020202020204" pitchFamily="34" charset="0"/>
+                        <a:cs typeface="Arial" panose="020B0604020202020204" pitchFamily="34" charset="0"/>
+                      </a:endParaRPr>
+                    </a:p>
+                  </a:txBody>
+                  <a:tcPr marL="68580" marR="68580" marT="0" marB="0"/>
+                </a:tc>
+                <a:extLst>
+                  <a:ext uri="{0D108BD9-81ED-4DB2-BD59-A6C34878D82A}">
+                    <a16:rowId xmlns:a16="http://schemas.microsoft.com/office/drawing/2014/main" val="3705161957"/>
+                  </a:ext>
+                </a:extLst>
+              </a:tr>
+              <a:tr h="328038">
+                <a:tc>
+                  <a:txBody>
+                    <a:bodyPr/>
+                    <a:lstStyle/>
+                    <a:p>
+                      <a:pPr>
+                        <a:lnSpc>
+                          <a:spcPct val="107000"/>
+                        </a:lnSpc>
+                        <a:spcAft>
+                          <a:spcPts val="800"/>
+                        </a:spcAft>
+                        <a:buNone/>
+                      </a:pPr>
+                      <a:r>
+                        <a:rPr lang="nl-NL" sz="1500" kern="100">
+                          <a:effectLst/>
+                        </a:rPr>
+                        <a:t>Prijs:</a:t>
+                      </a:r>
+                      <a:endParaRPr lang="en-NL" sz="1100" kern="100">
+                        <a:effectLst/>
+                        <a:latin typeface="Aptos" panose="020B0004020202020204" pitchFamily="34" charset="0"/>
+                        <a:ea typeface="Aptos" panose="020B0004020202020204" pitchFamily="34" charset="0"/>
+                        <a:cs typeface="Arial" panose="020B0604020202020204" pitchFamily="34" charset="0"/>
+                      </a:endParaRPr>
+                    </a:p>
+                  </a:txBody>
+                  <a:tcPr marL="68580" marR="68580" marT="0" marB="0"/>
+                </a:tc>
+                <a:tc>
+                  <a:txBody>
+                    <a:bodyPr/>
+                    <a:lstStyle/>
+                    <a:p>
+                      <a:pPr>
+                        <a:lnSpc>
+                          <a:spcPct val="107000"/>
+                        </a:lnSpc>
+                        <a:spcAft>
+                          <a:spcPts val="800"/>
+                        </a:spcAft>
+                        <a:buNone/>
+                      </a:pPr>
+                      <a:r>
+                        <a:rPr lang="nl-NL" sz="1500" kern="100">
+                          <a:effectLst/>
+                        </a:rPr>
+                        <a:t>49.50€</a:t>
+                      </a:r>
+                      <a:endParaRPr lang="en-NL" sz="1100" kern="100">
+                        <a:effectLst/>
+                        <a:latin typeface="Aptos" panose="020B0004020202020204" pitchFamily="34" charset="0"/>
+                        <a:ea typeface="Aptos" panose="020B0004020202020204" pitchFamily="34" charset="0"/>
+                        <a:cs typeface="Arial" panose="020B0604020202020204" pitchFamily="34" charset="0"/>
+                      </a:endParaRPr>
+                    </a:p>
+                  </a:txBody>
+                  <a:tcPr marL="68580" marR="68580" marT="0" marB="0"/>
+                </a:tc>
+                <a:tc>
+                  <a:txBody>
+                    <a:bodyPr/>
+                    <a:lstStyle/>
+                    <a:p>
+                      <a:pPr>
+                        <a:lnSpc>
+                          <a:spcPct val="107000"/>
+                        </a:lnSpc>
+                        <a:spcAft>
+                          <a:spcPts val="800"/>
+                        </a:spcAft>
+                        <a:buNone/>
+                      </a:pPr>
+                      <a:r>
+                        <a:rPr lang="nl-NL" sz="1500" kern="100">
+                          <a:effectLst/>
+                        </a:rPr>
+                        <a:t>69.95€</a:t>
+                      </a:r>
+                      <a:endParaRPr lang="en-NL" sz="1100" kern="100">
+                        <a:effectLst/>
+                        <a:latin typeface="Aptos" panose="020B0004020202020204" pitchFamily="34" charset="0"/>
+                        <a:ea typeface="Aptos" panose="020B0004020202020204" pitchFamily="34" charset="0"/>
+                        <a:cs typeface="Arial" panose="020B0604020202020204" pitchFamily="34" charset="0"/>
+                      </a:endParaRPr>
+                    </a:p>
+                  </a:txBody>
+                  <a:tcPr marL="68580" marR="68580" marT="0" marB="0"/>
+                </a:tc>
+                <a:tc>
+                  <a:txBody>
+                    <a:bodyPr/>
+                    <a:lstStyle/>
+                    <a:p>
+                      <a:pPr>
+                        <a:lnSpc>
+                          <a:spcPct val="107000"/>
+                        </a:lnSpc>
+                        <a:spcAft>
+                          <a:spcPts val="800"/>
+                        </a:spcAft>
+                        <a:buNone/>
+                      </a:pPr>
+                      <a:r>
+                        <a:rPr lang="nl-NL" sz="1500" kern="100">
+                          <a:effectLst/>
+                        </a:rPr>
+                        <a:t>49.50€</a:t>
+                      </a:r>
+                      <a:endParaRPr lang="en-NL" sz="1100" kern="100">
+                        <a:effectLst/>
+                        <a:latin typeface="Aptos" panose="020B0004020202020204" pitchFamily="34" charset="0"/>
+                        <a:ea typeface="Aptos" panose="020B0004020202020204" pitchFamily="34" charset="0"/>
+                        <a:cs typeface="Arial" panose="020B0604020202020204" pitchFamily="34" charset="0"/>
+                      </a:endParaRPr>
+                    </a:p>
+                  </a:txBody>
+                  <a:tcPr marL="68580" marR="68580" marT="0" marB="0"/>
+                </a:tc>
+                <a:tc>
+                  <a:txBody>
+                    <a:bodyPr/>
+                    <a:lstStyle/>
+                    <a:p>
+                      <a:pPr>
+                        <a:lnSpc>
+                          <a:spcPct val="107000"/>
+                        </a:lnSpc>
+                        <a:spcAft>
+                          <a:spcPts val="800"/>
+                        </a:spcAft>
+                        <a:buNone/>
+                      </a:pPr>
+                      <a:r>
+                        <a:rPr lang="nl-NL" sz="1500" kern="100">
+                          <a:effectLst/>
+                        </a:rPr>
+                        <a:t>350€</a:t>
+                      </a:r>
+                      <a:endParaRPr lang="en-NL" sz="1100" kern="100">
+                        <a:effectLst/>
+                        <a:latin typeface="Aptos" panose="020B0004020202020204" pitchFamily="34" charset="0"/>
+                        <a:ea typeface="Aptos" panose="020B0004020202020204" pitchFamily="34" charset="0"/>
+                        <a:cs typeface="Arial" panose="020B0604020202020204" pitchFamily="34" charset="0"/>
+                      </a:endParaRPr>
+                    </a:p>
+                  </a:txBody>
+                  <a:tcPr marL="68580" marR="68580" marT="0" marB="0"/>
+                </a:tc>
+                <a:extLst>
+                  <a:ext uri="{0D108BD9-81ED-4DB2-BD59-A6C34878D82A}">
+                    <a16:rowId xmlns:a16="http://schemas.microsoft.com/office/drawing/2014/main" val="2246253717"/>
+                  </a:ext>
+                </a:extLst>
+              </a:tr>
+              <a:tr h="328038">
+                <a:tc>
+                  <a:txBody>
+                    <a:bodyPr/>
+                    <a:lstStyle/>
+                    <a:p>
+                      <a:pPr>
+                        <a:lnSpc>
+                          <a:spcPct val="107000"/>
+                        </a:lnSpc>
+                        <a:spcAft>
+                          <a:spcPts val="800"/>
+                        </a:spcAft>
+                        <a:buNone/>
+                      </a:pPr>
+                      <a:r>
+                        <a:rPr lang="nl-NL" sz="1500" kern="100">
+                          <a:effectLst/>
+                        </a:rPr>
+                        <a:t>Input DC</a:t>
+                      </a:r>
+                      <a:endParaRPr lang="en-NL" sz="1100" kern="100">
+                        <a:effectLst/>
+                        <a:latin typeface="Aptos" panose="020B0004020202020204" pitchFamily="34" charset="0"/>
+                        <a:ea typeface="Aptos" panose="020B0004020202020204" pitchFamily="34" charset="0"/>
+                        <a:cs typeface="Arial" panose="020B0604020202020204" pitchFamily="34" charset="0"/>
+                      </a:endParaRPr>
+                    </a:p>
+                  </a:txBody>
+                  <a:tcPr marL="68580" marR="68580" marT="0" marB="0"/>
+                </a:tc>
+                <a:tc>
+                  <a:txBody>
+                    <a:bodyPr/>
+                    <a:lstStyle/>
+                    <a:p>
+                      <a:pPr>
+                        <a:lnSpc>
+                          <a:spcPct val="107000"/>
+                        </a:lnSpc>
+                        <a:spcAft>
+                          <a:spcPts val="800"/>
+                        </a:spcAft>
+                        <a:buNone/>
+                      </a:pPr>
+                      <a:r>
+                        <a:rPr lang="nl-NL" sz="1500" kern="100">
+                          <a:effectLst/>
+                        </a:rPr>
+                        <a:t>12-24V</a:t>
+                      </a:r>
+                      <a:endParaRPr lang="en-NL" sz="1100" kern="100">
+                        <a:effectLst/>
+                        <a:latin typeface="Aptos" panose="020B0004020202020204" pitchFamily="34" charset="0"/>
+                        <a:ea typeface="Aptos" panose="020B0004020202020204" pitchFamily="34" charset="0"/>
+                        <a:cs typeface="Arial" panose="020B0604020202020204" pitchFamily="34" charset="0"/>
+                      </a:endParaRPr>
+                    </a:p>
+                  </a:txBody>
+                  <a:tcPr marL="68580" marR="68580" marT="0" marB="0"/>
+                </a:tc>
+                <a:tc>
+                  <a:txBody>
+                    <a:bodyPr/>
+                    <a:lstStyle/>
+                    <a:p>
+                      <a:pPr>
+                        <a:lnSpc>
+                          <a:spcPct val="107000"/>
+                        </a:lnSpc>
+                        <a:spcAft>
+                          <a:spcPts val="800"/>
+                        </a:spcAft>
+                        <a:buNone/>
+                      </a:pPr>
+                      <a:r>
+                        <a:rPr lang="nl-NL" sz="1500" kern="100">
+                          <a:effectLst/>
+                        </a:rPr>
+                        <a:t>9-24V</a:t>
+                      </a:r>
+                      <a:endParaRPr lang="en-NL" sz="1100" kern="100">
+                        <a:effectLst/>
+                        <a:latin typeface="Aptos" panose="020B0004020202020204" pitchFamily="34" charset="0"/>
+                        <a:ea typeface="Aptos" panose="020B0004020202020204" pitchFamily="34" charset="0"/>
+                        <a:cs typeface="Arial" panose="020B0604020202020204" pitchFamily="34" charset="0"/>
+                      </a:endParaRPr>
+                    </a:p>
+                  </a:txBody>
+                  <a:tcPr marL="68580" marR="68580" marT="0" marB="0"/>
+                </a:tc>
+                <a:tc>
+                  <a:txBody>
+                    <a:bodyPr/>
+                    <a:lstStyle/>
+                    <a:p>
+                      <a:pPr>
+                        <a:lnSpc>
+                          <a:spcPct val="107000"/>
+                        </a:lnSpc>
+                        <a:spcAft>
+                          <a:spcPts val="800"/>
+                        </a:spcAft>
+                        <a:buNone/>
+                      </a:pPr>
+                      <a:r>
+                        <a:rPr lang="nl-NL" sz="1500" kern="100">
+                          <a:effectLst/>
+                        </a:rPr>
+                        <a:t>7-24V</a:t>
+                      </a:r>
+                      <a:endParaRPr lang="en-NL" sz="1100" kern="100">
+                        <a:effectLst/>
+                        <a:latin typeface="Aptos" panose="020B0004020202020204" pitchFamily="34" charset="0"/>
+                        <a:ea typeface="Aptos" panose="020B0004020202020204" pitchFamily="34" charset="0"/>
+                        <a:cs typeface="Arial" panose="020B0604020202020204" pitchFamily="34" charset="0"/>
+                      </a:endParaRPr>
+                    </a:p>
+                  </a:txBody>
+                  <a:tcPr marL="68580" marR="68580" marT="0" marB="0"/>
+                </a:tc>
+                <a:tc>
+                  <a:txBody>
+                    <a:bodyPr/>
+                    <a:lstStyle/>
+                    <a:p>
+                      <a:pPr>
+                        <a:lnSpc>
+                          <a:spcPct val="107000"/>
+                        </a:lnSpc>
+                        <a:spcAft>
+                          <a:spcPts val="800"/>
+                        </a:spcAft>
+                        <a:buNone/>
+                      </a:pPr>
+                      <a:r>
+                        <a:rPr lang="nl-NL" sz="1500" kern="100">
+                          <a:effectLst/>
+                        </a:rPr>
+                        <a:t>12-24V</a:t>
+                      </a:r>
+                      <a:endParaRPr lang="en-NL" sz="1100" kern="100">
+                        <a:effectLst/>
+                        <a:latin typeface="Aptos" panose="020B0004020202020204" pitchFamily="34" charset="0"/>
+                        <a:ea typeface="Aptos" panose="020B0004020202020204" pitchFamily="34" charset="0"/>
+                        <a:cs typeface="Arial" panose="020B0604020202020204" pitchFamily="34" charset="0"/>
+                      </a:endParaRPr>
+                    </a:p>
+                  </a:txBody>
+                  <a:tcPr marL="68580" marR="68580" marT="0" marB="0"/>
+                </a:tc>
+                <a:extLst>
+                  <a:ext uri="{0D108BD9-81ED-4DB2-BD59-A6C34878D82A}">
+                    <a16:rowId xmlns:a16="http://schemas.microsoft.com/office/drawing/2014/main" val="883815970"/>
+                  </a:ext>
+                </a:extLst>
+              </a:tr>
+              <a:tr h="328038">
+                <a:tc>
+                  <a:txBody>
+                    <a:bodyPr/>
+                    <a:lstStyle/>
+                    <a:p>
+                      <a:pPr>
+                        <a:lnSpc>
+                          <a:spcPct val="107000"/>
+                        </a:lnSpc>
+                        <a:spcAft>
+                          <a:spcPts val="800"/>
+                        </a:spcAft>
+                        <a:buNone/>
+                      </a:pPr>
+                      <a:r>
+                        <a:rPr lang="nl-NL" sz="1500" kern="100">
+                          <a:effectLst/>
+                        </a:rPr>
+                        <a:t>output</a:t>
+                      </a:r>
+                      <a:endParaRPr lang="en-NL" sz="1100" kern="100">
+                        <a:effectLst/>
+                        <a:latin typeface="Aptos" panose="020B0004020202020204" pitchFamily="34" charset="0"/>
+                        <a:ea typeface="Aptos" panose="020B0004020202020204" pitchFamily="34" charset="0"/>
+                        <a:cs typeface="Arial" panose="020B0604020202020204" pitchFamily="34" charset="0"/>
+                      </a:endParaRPr>
+                    </a:p>
+                  </a:txBody>
+                  <a:tcPr marL="68580" marR="68580" marT="0" marB="0"/>
+                </a:tc>
+                <a:tc>
+                  <a:txBody>
+                    <a:bodyPr/>
+                    <a:lstStyle/>
+                    <a:p>
+                      <a:pPr>
+                        <a:lnSpc>
+                          <a:spcPct val="107000"/>
+                        </a:lnSpc>
+                        <a:spcAft>
+                          <a:spcPts val="800"/>
+                        </a:spcAft>
+                        <a:buNone/>
+                      </a:pPr>
+                      <a:r>
+                        <a:rPr lang="nl-NL" sz="1500" kern="100">
+                          <a:effectLst/>
+                        </a:rPr>
+                        <a:t>0-5V</a:t>
+                      </a:r>
+                      <a:endParaRPr lang="en-NL" sz="1100" kern="100">
+                        <a:effectLst/>
+                        <a:latin typeface="Aptos" panose="020B0004020202020204" pitchFamily="34" charset="0"/>
+                        <a:ea typeface="Aptos" panose="020B0004020202020204" pitchFamily="34" charset="0"/>
+                        <a:cs typeface="Arial" panose="020B0604020202020204" pitchFamily="34" charset="0"/>
+                      </a:endParaRPr>
+                    </a:p>
+                  </a:txBody>
+                  <a:tcPr marL="68580" marR="68580" marT="0" marB="0"/>
+                </a:tc>
+                <a:tc>
+                  <a:txBody>
+                    <a:bodyPr/>
+                    <a:lstStyle/>
+                    <a:p>
+                      <a:pPr>
+                        <a:lnSpc>
+                          <a:spcPct val="107000"/>
+                        </a:lnSpc>
+                        <a:spcAft>
+                          <a:spcPts val="800"/>
+                        </a:spcAft>
+                        <a:buNone/>
+                      </a:pPr>
+                      <a:r>
+                        <a:rPr lang="nl-NL" sz="1500" kern="100">
+                          <a:effectLst/>
+                        </a:rPr>
+                        <a:t>0.4-2V</a:t>
+                      </a:r>
+                      <a:endParaRPr lang="en-NL" sz="1100" kern="100">
+                        <a:effectLst/>
+                        <a:latin typeface="Aptos" panose="020B0004020202020204" pitchFamily="34" charset="0"/>
+                        <a:ea typeface="Aptos" panose="020B0004020202020204" pitchFamily="34" charset="0"/>
+                        <a:cs typeface="Arial" panose="020B0604020202020204" pitchFamily="34" charset="0"/>
+                      </a:endParaRPr>
+                    </a:p>
+                  </a:txBody>
+                  <a:tcPr marL="68580" marR="68580" marT="0" marB="0"/>
+                </a:tc>
+                <a:tc>
+                  <a:txBody>
+                    <a:bodyPr/>
+                    <a:lstStyle/>
+                    <a:p>
+                      <a:pPr>
+                        <a:lnSpc>
+                          <a:spcPct val="107000"/>
+                        </a:lnSpc>
+                        <a:spcAft>
+                          <a:spcPts val="800"/>
+                        </a:spcAft>
+                        <a:buNone/>
+                      </a:pPr>
+                      <a:r>
+                        <a:rPr lang="nl-NL" sz="1100" kern="100">
+                          <a:effectLst/>
+                        </a:rPr>
+                        <a:t>Interface</a:t>
+                      </a:r>
+                      <a:endParaRPr lang="en-NL" sz="1100" kern="100">
+                        <a:effectLst/>
+                        <a:latin typeface="Aptos" panose="020B0004020202020204" pitchFamily="34" charset="0"/>
+                        <a:ea typeface="Aptos" panose="020B0004020202020204" pitchFamily="34" charset="0"/>
+                        <a:cs typeface="Arial" panose="020B0604020202020204" pitchFamily="34" charset="0"/>
+                      </a:endParaRPr>
+                    </a:p>
+                  </a:txBody>
+                  <a:tcPr marL="68580" marR="68580" marT="0" marB="0"/>
+                </a:tc>
+                <a:tc>
+                  <a:txBody>
+                    <a:bodyPr/>
+                    <a:lstStyle/>
+                    <a:p>
+                      <a:pPr>
+                        <a:lnSpc>
+                          <a:spcPct val="107000"/>
+                        </a:lnSpc>
+                        <a:spcAft>
+                          <a:spcPts val="800"/>
+                        </a:spcAft>
+                        <a:buNone/>
+                      </a:pPr>
+                      <a:r>
+                        <a:rPr lang="nl-NL" sz="1500" kern="100">
+                          <a:effectLst/>
+                        </a:rPr>
+                        <a:t>LoRa</a:t>
+                      </a:r>
+                      <a:endParaRPr lang="en-NL" sz="1100" kern="100">
+                        <a:effectLst/>
+                        <a:latin typeface="Aptos" panose="020B0004020202020204" pitchFamily="34" charset="0"/>
+                        <a:ea typeface="Aptos" panose="020B0004020202020204" pitchFamily="34" charset="0"/>
+                        <a:cs typeface="Arial" panose="020B0604020202020204" pitchFamily="34" charset="0"/>
+                      </a:endParaRPr>
+                    </a:p>
+                  </a:txBody>
+                  <a:tcPr marL="68580" marR="68580" marT="0" marB="0"/>
+                </a:tc>
+                <a:extLst>
+                  <a:ext uri="{0D108BD9-81ED-4DB2-BD59-A6C34878D82A}">
+                    <a16:rowId xmlns:a16="http://schemas.microsoft.com/office/drawing/2014/main" val="1847350016"/>
+                  </a:ext>
+                </a:extLst>
+              </a:tr>
+              <a:tr h="328038">
+                <a:tc>
+                  <a:txBody>
+                    <a:bodyPr/>
+                    <a:lstStyle/>
+                    <a:p>
+                      <a:pPr>
+                        <a:lnSpc>
+                          <a:spcPct val="107000"/>
+                        </a:lnSpc>
+                        <a:spcAft>
+                          <a:spcPts val="800"/>
+                        </a:spcAft>
+                        <a:buNone/>
+                      </a:pPr>
+                      <a:r>
+                        <a:rPr lang="nl-NL" sz="1500" kern="100">
+                          <a:effectLst/>
+                        </a:rPr>
+                        <a:t>windrichtingen</a:t>
+                      </a:r>
+                      <a:endParaRPr lang="en-NL" sz="1100" kern="100">
+                        <a:effectLst/>
+                        <a:latin typeface="Aptos" panose="020B0004020202020204" pitchFamily="34" charset="0"/>
+                        <a:ea typeface="Aptos" panose="020B0004020202020204" pitchFamily="34" charset="0"/>
+                        <a:cs typeface="Arial" panose="020B0604020202020204" pitchFamily="34" charset="0"/>
+                      </a:endParaRPr>
+                    </a:p>
+                  </a:txBody>
+                  <a:tcPr marL="68580" marR="68580" marT="0" marB="0"/>
+                </a:tc>
+                <a:tc>
+                  <a:txBody>
+                    <a:bodyPr/>
+                    <a:lstStyle/>
+                    <a:p>
+                      <a:pPr>
+                        <a:lnSpc>
+                          <a:spcPct val="107000"/>
+                        </a:lnSpc>
+                        <a:spcAft>
+                          <a:spcPts val="800"/>
+                        </a:spcAft>
+                        <a:buNone/>
+                      </a:pPr>
+                      <a:r>
+                        <a:rPr lang="nl-NL" sz="1500" kern="100">
+                          <a:effectLst/>
+                        </a:rPr>
+                        <a:t>nvt</a:t>
+                      </a:r>
+                      <a:endParaRPr lang="en-NL" sz="1100" kern="100">
+                        <a:effectLst/>
+                        <a:latin typeface="Aptos" panose="020B0004020202020204" pitchFamily="34" charset="0"/>
+                        <a:ea typeface="Aptos" panose="020B0004020202020204" pitchFamily="34" charset="0"/>
+                        <a:cs typeface="Arial" panose="020B0604020202020204" pitchFamily="34" charset="0"/>
+                      </a:endParaRPr>
+                    </a:p>
+                  </a:txBody>
+                  <a:tcPr marL="68580" marR="68580" marT="0" marB="0"/>
+                </a:tc>
+                <a:tc>
+                  <a:txBody>
+                    <a:bodyPr/>
+                    <a:lstStyle/>
+                    <a:p>
+                      <a:pPr>
+                        <a:lnSpc>
+                          <a:spcPct val="107000"/>
+                        </a:lnSpc>
+                        <a:spcAft>
+                          <a:spcPts val="800"/>
+                        </a:spcAft>
+                        <a:buNone/>
+                      </a:pPr>
+                      <a:r>
+                        <a:rPr lang="nl-NL" sz="1500" kern="100">
+                          <a:effectLst/>
+                        </a:rPr>
+                        <a:t>nvt</a:t>
+                      </a:r>
+                      <a:endParaRPr lang="en-NL" sz="1100" kern="100">
+                        <a:effectLst/>
+                        <a:latin typeface="Aptos" panose="020B0004020202020204" pitchFamily="34" charset="0"/>
+                        <a:ea typeface="Aptos" panose="020B0004020202020204" pitchFamily="34" charset="0"/>
+                        <a:cs typeface="Arial" panose="020B0604020202020204" pitchFamily="34" charset="0"/>
+                      </a:endParaRPr>
+                    </a:p>
+                  </a:txBody>
+                  <a:tcPr marL="68580" marR="68580" marT="0" marB="0"/>
+                </a:tc>
+                <a:tc>
+                  <a:txBody>
+                    <a:bodyPr/>
+                    <a:lstStyle/>
+                    <a:p>
+                      <a:pPr>
+                        <a:lnSpc>
+                          <a:spcPct val="107000"/>
+                        </a:lnSpc>
+                        <a:spcAft>
+                          <a:spcPts val="800"/>
+                        </a:spcAft>
+                        <a:buNone/>
+                      </a:pPr>
+                      <a:r>
+                        <a:rPr lang="nl-NL" sz="1500" kern="100">
+                          <a:effectLst/>
+                        </a:rPr>
+                        <a:t>16/0-360°</a:t>
+                      </a:r>
+                      <a:endParaRPr lang="en-NL" sz="1100" kern="100">
+                        <a:effectLst/>
+                        <a:latin typeface="Aptos" panose="020B0004020202020204" pitchFamily="34" charset="0"/>
+                        <a:ea typeface="Aptos" panose="020B0004020202020204" pitchFamily="34" charset="0"/>
+                        <a:cs typeface="Arial" panose="020B0604020202020204" pitchFamily="34" charset="0"/>
+                      </a:endParaRPr>
+                    </a:p>
+                  </a:txBody>
+                  <a:tcPr marL="68580" marR="68580" marT="0" marB="0"/>
+                </a:tc>
+                <a:tc>
+                  <a:txBody>
+                    <a:bodyPr/>
+                    <a:lstStyle/>
+                    <a:p>
+                      <a:pPr>
+                        <a:lnSpc>
+                          <a:spcPct val="107000"/>
+                        </a:lnSpc>
+                        <a:spcAft>
+                          <a:spcPts val="800"/>
+                        </a:spcAft>
+                        <a:buNone/>
+                      </a:pPr>
+                      <a:r>
+                        <a:rPr lang="nl-NL" sz="1500" kern="100">
+                          <a:effectLst/>
+                        </a:rPr>
+                        <a:t>0 ~ 360 °</a:t>
+                      </a:r>
+                      <a:endParaRPr lang="en-NL" sz="1100" kern="100">
+                        <a:effectLst/>
+                        <a:latin typeface="Aptos" panose="020B0004020202020204" pitchFamily="34" charset="0"/>
+                        <a:ea typeface="Aptos" panose="020B0004020202020204" pitchFamily="34" charset="0"/>
+                        <a:cs typeface="Arial" panose="020B0604020202020204" pitchFamily="34" charset="0"/>
+                      </a:endParaRPr>
+                    </a:p>
+                  </a:txBody>
+                  <a:tcPr marL="68580" marR="68580" marT="0" marB="0"/>
+                </a:tc>
+                <a:extLst>
+                  <a:ext uri="{0D108BD9-81ED-4DB2-BD59-A6C34878D82A}">
+                    <a16:rowId xmlns:a16="http://schemas.microsoft.com/office/drawing/2014/main" val="3585839084"/>
+                  </a:ext>
+                </a:extLst>
+              </a:tr>
+              <a:tr h="670664">
+                <a:tc>
+                  <a:txBody>
+                    <a:bodyPr/>
+                    <a:lstStyle/>
+                    <a:p>
+                      <a:pPr>
+                        <a:lnSpc>
+                          <a:spcPct val="107000"/>
+                        </a:lnSpc>
+                        <a:spcAft>
+                          <a:spcPts val="800"/>
+                        </a:spcAft>
+                        <a:buNone/>
+                      </a:pPr>
+                      <a:r>
+                        <a:rPr lang="nl-NL" sz="1500" kern="100" dirty="0">
+                          <a:effectLst/>
+                        </a:rPr>
+                        <a:t>Max winsnelheid</a:t>
+                      </a:r>
+                      <a:endParaRPr lang="en-NL" sz="1100" kern="100" dirty="0">
+                        <a:effectLst/>
+                        <a:latin typeface="Aptos" panose="020B0004020202020204" pitchFamily="34" charset="0"/>
+                        <a:ea typeface="Aptos" panose="020B0004020202020204" pitchFamily="34" charset="0"/>
+                        <a:cs typeface="Arial" panose="020B0604020202020204" pitchFamily="34" charset="0"/>
+                      </a:endParaRPr>
+                    </a:p>
+                  </a:txBody>
+                  <a:tcPr marL="68580" marR="68580" marT="0" marB="0"/>
+                </a:tc>
+                <a:tc>
+                  <a:txBody>
+                    <a:bodyPr/>
+                    <a:lstStyle/>
+                    <a:p>
+                      <a:pPr>
+                        <a:lnSpc>
+                          <a:spcPct val="107000"/>
+                        </a:lnSpc>
+                        <a:spcAft>
+                          <a:spcPts val="800"/>
+                        </a:spcAft>
+                        <a:buNone/>
+                      </a:pPr>
+                      <a:r>
+                        <a:rPr lang="nl-NL" sz="1500" kern="100">
+                          <a:effectLst/>
+                        </a:rPr>
+                        <a:t>30m/s</a:t>
+                      </a:r>
+                      <a:endParaRPr lang="en-NL" sz="1100" kern="100">
+                        <a:effectLst/>
+                        <a:latin typeface="Aptos" panose="020B0004020202020204" pitchFamily="34" charset="0"/>
+                        <a:ea typeface="Aptos" panose="020B0004020202020204" pitchFamily="34" charset="0"/>
+                        <a:cs typeface="Arial" panose="020B0604020202020204" pitchFamily="34" charset="0"/>
+                      </a:endParaRPr>
+                    </a:p>
+                  </a:txBody>
+                  <a:tcPr marL="68580" marR="68580" marT="0" marB="0"/>
+                </a:tc>
+                <a:tc>
+                  <a:txBody>
+                    <a:bodyPr/>
+                    <a:lstStyle/>
+                    <a:p>
+                      <a:pPr>
+                        <a:lnSpc>
+                          <a:spcPct val="107000"/>
+                        </a:lnSpc>
+                        <a:spcAft>
+                          <a:spcPts val="800"/>
+                        </a:spcAft>
+                        <a:buNone/>
+                      </a:pPr>
+                      <a:r>
+                        <a:rPr lang="nl-NL" sz="1500" kern="100">
+                          <a:effectLst/>
+                        </a:rPr>
+                        <a:t>50m/s</a:t>
+                      </a:r>
+                      <a:endParaRPr lang="en-NL" sz="1100" kern="100">
+                        <a:effectLst/>
+                        <a:latin typeface="Aptos" panose="020B0004020202020204" pitchFamily="34" charset="0"/>
+                        <a:ea typeface="Aptos" panose="020B0004020202020204" pitchFamily="34" charset="0"/>
+                        <a:cs typeface="Arial" panose="020B0604020202020204" pitchFamily="34" charset="0"/>
+                      </a:endParaRPr>
+                    </a:p>
+                  </a:txBody>
+                  <a:tcPr marL="68580" marR="68580" marT="0" marB="0"/>
+                </a:tc>
+                <a:tc>
+                  <a:txBody>
+                    <a:bodyPr/>
+                    <a:lstStyle/>
+                    <a:p>
+                      <a:pPr>
+                        <a:lnSpc>
+                          <a:spcPct val="107000"/>
+                        </a:lnSpc>
+                        <a:spcAft>
+                          <a:spcPts val="800"/>
+                        </a:spcAft>
+                        <a:buNone/>
+                      </a:pPr>
+                      <a:r>
+                        <a:rPr lang="nl-NL" sz="1500" kern="100">
+                          <a:effectLst/>
+                        </a:rPr>
+                        <a:t>nvt</a:t>
+                      </a:r>
+                      <a:endParaRPr lang="en-NL" sz="1100" kern="100">
+                        <a:effectLst/>
+                        <a:latin typeface="Aptos" panose="020B0004020202020204" pitchFamily="34" charset="0"/>
+                        <a:ea typeface="Aptos" panose="020B0004020202020204" pitchFamily="34" charset="0"/>
+                        <a:cs typeface="Arial" panose="020B0604020202020204" pitchFamily="34" charset="0"/>
+                      </a:endParaRPr>
+                    </a:p>
+                  </a:txBody>
+                  <a:tcPr marL="68580" marR="68580" marT="0" marB="0"/>
+                </a:tc>
+                <a:tc>
+                  <a:txBody>
+                    <a:bodyPr/>
+                    <a:lstStyle/>
+                    <a:p>
+                      <a:pPr>
+                        <a:lnSpc>
+                          <a:spcPct val="107000"/>
+                        </a:lnSpc>
+                        <a:spcAft>
+                          <a:spcPts val="800"/>
+                        </a:spcAft>
+                        <a:buNone/>
+                      </a:pPr>
+                      <a:r>
+                        <a:rPr lang="nl-NL" sz="1500" kern="100">
+                          <a:effectLst/>
+                        </a:rPr>
+                        <a:t>60m/s</a:t>
+                      </a:r>
+                      <a:endParaRPr lang="en-NL" sz="1100" kern="100">
+                        <a:effectLst/>
+                        <a:latin typeface="Aptos" panose="020B0004020202020204" pitchFamily="34" charset="0"/>
+                        <a:ea typeface="Aptos" panose="020B0004020202020204" pitchFamily="34" charset="0"/>
+                        <a:cs typeface="Arial" panose="020B0604020202020204" pitchFamily="34" charset="0"/>
+                      </a:endParaRPr>
+                    </a:p>
+                  </a:txBody>
+                  <a:tcPr marL="68580" marR="68580" marT="0" marB="0"/>
+                </a:tc>
+                <a:extLst>
+                  <a:ext uri="{0D108BD9-81ED-4DB2-BD59-A6C34878D82A}">
+                    <a16:rowId xmlns:a16="http://schemas.microsoft.com/office/drawing/2014/main" val="2658880677"/>
+                  </a:ext>
+                </a:extLst>
+              </a:tr>
+              <a:tr h="328038">
+                <a:tc>
+                  <a:txBody>
+                    <a:bodyPr/>
+                    <a:lstStyle/>
+                    <a:p>
+                      <a:pPr>
+                        <a:lnSpc>
+                          <a:spcPct val="107000"/>
+                        </a:lnSpc>
+                        <a:spcAft>
+                          <a:spcPts val="800"/>
+                        </a:spcAft>
+                        <a:buNone/>
+                      </a:pPr>
+                      <a:r>
+                        <a:rPr lang="nl-NL" sz="1500" kern="100">
+                          <a:effectLst/>
+                        </a:rPr>
+                        <a:t>opstartsnelheid</a:t>
+                      </a:r>
+                      <a:endParaRPr lang="en-NL" sz="1100" kern="100">
+                        <a:effectLst/>
+                        <a:latin typeface="Aptos" panose="020B0004020202020204" pitchFamily="34" charset="0"/>
+                        <a:ea typeface="Aptos" panose="020B0004020202020204" pitchFamily="34" charset="0"/>
+                        <a:cs typeface="Arial" panose="020B0604020202020204" pitchFamily="34" charset="0"/>
+                      </a:endParaRPr>
+                    </a:p>
+                  </a:txBody>
+                  <a:tcPr marL="68580" marR="68580" marT="0" marB="0"/>
+                </a:tc>
+                <a:tc>
+                  <a:txBody>
+                    <a:bodyPr/>
+                    <a:lstStyle/>
+                    <a:p>
+                      <a:pPr>
+                        <a:lnSpc>
+                          <a:spcPct val="107000"/>
+                        </a:lnSpc>
+                        <a:spcAft>
+                          <a:spcPts val="800"/>
+                        </a:spcAft>
+                        <a:buNone/>
+                      </a:pPr>
+                      <a:r>
+                        <a:rPr lang="nl-NL" sz="1500" kern="100">
+                          <a:effectLst/>
+                        </a:rPr>
+                        <a:t>0.5m/s</a:t>
+                      </a:r>
+                      <a:endParaRPr lang="en-NL" sz="1100" kern="100">
+                        <a:effectLst/>
+                        <a:latin typeface="Aptos" panose="020B0004020202020204" pitchFamily="34" charset="0"/>
+                        <a:ea typeface="Aptos" panose="020B0004020202020204" pitchFamily="34" charset="0"/>
+                        <a:cs typeface="Arial" panose="020B0604020202020204" pitchFamily="34" charset="0"/>
+                      </a:endParaRPr>
+                    </a:p>
+                  </a:txBody>
+                  <a:tcPr marL="68580" marR="68580" marT="0" marB="0"/>
+                </a:tc>
+                <a:tc>
+                  <a:txBody>
+                    <a:bodyPr/>
+                    <a:lstStyle/>
+                    <a:p>
+                      <a:pPr>
+                        <a:lnSpc>
+                          <a:spcPct val="107000"/>
+                        </a:lnSpc>
+                        <a:spcAft>
+                          <a:spcPts val="800"/>
+                        </a:spcAft>
+                        <a:buNone/>
+                      </a:pPr>
+                      <a:r>
+                        <a:rPr lang="nl-NL" sz="1500" kern="100">
+                          <a:effectLst/>
+                        </a:rPr>
+                        <a:t>0.2m/s</a:t>
+                      </a:r>
+                      <a:endParaRPr lang="en-NL" sz="1100" kern="100">
+                        <a:effectLst/>
+                        <a:latin typeface="Aptos" panose="020B0004020202020204" pitchFamily="34" charset="0"/>
+                        <a:ea typeface="Aptos" panose="020B0004020202020204" pitchFamily="34" charset="0"/>
+                        <a:cs typeface="Arial" panose="020B0604020202020204" pitchFamily="34" charset="0"/>
+                      </a:endParaRPr>
+                    </a:p>
+                  </a:txBody>
+                  <a:tcPr marL="68580" marR="68580" marT="0" marB="0"/>
+                </a:tc>
+                <a:tc>
+                  <a:txBody>
+                    <a:bodyPr/>
+                    <a:lstStyle/>
+                    <a:p>
+                      <a:pPr>
+                        <a:lnSpc>
+                          <a:spcPct val="107000"/>
+                        </a:lnSpc>
+                        <a:spcAft>
+                          <a:spcPts val="800"/>
+                        </a:spcAft>
+                        <a:buNone/>
+                      </a:pPr>
+                      <a:r>
+                        <a:rPr lang="nl-NL" sz="1500" kern="100">
+                          <a:effectLst/>
+                        </a:rPr>
+                        <a:t>0.3m/s</a:t>
+                      </a:r>
+                      <a:endParaRPr lang="en-NL" sz="1100" kern="100">
+                        <a:effectLst/>
+                        <a:latin typeface="Aptos" panose="020B0004020202020204" pitchFamily="34" charset="0"/>
+                        <a:ea typeface="Aptos" panose="020B0004020202020204" pitchFamily="34" charset="0"/>
+                        <a:cs typeface="Arial" panose="020B0604020202020204" pitchFamily="34" charset="0"/>
+                      </a:endParaRPr>
+                    </a:p>
+                  </a:txBody>
+                  <a:tcPr marL="68580" marR="68580" marT="0" marB="0"/>
+                </a:tc>
+                <a:tc>
+                  <a:txBody>
+                    <a:bodyPr/>
+                    <a:lstStyle/>
+                    <a:p>
+                      <a:pPr>
+                        <a:lnSpc>
+                          <a:spcPct val="107000"/>
+                        </a:lnSpc>
+                        <a:spcAft>
+                          <a:spcPts val="800"/>
+                        </a:spcAft>
+                        <a:buNone/>
+                      </a:pPr>
+                      <a:r>
+                        <a:rPr lang="nl-NL" sz="1500" kern="100">
+                          <a:effectLst/>
+                        </a:rPr>
+                        <a:t>0m/s</a:t>
+                      </a:r>
+                      <a:endParaRPr lang="en-NL" sz="1100" kern="100">
+                        <a:effectLst/>
+                        <a:latin typeface="Aptos" panose="020B0004020202020204" pitchFamily="34" charset="0"/>
+                        <a:ea typeface="Aptos" panose="020B0004020202020204" pitchFamily="34" charset="0"/>
+                        <a:cs typeface="Arial" panose="020B0604020202020204" pitchFamily="34" charset="0"/>
+                      </a:endParaRPr>
+                    </a:p>
+                  </a:txBody>
+                  <a:tcPr marL="68580" marR="68580" marT="0" marB="0"/>
+                </a:tc>
+                <a:extLst>
+                  <a:ext uri="{0D108BD9-81ED-4DB2-BD59-A6C34878D82A}">
+                    <a16:rowId xmlns:a16="http://schemas.microsoft.com/office/drawing/2014/main" val="3690537122"/>
+                  </a:ext>
+                </a:extLst>
+              </a:tr>
+              <a:tr h="1013289">
+                <a:tc>
+                  <a:txBody>
+                    <a:bodyPr/>
+                    <a:lstStyle/>
+                    <a:p>
+                      <a:pPr>
+                        <a:lnSpc>
+                          <a:spcPct val="107000"/>
+                        </a:lnSpc>
+                        <a:spcAft>
+                          <a:spcPts val="800"/>
+                        </a:spcAft>
+                        <a:buNone/>
+                      </a:pPr>
+                      <a:r>
+                        <a:rPr lang="nl-NL" sz="1500" kern="100">
+                          <a:effectLst/>
+                        </a:rPr>
+                        <a:t>Te gebruiken met microcontroller</a:t>
+                      </a:r>
+                      <a:endParaRPr lang="en-NL" sz="1100" kern="100">
+                        <a:effectLst/>
+                        <a:latin typeface="Aptos" panose="020B0004020202020204" pitchFamily="34" charset="0"/>
+                        <a:ea typeface="Aptos" panose="020B0004020202020204" pitchFamily="34" charset="0"/>
+                        <a:cs typeface="Arial" panose="020B0604020202020204" pitchFamily="34" charset="0"/>
+                      </a:endParaRPr>
+                    </a:p>
+                  </a:txBody>
+                  <a:tcPr marL="68580" marR="68580" marT="0" marB="0"/>
+                </a:tc>
+                <a:tc>
+                  <a:txBody>
+                    <a:bodyPr/>
+                    <a:lstStyle/>
+                    <a:p>
+                      <a:pPr>
+                        <a:lnSpc>
+                          <a:spcPct val="107000"/>
+                        </a:lnSpc>
+                        <a:spcAft>
+                          <a:spcPts val="800"/>
+                        </a:spcAft>
+                        <a:buNone/>
+                      </a:pPr>
+                      <a:r>
+                        <a:rPr lang="nl-NL" sz="1500" kern="100">
+                          <a:effectLst/>
+                        </a:rPr>
+                        <a:t>ja</a:t>
+                      </a:r>
+                      <a:endParaRPr lang="en-NL" sz="1100" kern="100">
+                        <a:effectLst/>
+                        <a:latin typeface="Aptos" panose="020B0004020202020204" pitchFamily="34" charset="0"/>
+                        <a:ea typeface="Aptos" panose="020B0004020202020204" pitchFamily="34" charset="0"/>
+                        <a:cs typeface="Arial" panose="020B0604020202020204" pitchFamily="34" charset="0"/>
+                      </a:endParaRPr>
+                    </a:p>
+                  </a:txBody>
+                  <a:tcPr marL="68580" marR="68580" marT="0" marB="0"/>
+                </a:tc>
+                <a:tc>
+                  <a:txBody>
+                    <a:bodyPr/>
+                    <a:lstStyle/>
+                    <a:p>
+                      <a:pPr>
+                        <a:lnSpc>
+                          <a:spcPct val="107000"/>
+                        </a:lnSpc>
+                        <a:spcAft>
+                          <a:spcPts val="800"/>
+                        </a:spcAft>
+                        <a:buNone/>
+                      </a:pPr>
+                      <a:r>
+                        <a:rPr lang="nl-NL" sz="1500" kern="100">
+                          <a:effectLst/>
+                        </a:rPr>
+                        <a:t>ja</a:t>
+                      </a:r>
+                      <a:endParaRPr lang="en-NL" sz="1100" kern="100">
+                        <a:effectLst/>
+                        <a:latin typeface="Aptos" panose="020B0004020202020204" pitchFamily="34" charset="0"/>
+                        <a:ea typeface="Aptos" panose="020B0004020202020204" pitchFamily="34" charset="0"/>
+                        <a:cs typeface="Arial" panose="020B0604020202020204" pitchFamily="34" charset="0"/>
+                      </a:endParaRPr>
+                    </a:p>
+                  </a:txBody>
+                  <a:tcPr marL="68580" marR="68580" marT="0" marB="0"/>
+                </a:tc>
+                <a:tc>
+                  <a:txBody>
+                    <a:bodyPr/>
+                    <a:lstStyle/>
+                    <a:p>
+                      <a:pPr>
+                        <a:lnSpc>
+                          <a:spcPct val="107000"/>
+                        </a:lnSpc>
+                        <a:spcAft>
+                          <a:spcPts val="800"/>
+                        </a:spcAft>
+                        <a:buNone/>
+                      </a:pPr>
+                      <a:r>
+                        <a:rPr lang="nl-NL" sz="1500" kern="100">
+                          <a:effectLst/>
+                        </a:rPr>
+                        <a:t>ja</a:t>
+                      </a:r>
+                      <a:endParaRPr lang="en-NL" sz="1100" kern="100">
+                        <a:effectLst/>
+                        <a:latin typeface="Aptos" panose="020B0004020202020204" pitchFamily="34" charset="0"/>
+                        <a:ea typeface="Aptos" panose="020B0004020202020204" pitchFamily="34" charset="0"/>
+                        <a:cs typeface="Arial" panose="020B0604020202020204" pitchFamily="34" charset="0"/>
+                      </a:endParaRPr>
+                    </a:p>
+                  </a:txBody>
+                  <a:tcPr marL="68580" marR="68580" marT="0" marB="0"/>
+                </a:tc>
+                <a:tc>
+                  <a:txBody>
+                    <a:bodyPr/>
+                    <a:lstStyle/>
+                    <a:p>
+                      <a:pPr>
+                        <a:lnSpc>
+                          <a:spcPct val="107000"/>
+                        </a:lnSpc>
+                        <a:spcAft>
+                          <a:spcPts val="800"/>
+                        </a:spcAft>
+                        <a:buNone/>
+                      </a:pPr>
+                      <a:r>
+                        <a:rPr lang="nl-NL" sz="1500" kern="100">
+                          <a:effectLst/>
+                        </a:rPr>
+                        <a:t>nee</a:t>
+                      </a:r>
+                      <a:endParaRPr lang="en-NL" sz="1100" kern="100">
+                        <a:effectLst/>
+                        <a:latin typeface="Aptos" panose="020B0004020202020204" pitchFamily="34" charset="0"/>
+                        <a:ea typeface="Aptos" panose="020B0004020202020204" pitchFamily="34" charset="0"/>
+                        <a:cs typeface="Arial" panose="020B0604020202020204" pitchFamily="34" charset="0"/>
+                      </a:endParaRPr>
+                    </a:p>
+                  </a:txBody>
+                  <a:tcPr marL="68580" marR="68580" marT="0" marB="0"/>
+                </a:tc>
+                <a:extLst>
+                  <a:ext uri="{0D108BD9-81ED-4DB2-BD59-A6C34878D82A}">
+                    <a16:rowId xmlns:a16="http://schemas.microsoft.com/office/drawing/2014/main" val="2923055134"/>
+                  </a:ext>
+                </a:extLst>
+              </a:tr>
+              <a:tr h="328038">
+                <a:tc>
+                  <a:txBody>
+                    <a:bodyPr/>
+                    <a:lstStyle/>
+                    <a:p>
+                      <a:pPr>
+                        <a:lnSpc>
+                          <a:spcPct val="107000"/>
+                        </a:lnSpc>
+                        <a:spcAft>
+                          <a:spcPts val="800"/>
+                        </a:spcAft>
+                        <a:buNone/>
+                      </a:pPr>
+                      <a:r>
+                        <a:rPr lang="nl-NL" sz="1500" kern="100">
+                          <a:effectLst/>
+                        </a:rPr>
+                        <a:t>waterdicht</a:t>
+                      </a:r>
+                      <a:endParaRPr lang="en-NL" sz="1100" kern="100">
+                        <a:effectLst/>
+                        <a:latin typeface="Aptos" panose="020B0004020202020204" pitchFamily="34" charset="0"/>
+                        <a:ea typeface="Aptos" panose="020B0004020202020204" pitchFamily="34" charset="0"/>
+                        <a:cs typeface="Arial" panose="020B0604020202020204" pitchFamily="34" charset="0"/>
+                      </a:endParaRPr>
+                    </a:p>
+                  </a:txBody>
+                  <a:tcPr marL="68580" marR="68580" marT="0" marB="0"/>
+                </a:tc>
+                <a:tc>
+                  <a:txBody>
+                    <a:bodyPr/>
+                    <a:lstStyle/>
+                    <a:p>
+                      <a:pPr>
+                        <a:lnSpc>
+                          <a:spcPct val="107000"/>
+                        </a:lnSpc>
+                        <a:spcAft>
+                          <a:spcPts val="800"/>
+                        </a:spcAft>
+                        <a:buNone/>
+                      </a:pPr>
+                      <a:r>
+                        <a:rPr lang="nl-NL" sz="1500" kern="100">
+                          <a:effectLst/>
+                        </a:rPr>
+                        <a:t>ja</a:t>
+                      </a:r>
+                      <a:endParaRPr lang="en-NL" sz="1100" kern="100">
+                        <a:effectLst/>
+                        <a:latin typeface="Aptos" panose="020B0004020202020204" pitchFamily="34" charset="0"/>
+                        <a:ea typeface="Aptos" panose="020B0004020202020204" pitchFamily="34" charset="0"/>
+                        <a:cs typeface="Arial" panose="020B0604020202020204" pitchFamily="34" charset="0"/>
+                      </a:endParaRPr>
+                    </a:p>
+                  </a:txBody>
+                  <a:tcPr marL="68580" marR="68580" marT="0" marB="0"/>
+                </a:tc>
+                <a:tc>
+                  <a:txBody>
+                    <a:bodyPr/>
+                    <a:lstStyle/>
+                    <a:p>
+                      <a:pPr>
+                        <a:lnSpc>
+                          <a:spcPct val="107000"/>
+                        </a:lnSpc>
+                        <a:spcAft>
+                          <a:spcPts val="800"/>
+                        </a:spcAft>
+                        <a:buNone/>
+                      </a:pPr>
+                      <a:r>
+                        <a:rPr lang="nl-NL" sz="1500" kern="100">
+                          <a:effectLst/>
+                        </a:rPr>
+                        <a:t>ja</a:t>
+                      </a:r>
+                      <a:endParaRPr lang="en-NL" sz="1100" kern="100">
+                        <a:effectLst/>
+                        <a:latin typeface="Aptos" panose="020B0004020202020204" pitchFamily="34" charset="0"/>
+                        <a:ea typeface="Aptos" panose="020B0004020202020204" pitchFamily="34" charset="0"/>
+                        <a:cs typeface="Arial" panose="020B0604020202020204" pitchFamily="34" charset="0"/>
+                      </a:endParaRPr>
+                    </a:p>
+                  </a:txBody>
+                  <a:tcPr marL="68580" marR="68580" marT="0" marB="0"/>
+                </a:tc>
+                <a:tc>
+                  <a:txBody>
+                    <a:bodyPr/>
+                    <a:lstStyle/>
+                    <a:p>
+                      <a:pPr>
+                        <a:lnSpc>
+                          <a:spcPct val="107000"/>
+                        </a:lnSpc>
+                        <a:spcAft>
+                          <a:spcPts val="800"/>
+                        </a:spcAft>
+                        <a:buNone/>
+                      </a:pPr>
+                      <a:r>
+                        <a:rPr lang="nl-NL" sz="1500" kern="100">
+                          <a:effectLst/>
+                        </a:rPr>
+                        <a:t>ja</a:t>
+                      </a:r>
+                      <a:endParaRPr lang="en-NL" sz="1100" kern="100">
+                        <a:effectLst/>
+                        <a:latin typeface="Aptos" panose="020B0004020202020204" pitchFamily="34" charset="0"/>
+                        <a:ea typeface="Aptos" panose="020B0004020202020204" pitchFamily="34" charset="0"/>
+                        <a:cs typeface="Arial" panose="020B0604020202020204" pitchFamily="34" charset="0"/>
+                      </a:endParaRPr>
+                    </a:p>
+                  </a:txBody>
+                  <a:tcPr marL="68580" marR="68580" marT="0" marB="0"/>
+                </a:tc>
+                <a:tc>
+                  <a:txBody>
+                    <a:bodyPr/>
+                    <a:lstStyle/>
+                    <a:p>
+                      <a:pPr>
+                        <a:lnSpc>
+                          <a:spcPct val="107000"/>
+                        </a:lnSpc>
+                        <a:spcAft>
+                          <a:spcPts val="800"/>
+                        </a:spcAft>
+                        <a:buNone/>
+                      </a:pPr>
+                      <a:r>
+                        <a:rPr lang="nl-NL" sz="1500" kern="100" dirty="0">
+                          <a:effectLst/>
+                        </a:rPr>
+                        <a:t>ja</a:t>
+                      </a:r>
+                      <a:endParaRPr lang="en-NL" sz="1100" kern="100" dirty="0">
+                        <a:effectLst/>
+                        <a:latin typeface="Aptos" panose="020B0004020202020204" pitchFamily="34" charset="0"/>
+                        <a:ea typeface="Aptos" panose="020B0004020202020204" pitchFamily="34" charset="0"/>
+                        <a:cs typeface="Arial" panose="020B0604020202020204" pitchFamily="34" charset="0"/>
+                      </a:endParaRPr>
+                    </a:p>
+                  </a:txBody>
+                  <a:tcPr marL="68580" marR="68580" marT="0" marB="0"/>
+                </a:tc>
+                <a:extLst>
+                  <a:ext uri="{0D108BD9-81ED-4DB2-BD59-A6C34878D82A}">
+                    <a16:rowId xmlns:a16="http://schemas.microsoft.com/office/drawing/2014/main" val="2688034590"/>
+                  </a:ext>
+                </a:extLst>
+              </a:tr>
+            </a:tbl>
+          </a:graphicData>
+        </a:graphic>
+      </p:graphicFrame>
+      <p:pic>
+        <p:nvPicPr>
+          <p:cNvPr id="5" name="Tijdelijke aanduiding voor inhoud 4">
+            <a:extLst>
+              <a:ext uri="{FF2B5EF4-FFF2-40B4-BE49-F238E27FC236}">
+                <a16:creationId xmlns:a16="http://schemas.microsoft.com/office/drawing/2014/main" id="{2D34B1E3-DB95-7053-91F8-E96E4D9660A3}"/>
+              </a:ext>
+            </a:extLst>
+          </p:cNvPr>
+          <p:cNvPicPr>
+            <a:picLocks noChangeAspect="1"/>
+          </p:cNvPicPr>
+          <p:nvPr/>
+        </p:nvPicPr>
+        <p:blipFill>
+          <a:blip r:embed="rId2">
+            <a:extLst>
+              <a:ext uri="{28A0092B-C50C-407E-A947-70E740481C1C}">
+                <a14:useLocalDpi xmlns:a14="http://schemas.microsoft.com/office/drawing/2010/main" val="0"/>
+              </a:ext>
+            </a:extLst>
+          </a:blip>
+          <a:srcRect t="16141" r="-6" b="1117"/>
+          <a:stretch>
+            <a:fillRect/>
+          </a:stretch>
+        </p:blipFill>
+        <p:spPr>
+          <a:xfrm>
+            <a:off x="3714244" y="1470748"/>
+            <a:ext cx="1440198" cy="1191578"/>
+          </a:xfrm>
+          <a:prstGeom prst="rect">
+            <a:avLst/>
+          </a:prstGeom>
+        </p:spPr>
+      </p:pic>
+      <p:pic>
+        <p:nvPicPr>
+          <p:cNvPr id="6" name="drawing" descr="Anemometer / windsnelheidsmeter">
+            <a:extLst>
+              <a:ext uri="{FF2B5EF4-FFF2-40B4-BE49-F238E27FC236}">
+                <a16:creationId xmlns:a16="http://schemas.microsoft.com/office/drawing/2014/main" id="{34CAF270-A61A-81EB-C6B2-6447D7F74029}"/>
+              </a:ext>
+            </a:extLst>
+          </p:cNvPr>
+          <p:cNvPicPr>
+            <a:picLocks noChangeAspect="1"/>
+          </p:cNvPicPr>
+          <p:nvPr/>
+        </p:nvPicPr>
+        <p:blipFill>
+          <a:blip r:embed="rId3">
+            <a:extLst>
+              <a:ext uri="{28A0092B-C50C-407E-A947-70E740481C1C}">
+                <a14:useLocalDpi xmlns:a14="http://schemas.microsoft.com/office/drawing/2010/main"/>
+              </a:ext>
+            </a:extLst>
+          </a:blip>
+          <a:stretch>
+            <a:fillRect/>
+          </a:stretch>
+        </p:blipFill>
+        <p:spPr>
+          <a:xfrm>
+            <a:off x="5319918" y="1273741"/>
+            <a:ext cx="1440198" cy="1440198"/>
+          </a:xfrm>
+          <a:prstGeom prst="rect">
+            <a:avLst/>
+          </a:prstGeom>
+        </p:spPr>
+      </p:pic>
+      <p:pic>
+        <p:nvPicPr>
+          <p:cNvPr id="7" name="Afbeelding 3" descr="Afbeelding met gereedschap, Huishoudelijke ijzerwaren, overdekt, zwart-wit&#10;&#10;Door AI gegenereerde inhoud is mogelijk onjuist.">
+            <a:extLst>
+              <a:ext uri="{FF2B5EF4-FFF2-40B4-BE49-F238E27FC236}">
+                <a16:creationId xmlns:a16="http://schemas.microsoft.com/office/drawing/2014/main" id="{8119C939-0554-70CE-36DB-11C69AB1D617}"/>
+              </a:ext>
+            </a:extLst>
+          </p:cNvPr>
+          <p:cNvPicPr>
+            <a:picLocks noChangeAspect="1"/>
+          </p:cNvPicPr>
+          <p:nvPr/>
+        </p:nvPicPr>
+        <p:blipFill>
+          <a:blip r:embed="rId4">
+            <a:extLst>
+              <a:ext uri="{28A0092B-C50C-407E-A947-70E740481C1C}">
+                <a14:useLocalDpi xmlns:a14="http://schemas.microsoft.com/office/drawing/2010/main" val="0"/>
+              </a:ext>
+            </a:extLst>
+          </a:blip>
+          <a:srcRect l="14583" r="4737" b="-4"/>
+          <a:stretch>
+            <a:fillRect/>
+          </a:stretch>
+        </p:blipFill>
+        <p:spPr>
+          <a:xfrm>
+            <a:off x="6813795" y="1230679"/>
+            <a:ext cx="1730359" cy="1431647"/>
+          </a:xfrm>
+          <a:prstGeom prst="rect">
+            <a:avLst/>
+          </a:prstGeom>
+        </p:spPr>
+      </p:pic>
+      <p:pic>
+        <p:nvPicPr>
+          <p:cNvPr id="8" name="drawing">
+            <a:extLst>
+              <a:ext uri="{FF2B5EF4-FFF2-40B4-BE49-F238E27FC236}">
+                <a16:creationId xmlns:a16="http://schemas.microsoft.com/office/drawing/2014/main" id="{2D615622-966D-F464-FA4A-F9DC2273E1FF}"/>
+              </a:ext>
+            </a:extLst>
+          </p:cNvPr>
+          <p:cNvPicPr>
+            <a:picLocks noChangeAspect="1"/>
+          </p:cNvPicPr>
+          <p:nvPr/>
+        </p:nvPicPr>
+        <p:blipFill>
+          <a:blip r:embed="rId5">
+            <a:extLst>
+              <a:ext uri="{28A0092B-C50C-407E-A947-70E740481C1C}">
+                <a14:useLocalDpi xmlns:a14="http://schemas.microsoft.com/office/drawing/2010/main"/>
+              </a:ext>
+            </a:extLst>
+          </a:blip>
+          <a:stretch>
+            <a:fillRect/>
+          </a:stretch>
+        </p:blipFill>
+        <p:spPr>
+          <a:xfrm>
+            <a:off x="8597833" y="1286102"/>
+            <a:ext cx="1760392" cy="1320800"/>
+          </a:xfrm>
+          <a:prstGeom prst="rect">
+            <a:avLst/>
+          </a:prstGeom>
+        </p:spPr>
+      </p:pic>
+    </p:spTree>
+    <p:extLst>
+      <p:ext uri="{BB962C8B-B14F-4D97-AF65-F5344CB8AC3E}">
+        <p14:creationId xmlns:p14="http://schemas.microsoft.com/office/powerpoint/2010/main" val="3351264155"/>
+      </p:ext>
+    </p:extLst>
+  </p:cSld>
+  <p:clrMapOvr>
+    <a:masterClrMapping/>
+  </p:clrMapOvr>
+</p:sld>
+</file>
+
+<file path=ppt/slides/slide12.xml><?xml version="1.0" encoding="utf-8"?>
+<p:sld xmlns:a="http://schemas.openxmlformats.org/drawingml/2006/main" xmlns:r="http://schemas.openxmlformats.org/officeDocument/2006/relationships" xmlns:p="http://schemas.openxmlformats.org/presentationml/2006/main">
+  <p:cSld>
+    <p:spTree>
+      <p:nvGrpSpPr>
+        <p:cNvPr id="1" name=""/>
+        <p:cNvGrpSpPr/>
+        <p:nvPr/>
+      </p:nvGrpSpPr>
+      <p:grpSpPr>
+        <a:xfrm>
+          <a:off x="0" y="0"/>
+          <a:ext cx="0" cy="0"/>
+          <a:chOff x="0" y="0"/>
+          <a:chExt cx="0" cy="0"/>
+        </a:xfrm>
+      </p:grpSpPr>
+      <p:sp>
+        <p:nvSpPr>
+          <p:cNvPr id="2" name="Title 1">
+            <a:extLst>
+              <a:ext uri="{FF2B5EF4-FFF2-40B4-BE49-F238E27FC236}">
+                <a16:creationId xmlns:a16="http://schemas.microsoft.com/office/drawing/2014/main" id="{96FEC6B5-888F-52F1-45A9-C29145F7B1F2}"/>
+              </a:ext>
+            </a:extLst>
+          </p:cNvPr>
+          <p:cNvSpPr>
+            <a:spLocks noGrp="1"/>
+          </p:cNvSpPr>
+          <p:nvPr>
+            <p:ph type="title"/>
+          </p:nvPr>
+        </p:nvSpPr>
+        <p:spPr/>
+        <p:txBody>
+          <a:bodyPr/>
+          <a:lstStyle/>
+          <a:p>
+            <a:r>
+              <a:rPr lang="en-US" dirty="0" err="1"/>
+              <a:t>Onderzoek</a:t>
+            </a:r>
+            <a:r>
+              <a:rPr lang="en-US" dirty="0"/>
+              <a:t> van </a:t>
+            </a:r>
+            <a:r>
+              <a:rPr lang="en-US" dirty="0" err="1"/>
+              <a:t>behuizing</a:t>
+            </a:r>
+            <a:endParaRPr lang="en-NL" dirty="0"/>
+          </a:p>
+        </p:txBody>
+      </p:sp>
+      <p:sp>
+        <p:nvSpPr>
+          <p:cNvPr id="3" name="Content Placeholder 2">
+            <a:extLst>
+              <a:ext uri="{FF2B5EF4-FFF2-40B4-BE49-F238E27FC236}">
+                <a16:creationId xmlns:a16="http://schemas.microsoft.com/office/drawing/2014/main" id="{92A44E60-904D-B8E0-7647-8827C85D3E95}"/>
+              </a:ext>
+            </a:extLst>
+          </p:cNvPr>
+          <p:cNvSpPr>
+            <a:spLocks noGrp="1"/>
+          </p:cNvSpPr>
+          <p:nvPr>
+            <p:ph idx="1"/>
+          </p:nvPr>
+        </p:nvSpPr>
+        <p:spPr/>
+        <p:txBody>
+          <a:bodyPr/>
+          <a:lstStyle/>
+          <a:p>
+            <a:endParaRPr lang="en-NL"/>
+          </a:p>
+        </p:txBody>
+      </p:sp>
+    </p:spTree>
+    <p:extLst>
+      <p:ext uri="{BB962C8B-B14F-4D97-AF65-F5344CB8AC3E}">
+        <p14:creationId xmlns:p14="http://schemas.microsoft.com/office/powerpoint/2010/main" val="4109672887"/>
+      </p:ext>
+    </p:extLst>
+  </p:cSld>
+  <p:clrMapOvr>
+    <a:masterClrMapping/>
+  </p:clrMapOvr>
+</p:sld>
+</file>
+
+<file path=ppt/slides/slide13.xml><?xml version="1.0" encoding="utf-8"?>
+<p:sld xmlns:a="http://schemas.openxmlformats.org/drawingml/2006/main" xmlns:r="http://schemas.openxmlformats.org/officeDocument/2006/relationships" xmlns:p="http://schemas.openxmlformats.org/presentationml/2006/main">
+  <p:cSld>
+    <p:spTree>
+      <p:nvGrpSpPr>
+        <p:cNvPr id="1" name=""/>
+        <p:cNvGrpSpPr/>
+        <p:nvPr/>
+      </p:nvGrpSpPr>
+      <p:grpSpPr>
+        <a:xfrm>
+          <a:off x="0" y="0"/>
+          <a:ext cx="0" cy="0"/>
+          <a:chOff x="0" y="0"/>
+          <a:chExt cx="0" cy="0"/>
+        </a:xfrm>
+      </p:grpSpPr>
+      <p:sp>
+        <p:nvSpPr>
+          <p:cNvPr id="2" name="Title 1">
+            <a:extLst>
+              <a:ext uri="{FF2B5EF4-FFF2-40B4-BE49-F238E27FC236}">
+                <a16:creationId xmlns:a16="http://schemas.microsoft.com/office/drawing/2014/main" id="{ED3A0CE4-6455-76B7-4D1E-E48C16499A1D}"/>
+              </a:ext>
+            </a:extLst>
+          </p:cNvPr>
+          <p:cNvSpPr>
+            <a:spLocks noGrp="1"/>
+          </p:cNvSpPr>
+          <p:nvPr>
+            <p:ph type="title"/>
+          </p:nvPr>
+        </p:nvSpPr>
+        <p:spPr/>
+        <p:txBody>
+          <a:bodyPr/>
+          <a:lstStyle/>
+          <a:p>
+            <a:r>
+              <a:rPr lang="en-US" dirty="0" err="1"/>
+              <a:t>Architectuur</a:t>
+            </a:r>
+            <a:r>
+              <a:rPr lang="en-US" dirty="0"/>
+              <a:t> </a:t>
+            </a:r>
+            <a:r>
+              <a:rPr lang="en-US" dirty="0" err="1"/>
+              <a:t>ontwerp</a:t>
+            </a:r>
+            <a:endParaRPr lang="en-NL" dirty="0"/>
+          </a:p>
+        </p:txBody>
+      </p:sp>
+      <p:pic>
+        <p:nvPicPr>
+          <p:cNvPr id="5" name="Content Placeholder 4">
+            <a:extLst>
+              <a:ext uri="{FF2B5EF4-FFF2-40B4-BE49-F238E27FC236}">
+                <a16:creationId xmlns:a16="http://schemas.microsoft.com/office/drawing/2014/main" id="{BC7FB581-7615-91EB-1DB8-B6DB7CB20AE9}"/>
+              </a:ext>
+            </a:extLst>
+          </p:cNvPr>
+          <p:cNvPicPr>
+            <a:picLocks noGrp="1" noChangeAspect="1"/>
+          </p:cNvPicPr>
+          <p:nvPr>
+            <p:ph idx="1"/>
+          </p:nvPr>
+        </p:nvPicPr>
+        <p:blipFill>
+          <a:blip r:embed="rId2"/>
+          <a:stretch>
+            <a:fillRect/>
+          </a:stretch>
+        </p:blipFill>
+        <p:spPr>
+          <a:xfrm>
+            <a:off x="1528877" y="1270000"/>
+            <a:ext cx="9575597" cy="5679582"/>
+          </a:xfrm>
+        </p:spPr>
+      </p:pic>
+    </p:spTree>
+    <p:extLst>
+      <p:ext uri="{BB962C8B-B14F-4D97-AF65-F5344CB8AC3E}">
+        <p14:creationId xmlns:p14="http://schemas.microsoft.com/office/powerpoint/2010/main" val="618870125"/>
+      </p:ext>
+    </p:extLst>
+  </p:cSld>
+  <p:clrMapOvr>
+    <a:masterClrMapping/>
+  </p:clrMapOvr>
+</p:sld>
+</file>
+
+<file path=ppt/slides/slide14.xml><?xml version="1.0" encoding="utf-8"?>
+<p:sld xmlns:a="http://schemas.openxmlformats.org/drawingml/2006/main" xmlns:r="http://schemas.openxmlformats.org/officeDocument/2006/relationships" xmlns:p="http://schemas.openxmlformats.org/presentationml/2006/main">
+  <p:cSld>
+    <p:spTree>
+      <p:nvGrpSpPr>
+        <p:cNvPr id="1" name=""/>
+        <p:cNvGrpSpPr/>
+        <p:nvPr/>
+      </p:nvGrpSpPr>
+      <p:grpSpPr>
+        <a:xfrm>
+          <a:off x="0" y="0"/>
+          <a:ext cx="0" cy="0"/>
+          <a:chOff x="0" y="0"/>
+          <a:chExt cx="0" cy="0"/>
+        </a:xfrm>
+      </p:grpSpPr>
+      <p:sp>
+        <p:nvSpPr>
+          <p:cNvPr id="2" name="Title 1">
+            <a:extLst>
+              <a:ext uri="{FF2B5EF4-FFF2-40B4-BE49-F238E27FC236}">
+                <a16:creationId xmlns:a16="http://schemas.microsoft.com/office/drawing/2014/main" id="{8414ABAA-C6B6-79C4-6422-5A03C7C3AEBA}"/>
+              </a:ext>
+            </a:extLst>
+          </p:cNvPr>
+          <p:cNvSpPr>
+            <a:spLocks noGrp="1"/>
+          </p:cNvSpPr>
+          <p:nvPr>
+            <p:ph type="title"/>
+          </p:nvPr>
+        </p:nvSpPr>
+        <p:spPr/>
+        <p:txBody>
+          <a:bodyPr/>
+          <a:lstStyle/>
+          <a:p>
+            <a:r>
+              <a:rPr lang="en-US" dirty="0"/>
+              <a:t>Flowchart</a:t>
+            </a:r>
+            <a:endParaRPr lang="en-NL" dirty="0"/>
+          </a:p>
+        </p:txBody>
+      </p:sp>
+      <p:sp>
+        <p:nvSpPr>
+          <p:cNvPr id="3" name="Content Placeholder 2">
+            <a:extLst>
+              <a:ext uri="{FF2B5EF4-FFF2-40B4-BE49-F238E27FC236}">
+                <a16:creationId xmlns:a16="http://schemas.microsoft.com/office/drawing/2014/main" id="{A1C71FF5-C1B8-C5CB-D6CB-277E7D7D23D8}"/>
+              </a:ext>
+            </a:extLst>
+          </p:cNvPr>
+          <p:cNvSpPr>
+            <a:spLocks noGrp="1"/>
+          </p:cNvSpPr>
+          <p:nvPr>
+            <p:ph idx="1"/>
+          </p:nvPr>
+        </p:nvSpPr>
+        <p:spPr/>
+        <p:txBody>
+          <a:bodyPr/>
+          <a:lstStyle/>
+          <a:p>
+            <a:endParaRPr lang="en-NL"/>
+          </a:p>
+        </p:txBody>
+      </p:sp>
+    </p:spTree>
+    <p:extLst>
+      <p:ext uri="{BB962C8B-B14F-4D97-AF65-F5344CB8AC3E}">
+        <p14:creationId xmlns:p14="http://schemas.microsoft.com/office/powerpoint/2010/main" val="1732705141"/>
+      </p:ext>
+    </p:extLst>
+  </p:cSld>
+  <p:clrMapOvr>
+    <a:masterClrMapping/>
+  </p:clrMapOvr>
+</p:sld>
+</file>
+
+<file path=ppt/slides/slide15.xml><?xml version="1.0" encoding="utf-8"?>
+<p:sld xmlns:a="http://schemas.openxmlformats.org/drawingml/2006/main" xmlns:r="http://schemas.openxmlformats.org/officeDocument/2006/relationships" xmlns:p="http://schemas.openxmlformats.org/presentationml/2006/main">
+  <p:cSld>
+    <p:spTree>
+      <p:nvGrpSpPr>
+        <p:cNvPr id="1" name=""/>
+        <p:cNvGrpSpPr/>
+        <p:nvPr/>
+      </p:nvGrpSpPr>
+      <p:grpSpPr>
+        <a:xfrm>
+          <a:off x="0" y="0"/>
+          <a:ext cx="0" cy="0"/>
+          <a:chOff x="0" y="0"/>
+          <a:chExt cx="0" cy="0"/>
+        </a:xfrm>
+      </p:grpSpPr>
+      <p:sp>
+        <p:nvSpPr>
+          <p:cNvPr id="2" name="Title 1">
+            <a:extLst>
+              <a:ext uri="{FF2B5EF4-FFF2-40B4-BE49-F238E27FC236}">
+                <a16:creationId xmlns:a16="http://schemas.microsoft.com/office/drawing/2014/main" id="{655C4139-2347-3892-2990-912A0082B410}"/>
+              </a:ext>
+            </a:extLst>
+          </p:cNvPr>
+          <p:cNvSpPr>
+            <a:spLocks noGrp="1"/>
+          </p:cNvSpPr>
+          <p:nvPr>
+            <p:ph type="title"/>
+          </p:nvPr>
+        </p:nvSpPr>
+        <p:spPr/>
+        <p:txBody>
+          <a:bodyPr/>
+          <a:lstStyle/>
+          <a:p>
+            <a:r>
+              <a:rPr lang="en-US" dirty="0" err="1"/>
+              <a:t>Testrapport</a:t>
+            </a:r>
+            <a:endParaRPr lang="en-NL" dirty="0"/>
+          </a:p>
+        </p:txBody>
+      </p:sp>
+      <p:sp>
+        <p:nvSpPr>
+          <p:cNvPr id="3" name="Content Placeholder 2">
+            <a:extLst>
+              <a:ext uri="{FF2B5EF4-FFF2-40B4-BE49-F238E27FC236}">
+                <a16:creationId xmlns:a16="http://schemas.microsoft.com/office/drawing/2014/main" id="{838EEC29-4A2F-E105-1FB0-97D7952DEE4B}"/>
+              </a:ext>
+            </a:extLst>
+          </p:cNvPr>
+          <p:cNvSpPr>
+            <a:spLocks noGrp="1"/>
+          </p:cNvSpPr>
+          <p:nvPr>
+            <p:ph idx="1"/>
+          </p:nvPr>
+        </p:nvSpPr>
+        <p:spPr/>
+        <p:txBody>
+          <a:bodyPr/>
+          <a:lstStyle/>
+          <a:p>
+            <a:endParaRPr lang="en-NL"/>
+          </a:p>
+        </p:txBody>
+      </p:sp>
+    </p:spTree>
+    <p:extLst>
+      <p:ext uri="{BB962C8B-B14F-4D97-AF65-F5344CB8AC3E}">
+        <p14:creationId xmlns:p14="http://schemas.microsoft.com/office/powerpoint/2010/main" val="166639336"/>
+      </p:ext>
+    </p:extLst>
+  </p:cSld>
+  <p:clrMapOvr>
+    <a:masterClrMapping/>
+  </p:clrMapOvr>
+</p:sld>
+</file>
+
+<file path=ppt/slides/slide16.xml><?xml version="1.0" encoding="utf-8"?>
+<p:sld xmlns:a="http://schemas.openxmlformats.org/drawingml/2006/main" xmlns:r="http://schemas.openxmlformats.org/officeDocument/2006/relationships" xmlns:p="http://schemas.openxmlformats.org/presentationml/2006/main">
+  <p:cSld>
+    <p:spTree>
+      <p:nvGrpSpPr>
+        <p:cNvPr id="1" name=""/>
+        <p:cNvGrpSpPr/>
+        <p:nvPr/>
+      </p:nvGrpSpPr>
+      <p:grpSpPr>
+        <a:xfrm>
+          <a:off x="0" y="0"/>
+          <a:ext cx="0" cy="0"/>
+          <a:chOff x="0" y="0"/>
+          <a:chExt cx="0" cy="0"/>
+        </a:xfrm>
+      </p:grpSpPr>
+      <p:sp>
+        <p:nvSpPr>
+          <p:cNvPr id="2" name="Title 1">
+            <a:extLst>
+              <a:ext uri="{FF2B5EF4-FFF2-40B4-BE49-F238E27FC236}">
+                <a16:creationId xmlns:a16="http://schemas.microsoft.com/office/drawing/2014/main" id="{49BA30E6-AE39-C92B-CDF6-4B3224F6EA90}"/>
+              </a:ext>
+            </a:extLst>
+          </p:cNvPr>
+          <p:cNvSpPr>
+            <a:spLocks noGrp="1"/>
+          </p:cNvSpPr>
+          <p:nvPr>
+            <p:ph type="title"/>
+          </p:nvPr>
+        </p:nvSpPr>
+        <p:spPr/>
+        <p:txBody>
+          <a:bodyPr/>
+          <a:lstStyle/>
+          <a:p>
+            <a:r>
+              <a:rPr lang="en-US" dirty="0" err="1"/>
+              <a:t>Windsnelheid</a:t>
+            </a:r>
+            <a:r>
+              <a:rPr lang="en-US" dirty="0"/>
+              <a:t> sensor</a:t>
+            </a:r>
+            <a:endParaRPr lang="en-NL" dirty="0"/>
+          </a:p>
+        </p:txBody>
+      </p:sp>
+      <p:sp>
+        <p:nvSpPr>
+          <p:cNvPr id="3" name="Content Placeholder 2">
+            <a:extLst>
+              <a:ext uri="{FF2B5EF4-FFF2-40B4-BE49-F238E27FC236}">
+                <a16:creationId xmlns:a16="http://schemas.microsoft.com/office/drawing/2014/main" id="{36C9B333-1201-CA76-EE25-1C2EA8B482A9}"/>
+              </a:ext>
+            </a:extLst>
+          </p:cNvPr>
+          <p:cNvSpPr>
+            <a:spLocks noGrp="1"/>
+          </p:cNvSpPr>
+          <p:nvPr>
+            <p:ph idx="1"/>
+          </p:nvPr>
+        </p:nvSpPr>
+        <p:spPr/>
+        <p:txBody>
+          <a:bodyPr/>
+          <a:lstStyle/>
+          <a:p>
+            <a:endParaRPr lang="en-NL"/>
+          </a:p>
+        </p:txBody>
+      </p:sp>
+    </p:spTree>
+    <p:extLst>
+      <p:ext uri="{BB962C8B-B14F-4D97-AF65-F5344CB8AC3E}">
+        <p14:creationId xmlns:p14="http://schemas.microsoft.com/office/powerpoint/2010/main" val="2748364925"/>
+      </p:ext>
+    </p:extLst>
+  </p:cSld>
+  <p:clrMapOvr>
+    <a:masterClrMapping/>
+  </p:clrMapOvr>
+</p:sld>
+</file>
+
+<file path=ppt/slides/slide17.xml><?xml version="1.0" encoding="utf-8"?>
+<p:sld xmlns:a="http://schemas.openxmlformats.org/drawingml/2006/main" xmlns:r="http://schemas.openxmlformats.org/officeDocument/2006/relationships" xmlns:p="http://schemas.openxmlformats.org/presentationml/2006/main">
+  <p:cSld>
+    <p:spTree>
+      <p:nvGrpSpPr>
+        <p:cNvPr id="1" name=""/>
+        <p:cNvGrpSpPr/>
+        <p:nvPr/>
+      </p:nvGrpSpPr>
+      <p:grpSpPr>
+        <a:xfrm>
+          <a:off x="0" y="0"/>
+          <a:ext cx="0" cy="0"/>
+          <a:chOff x="0" y="0"/>
+          <a:chExt cx="0" cy="0"/>
+        </a:xfrm>
+      </p:grpSpPr>
+      <p:sp>
+        <p:nvSpPr>
+          <p:cNvPr id="2" name="Title 1">
+            <a:extLst>
+              <a:ext uri="{FF2B5EF4-FFF2-40B4-BE49-F238E27FC236}">
+                <a16:creationId xmlns:a16="http://schemas.microsoft.com/office/drawing/2014/main" id="{B0C9B535-B432-F806-73D4-329B33ED53D9}"/>
+              </a:ext>
+            </a:extLst>
+          </p:cNvPr>
+          <p:cNvSpPr>
+            <a:spLocks noGrp="1"/>
+          </p:cNvSpPr>
+          <p:nvPr>
+            <p:ph type="title"/>
+          </p:nvPr>
+        </p:nvSpPr>
+        <p:spPr/>
+        <p:txBody>
+          <a:bodyPr/>
+          <a:lstStyle/>
+          <a:p>
+            <a:r>
+              <a:rPr lang="en-US" dirty="0" err="1"/>
+              <a:t>Windrichting</a:t>
+            </a:r>
+            <a:r>
+              <a:rPr lang="en-US" dirty="0"/>
+              <a:t> sensor</a:t>
+            </a:r>
+            <a:endParaRPr lang="en-NL" dirty="0"/>
+          </a:p>
+        </p:txBody>
+      </p:sp>
+      <p:sp>
+        <p:nvSpPr>
+          <p:cNvPr id="3" name="Content Placeholder 2">
+            <a:extLst>
+              <a:ext uri="{FF2B5EF4-FFF2-40B4-BE49-F238E27FC236}">
+                <a16:creationId xmlns:a16="http://schemas.microsoft.com/office/drawing/2014/main" id="{BB6E0CC7-4DAC-5B7A-E4B7-2901F26A67E4}"/>
+              </a:ext>
+            </a:extLst>
+          </p:cNvPr>
+          <p:cNvSpPr>
+            <a:spLocks noGrp="1"/>
+          </p:cNvSpPr>
+          <p:nvPr>
+            <p:ph idx="1"/>
+          </p:nvPr>
+        </p:nvSpPr>
+        <p:spPr/>
+        <p:txBody>
+          <a:bodyPr/>
+          <a:lstStyle/>
+          <a:p>
+            <a:endParaRPr lang="en-NL"/>
+          </a:p>
+        </p:txBody>
+      </p:sp>
+    </p:spTree>
+    <p:extLst>
+      <p:ext uri="{BB962C8B-B14F-4D97-AF65-F5344CB8AC3E}">
+        <p14:creationId xmlns:p14="http://schemas.microsoft.com/office/powerpoint/2010/main" val="3952928264"/>
+      </p:ext>
+    </p:extLst>
+  </p:cSld>
+  <p:clrMapOvr>
+    <a:masterClrMapping/>
+  </p:clrMapOvr>
+</p:sld>
+</file>
+
+<file path=ppt/slides/slide18.xml><?xml version="1.0" encoding="utf-8"?>
+<p:sld xmlns:a="http://schemas.openxmlformats.org/drawingml/2006/main" xmlns:r="http://schemas.openxmlformats.org/officeDocument/2006/relationships" xmlns:p="http://schemas.openxmlformats.org/presentationml/2006/main">
+  <p:cSld>
+    <p:spTree>
+      <p:nvGrpSpPr>
+        <p:cNvPr id="1" name=""/>
+        <p:cNvGrpSpPr/>
+        <p:nvPr/>
+      </p:nvGrpSpPr>
+      <p:grpSpPr>
+        <a:xfrm>
+          <a:off x="0" y="0"/>
+          <a:ext cx="0" cy="0"/>
+          <a:chOff x="0" y="0"/>
+          <a:chExt cx="0" cy="0"/>
+        </a:xfrm>
+      </p:grpSpPr>
+      <p:sp>
+        <p:nvSpPr>
+          <p:cNvPr id="2" name="Title 1">
+            <a:extLst>
+              <a:ext uri="{FF2B5EF4-FFF2-40B4-BE49-F238E27FC236}">
+                <a16:creationId xmlns:a16="http://schemas.microsoft.com/office/drawing/2014/main" id="{6CCA0EB2-2DC4-C694-3683-5F4C78C45A27}"/>
+              </a:ext>
+            </a:extLst>
+          </p:cNvPr>
+          <p:cNvSpPr>
+            <a:spLocks noGrp="1"/>
+          </p:cNvSpPr>
+          <p:nvPr>
+            <p:ph type="title"/>
+          </p:nvPr>
+        </p:nvSpPr>
+        <p:spPr/>
+        <p:txBody>
+          <a:bodyPr/>
+          <a:lstStyle/>
+          <a:p>
+            <a:r>
+              <a:rPr lang="en-US" dirty="0" err="1"/>
+              <a:t>Obstakels</a:t>
+            </a:r>
+            <a:endParaRPr lang="en-NL" dirty="0"/>
+          </a:p>
+        </p:txBody>
+      </p:sp>
+      <p:sp>
+        <p:nvSpPr>
+          <p:cNvPr id="3" name="Content Placeholder 2">
+            <a:extLst>
+              <a:ext uri="{FF2B5EF4-FFF2-40B4-BE49-F238E27FC236}">
+                <a16:creationId xmlns:a16="http://schemas.microsoft.com/office/drawing/2014/main" id="{C4E2A8BB-A882-6474-87DE-AD2BCBBAA780}"/>
+              </a:ext>
+            </a:extLst>
+          </p:cNvPr>
+          <p:cNvSpPr>
+            <a:spLocks noGrp="1"/>
+          </p:cNvSpPr>
+          <p:nvPr>
+            <p:ph idx="1"/>
+          </p:nvPr>
+        </p:nvSpPr>
+        <p:spPr/>
+        <p:txBody>
+          <a:bodyPr/>
+          <a:lstStyle/>
+          <a:p>
+            <a:endParaRPr lang="en-NL"/>
+          </a:p>
+        </p:txBody>
+      </p:sp>
+    </p:spTree>
+    <p:extLst>
+      <p:ext uri="{BB962C8B-B14F-4D97-AF65-F5344CB8AC3E}">
+        <p14:creationId xmlns:p14="http://schemas.microsoft.com/office/powerpoint/2010/main" val="129830126"/>
+      </p:ext>
+    </p:extLst>
+  </p:cSld>
+  <p:clrMapOvr>
+    <a:masterClrMapping/>
+  </p:clrMapOvr>
+</p:sld>
+</file>
+
 <file path=ppt/slides/slide2.xml><?xml version="1.0" encoding="utf-8"?>
 <p:sld xmlns:a="http://schemas.openxmlformats.org/drawingml/2006/main" xmlns:r="http://schemas.openxmlformats.org/officeDocument/2006/relationships" xmlns:p="http://schemas.openxmlformats.org/presentationml/2006/main">
   <p:cSld>
@@ -6027,7 +9252,9 @@
         </p:nvSpPr>
         <p:spPr/>
         <p:txBody>
-          <a:bodyPr/>
+          <a:bodyPr>
+            <a:normAutofit lnSpcReduction="10000"/>
+          </a:bodyPr>
           <a:lstStyle/>
           <a:p>
             <a:r>
@@ -6059,6 +9286,29 @@
           </a:p>
           <a:p>
             <a:r>
+              <a:rPr lang="en-US" dirty="0"/>
+              <a:t>Requirements</a:t>
+            </a:r>
+          </a:p>
+          <a:p>
+            <a:r>
+              <a:rPr lang="en-US" dirty="0" err="1"/>
+              <a:t>Userstories</a:t>
+            </a:r>
+            <a:endParaRPr lang="en-US" dirty="0"/>
+          </a:p>
+          <a:p>
+            <a:r>
+              <a:rPr lang="en-US" dirty="0" err="1"/>
+              <a:t>Onderzoeken</a:t>
+            </a:r>
+            <a:r>
+              <a:rPr lang="en-US" dirty="0"/>
+              <a:t> </a:t>
+            </a:r>
+          </a:p>
+          <a:p>
+            <a:r>
               <a:rPr lang="en-US" dirty="0" err="1"/>
               <a:t>Architectuur</a:t>
             </a:r>
@@ -6075,20 +9325,21 @@
           <a:p>
             <a:r>
               <a:rPr lang="en-US" dirty="0"/>
-              <a:t>Requirements</a:t>
+              <a:t>Flowchart</a:t>
             </a:r>
           </a:p>
           <a:p>
             <a:r>
               <a:rPr lang="en-US" dirty="0" err="1"/>
-              <a:t>Userstories</a:t>
-            </a:r>
-            <a:r>
-              <a:rPr lang="en-US" dirty="0"/>
-              <a:t> </a:t>
-            </a:r>
-          </a:p>
-          <a:p>
+              <a:t>Testrapport</a:t>
+            </a:r>
+            <a:endParaRPr lang="en-US" dirty="0"/>
+          </a:p>
+          <a:p>
+            <a:r>
+              <a:rPr lang="en-US" dirty="0" err="1"/>
+              <a:t>Obstakels</a:t>
+            </a:r>
             <a:endParaRPr lang="en-US" dirty="0"/>
           </a:p>
         </p:txBody>
@@ -7084,35 +10335,31 @@
           </a:p>
         </p:txBody>
       </p:sp>
-      <p:pic>
-        <p:nvPicPr>
-          <p:cNvPr id="5" name="Content Placeholder 4">
+      <p:sp>
+        <p:nvSpPr>
+          <p:cNvPr id="7" name="Content Placeholder 6">
             <a:extLst>
               <a:ext uri="{FF2B5EF4-FFF2-40B4-BE49-F238E27FC236}">
-                <a16:creationId xmlns:a16="http://schemas.microsoft.com/office/drawing/2014/main" id="{A51B61B9-348D-5962-C358-4118A8FCE038}"/>
+                <a16:creationId xmlns:a16="http://schemas.microsoft.com/office/drawing/2014/main" id="{74F7A8A6-C786-8616-5113-292F14951B09}"/>
               </a:ext>
             </a:extLst>
           </p:cNvPr>
-          <p:cNvPicPr>
-            <a:picLocks noGrp="1" noChangeAspect="1"/>
-          </p:cNvPicPr>
+          <p:cNvSpPr>
+            <a:spLocks noGrp="1"/>
+          </p:cNvSpPr>
           <p:nvPr>
             <p:ph idx="1"/>
           </p:nvPr>
-        </p:nvPicPr>
-        <p:blipFill>
-          <a:blip r:embed="rId2"/>
-          <a:stretch>
-            <a:fillRect/>
-          </a:stretch>
-        </p:blipFill>
-        <p:spPr>
-          <a:xfrm>
-            <a:off x="333534" y="1930400"/>
-            <a:ext cx="11181132" cy="3555186"/>
-          </a:xfrm>
-        </p:spPr>
-      </p:pic>
+        </p:nvSpPr>
+        <p:spPr/>
+        <p:txBody>
+          <a:bodyPr/>
+          <a:lstStyle/>
+          <a:p>
+            <a:endParaRPr lang="en-NL"/>
+          </a:p>
+        </p:txBody>
+      </p:sp>
     </p:spTree>
     <p:extLst>
       <p:ext uri="{BB962C8B-B14F-4D97-AF65-F5344CB8AC3E}">
@@ -8954,7 +12201,7 @@
           <p:cNvPr id="2" name="Title 1">
             <a:extLst>
               <a:ext uri="{FF2B5EF4-FFF2-40B4-BE49-F238E27FC236}">
-                <a16:creationId xmlns:a16="http://schemas.microsoft.com/office/drawing/2014/main" id="{ED3A0CE4-6455-76B7-4D1E-E48C16499A1D}"/>
+                <a16:creationId xmlns:a16="http://schemas.microsoft.com/office/drawing/2014/main" id="{871849E2-0B8C-C26B-5D1E-73BCB8250D5D}"/>
               </a:ext>
             </a:extLst>
           </p:cNvPr>
@@ -8972,53 +12219,41 @@
           <a:p>
             <a:r>
               <a:rPr lang="en-US" dirty="0" err="1"/>
-              <a:t>Architectuur</a:t>
-            </a:r>
-            <a:r>
-              <a:rPr lang="en-US" dirty="0"/>
-              <a:t> </a:t>
-            </a:r>
-            <a:r>
-              <a:rPr lang="en-US" dirty="0" err="1"/>
-              <a:t>ontwerp</a:t>
+              <a:t>Requirments</a:t>
             </a:r>
             <a:endParaRPr lang="en-NL" dirty="0"/>
           </a:p>
         </p:txBody>
       </p:sp>
-      <p:pic>
-        <p:nvPicPr>
-          <p:cNvPr id="5" name="Content Placeholder 4">
+      <p:sp>
+        <p:nvSpPr>
+          <p:cNvPr id="7" name="Content Placeholder 6">
             <a:extLst>
               <a:ext uri="{FF2B5EF4-FFF2-40B4-BE49-F238E27FC236}">
-                <a16:creationId xmlns:a16="http://schemas.microsoft.com/office/drawing/2014/main" id="{BC7FB581-7615-91EB-1DB8-B6DB7CB20AE9}"/>
+                <a16:creationId xmlns:a16="http://schemas.microsoft.com/office/drawing/2014/main" id="{19E7F42E-2EE9-7BB1-4A84-69B62E25262F}"/>
               </a:ext>
             </a:extLst>
           </p:cNvPr>
-          <p:cNvPicPr>
-            <a:picLocks noGrp="1" noChangeAspect="1"/>
-          </p:cNvPicPr>
+          <p:cNvSpPr>
+            <a:spLocks noGrp="1"/>
+          </p:cNvSpPr>
           <p:nvPr>
             <p:ph idx="1"/>
           </p:nvPr>
-        </p:nvPicPr>
-        <p:blipFill>
-          <a:blip r:embed="rId2"/>
-          <a:stretch>
-            <a:fillRect/>
-          </a:stretch>
-        </p:blipFill>
-        <p:spPr>
-          <a:xfrm>
-            <a:off x="1528877" y="1270000"/>
-            <a:ext cx="9575597" cy="5679582"/>
-          </a:xfrm>
-        </p:spPr>
-      </p:pic>
+        </p:nvSpPr>
+        <p:spPr/>
+        <p:txBody>
+          <a:bodyPr/>
+          <a:lstStyle/>
+          <a:p>
+            <a:endParaRPr lang="en-NL"/>
+          </a:p>
+        </p:txBody>
+      </p:sp>
     </p:spTree>
     <p:extLst>
       <p:ext uri="{BB962C8B-B14F-4D97-AF65-F5344CB8AC3E}">
-        <p14:creationId xmlns:p14="http://schemas.microsoft.com/office/powerpoint/2010/main" val="618870125"/>
+        <p14:creationId xmlns:p14="http://schemas.microsoft.com/office/powerpoint/2010/main" val="2490545301"/>
       </p:ext>
     </p:extLst>
   </p:cSld>
@@ -9050,7 +12285,7 @@
           <p:cNvPr id="2" name="Title 1">
             <a:extLst>
               <a:ext uri="{FF2B5EF4-FFF2-40B4-BE49-F238E27FC236}">
-                <a16:creationId xmlns:a16="http://schemas.microsoft.com/office/drawing/2014/main" id="{871849E2-0B8C-C26B-5D1E-73BCB8250D5D}"/>
+                <a16:creationId xmlns:a16="http://schemas.microsoft.com/office/drawing/2014/main" id="{7F3D2BD3-4192-7438-12CA-E91936F8D949}"/>
               </a:ext>
             </a:extLst>
           </p:cNvPr>
@@ -9068,45 +12303,41 @@
           <a:p>
             <a:r>
               <a:rPr lang="en-US" dirty="0" err="1"/>
-              <a:t>Requirments</a:t>
+              <a:t>Userstories</a:t>
             </a:r>
             <a:endParaRPr lang="en-NL" dirty="0"/>
           </a:p>
         </p:txBody>
       </p:sp>
-      <p:pic>
-        <p:nvPicPr>
-          <p:cNvPr id="5" name="Content Placeholder 4">
+      <p:sp>
+        <p:nvSpPr>
+          <p:cNvPr id="3" name="Content Placeholder 2">
             <a:extLst>
               <a:ext uri="{FF2B5EF4-FFF2-40B4-BE49-F238E27FC236}">
-                <a16:creationId xmlns:a16="http://schemas.microsoft.com/office/drawing/2014/main" id="{0A7B2795-A416-A5B9-2785-AF2A1E711819}"/>
+                <a16:creationId xmlns:a16="http://schemas.microsoft.com/office/drawing/2014/main" id="{BCA71352-4E04-1DC3-F289-021B2E701A70}"/>
               </a:ext>
             </a:extLst>
           </p:cNvPr>
-          <p:cNvPicPr>
-            <a:picLocks noGrp="1" noChangeAspect="1"/>
-          </p:cNvPicPr>
+          <p:cNvSpPr>
+            <a:spLocks noGrp="1"/>
+          </p:cNvSpPr>
           <p:nvPr>
             <p:ph idx="1"/>
           </p:nvPr>
-        </p:nvPicPr>
-        <p:blipFill>
-          <a:blip r:embed="rId2"/>
-          <a:stretch>
-            <a:fillRect/>
-          </a:stretch>
-        </p:blipFill>
-        <p:spPr>
-          <a:xfrm>
-            <a:off x="515599" y="1849933"/>
-            <a:ext cx="11160802" cy="3530570"/>
-          </a:xfrm>
-        </p:spPr>
-      </p:pic>
+        </p:nvSpPr>
+        <p:spPr/>
+        <p:txBody>
+          <a:bodyPr/>
+          <a:lstStyle/>
+          <a:p>
+            <a:endParaRPr lang="en-NL"/>
+          </a:p>
+        </p:txBody>
+      </p:sp>
     </p:spTree>
     <p:extLst>
       <p:ext uri="{BB962C8B-B14F-4D97-AF65-F5344CB8AC3E}">
-        <p14:creationId xmlns:p14="http://schemas.microsoft.com/office/powerpoint/2010/main" val="2490545301"/>
+        <p14:creationId xmlns:p14="http://schemas.microsoft.com/office/powerpoint/2010/main" val="2630957277"/>
       </p:ext>
     </p:extLst>
   </p:cSld>

--- a/documentatie/scrum presentaties/50% presentatie.pptx
+++ b/documentatie/scrum presentaties/50% presentatie.pptx
@@ -10,10 +10,10 @@
     <p:sldId id="258" r:id="rId4"/>
     <p:sldId id="259" r:id="rId5"/>
     <p:sldId id="260" r:id="rId6"/>
-    <p:sldId id="263" r:id="rId7"/>
-    <p:sldId id="264" r:id="rId8"/>
-    <p:sldId id="266" r:id="rId9"/>
-    <p:sldId id="267" r:id="rId10"/>
+    <p:sldId id="277" r:id="rId7"/>
+    <p:sldId id="263" r:id="rId8"/>
+    <p:sldId id="264" r:id="rId9"/>
+    <p:sldId id="266" r:id="rId10"/>
     <p:sldId id="270" r:id="rId11"/>
     <p:sldId id="271" r:id="rId12"/>
     <p:sldId id="272" r:id="rId13"/>
@@ -874,7 +874,7 @@
           <a:p>
             <a:fld id="{2D83C7D4-2A85-430B-9211-96D8094A2B97}" type="datetimeFigureOut">
               <a:rPr lang="nl-NL" smtClean="0"/>
-              <a:t>10-11-2025</a:t>
+              <a:t>11-11-2025</a:t>
             </a:fld>
             <a:endParaRPr lang="nl-NL"/>
           </a:p>
@@ -916,7 +916,7 @@
           <a:p>
             <a:fld id="{276FB3F0-79A7-4EA4-A545-C0CD60C10EC0}" type="slidenum">
               <a:rPr lang="nl-NL" smtClean="0"/>
-              <a:t>‹#›</a:t>
+              <a:t>‹nr.›</a:t>
             </a:fld>
             <a:endParaRPr lang="nl-NL"/>
           </a:p>
@@ -1125,7 +1125,7 @@
           <a:p>
             <a:fld id="{2D83C7D4-2A85-430B-9211-96D8094A2B97}" type="datetimeFigureOut">
               <a:rPr lang="nl-NL" smtClean="0"/>
-              <a:t>10-11-2025</a:t>
+              <a:t>11-11-2025</a:t>
             </a:fld>
             <a:endParaRPr lang="nl-NL"/>
           </a:p>
@@ -1167,7 +1167,7 @@
           <a:p>
             <a:fld id="{276FB3F0-79A7-4EA4-A545-C0CD60C10EC0}" type="slidenum">
               <a:rPr lang="nl-NL" smtClean="0"/>
-              <a:t>‹#›</a:t>
+              <a:t>‹nr.›</a:t>
             </a:fld>
             <a:endParaRPr lang="nl-NL"/>
           </a:p>
@@ -1439,7 +1439,7 @@
           <a:p>
             <a:fld id="{2D83C7D4-2A85-430B-9211-96D8094A2B97}" type="datetimeFigureOut">
               <a:rPr lang="nl-NL" smtClean="0"/>
-              <a:t>10-11-2025</a:t>
+              <a:t>11-11-2025</a:t>
             </a:fld>
             <a:endParaRPr lang="nl-NL"/>
           </a:p>
@@ -1481,7 +1481,7 @@
           <a:p>
             <a:fld id="{276FB3F0-79A7-4EA4-A545-C0CD60C10EC0}" type="slidenum">
               <a:rPr lang="nl-NL" smtClean="0"/>
-              <a:t>‹#›</a:t>
+              <a:t>‹nr.›</a:t>
             </a:fld>
             <a:endParaRPr lang="nl-NL"/>
           </a:p>
@@ -1772,7 +1772,7 @@
           <a:p>
             <a:fld id="{2D83C7D4-2A85-430B-9211-96D8094A2B97}" type="datetimeFigureOut">
               <a:rPr lang="nl-NL" smtClean="0"/>
-              <a:t>10-11-2025</a:t>
+              <a:t>11-11-2025</a:t>
             </a:fld>
             <a:endParaRPr lang="nl-NL"/>
           </a:p>
@@ -1814,7 +1814,7 @@
           <a:p>
             <a:fld id="{276FB3F0-79A7-4EA4-A545-C0CD60C10EC0}" type="slidenum">
               <a:rPr lang="nl-NL" smtClean="0"/>
-              <a:t>‹#›</a:t>
+              <a:t>‹nr.›</a:t>
             </a:fld>
             <a:endParaRPr lang="nl-NL"/>
           </a:p>
@@ -2086,7 +2086,7 @@
           <a:p>
             <a:fld id="{2D83C7D4-2A85-430B-9211-96D8094A2B97}" type="datetimeFigureOut">
               <a:rPr lang="nl-NL" smtClean="0"/>
-              <a:t>10-11-2025</a:t>
+              <a:t>11-11-2025</a:t>
             </a:fld>
             <a:endParaRPr lang="nl-NL"/>
           </a:p>
@@ -2128,7 +2128,7 @@
           <a:p>
             <a:fld id="{276FB3F0-79A7-4EA4-A545-C0CD60C10EC0}" type="slidenum">
               <a:rPr lang="nl-NL" smtClean="0"/>
-              <a:t>‹#›</a:t>
+              <a:t>‹nr.›</a:t>
             </a:fld>
             <a:endParaRPr lang="nl-NL"/>
           </a:p>
@@ -2479,7 +2479,7 @@
           <a:p>
             <a:fld id="{2D83C7D4-2A85-430B-9211-96D8094A2B97}" type="datetimeFigureOut">
               <a:rPr lang="nl-NL" smtClean="0"/>
-              <a:t>10-11-2025</a:t>
+              <a:t>11-11-2025</a:t>
             </a:fld>
             <a:endParaRPr lang="nl-NL"/>
           </a:p>
@@ -2521,7 +2521,7 @@
           <a:p>
             <a:fld id="{276FB3F0-79A7-4EA4-A545-C0CD60C10EC0}" type="slidenum">
               <a:rPr lang="nl-NL" smtClean="0"/>
-              <a:t>‹#›</a:t>
+              <a:t>‹nr.›</a:t>
             </a:fld>
             <a:endParaRPr lang="nl-NL"/>
           </a:p>
@@ -2649,7 +2649,7 @@
           <a:p>
             <a:fld id="{2D83C7D4-2A85-430B-9211-96D8094A2B97}" type="datetimeFigureOut">
               <a:rPr lang="nl-NL" smtClean="0"/>
-              <a:t>10-11-2025</a:t>
+              <a:t>11-11-2025</a:t>
             </a:fld>
             <a:endParaRPr lang="nl-NL"/>
           </a:p>
@@ -2691,7 +2691,7 @@
           <a:p>
             <a:fld id="{276FB3F0-79A7-4EA4-A545-C0CD60C10EC0}" type="slidenum">
               <a:rPr lang="nl-NL" smtClean="0"/>
-              <a:t>‹#›</a:t>
+              <a:t>‹nr.›</a:t>
             </a:fld>
             <a:endParaRPr lang="nl-NL"/>
           </a:p>
@@ -2829,7 +2829,7 @@
           <a:p>
             <a:fld id="{2D83C7D4-2A85-430B-9211-96D8094A2B97}" type="datetimeFigureOut">
               <a:rPr lang="nl-NL" smtClean="0"/>
-              <a:t>10-11-2025</a:t>
+              <a:t>11-11-2025</a:t>
             </a:fld>
             <a:endParaRPr lang="nl-NL"/>
           </a:p>
@@ -2871,7 +2871,7 @@
           <a:p>
             <a:fld id="{276FB3F0-79A7-4EA4-A545-C0CD60C10EC0}" type="slidenum">
               <a:rPr lang="nl-NL" smtClean="0"/>
-              <a:t>‹#›</a:t>
+              <a:t>‹nr.›</a:t>
             </a:fld>
             <a:endParaRPr lang="nl-NL"/>
           </a:p>
@@ -2999,7 +2999,7 @@
           <a:p>
             <a:fld id="{2D83C7D4-2A85-430B-9211-96D8094A2B97}" type="datetimeFigureOut">
               <a:rPr lang="nl-NL" smtClean="0"/>
-              <a:t>10-11-2025</a:t>
+              <a:t>11-11-2025</a:t>
             </a:fld>
             <a:endParaRPr lang="nl-NL"/>
           </a:p>
@@ -3041,7 +3041,7 @@
           <a:p>
             <a:fld id="{276FB3F0-79A7-4EA4-A545-C0CD60C10EC0}" type="slidenum">
               <a:rPr lang="nl-NL" smtClean="0"/>
-              <a:t>‹#›</a:t>
+              <a:t>‹nr.›</a:t>
             </a:fld>
             <a:endParaRPr lang="nl-NL"/>
           </a:p>
@@ -3246,7 +3246,7 @@
           <a:p>
             <a:fld id="{2D83C7D4-2A85-430B-9211-96D8094A2B97}" type="datetimeFigureOut">
               <a:rPr lang="nl-NL" smtClean="0"/>
-              <a:t>10-11-2025</a:t>
+              <a:t>11-11-2025</a:t>
             </a:fld>
             <a:endParaRPr lang="nl-NL"/>
           </a:p>
@@ -3288,7 +3288,7 @@
           <a:p>
             <a:fld id="{276FB3F0-79A7-4EA4-A545-C0CD60C10EC0}" type="slidenum">
               <a:rPr lang="nl-NL" smtClean="0"/>
-              <a:t>‹#›</a:t>
+              <a:t>‹nr.›</a:t>
             </a:fld>
             <a:endParaRPr lang="nl-NL"/>
           </a:p>
@@ -3478,7 +3478,7 @@
           <a:p>
             <a:fld id="{2D83C7D4-2A85-430B-9211-96D8094A2B97}" type="datetimeFigureOut">
               <a:rPr lang="nl-NL" smtClean="0"/>
-              <a:t>10-11-2025</a:t>
+              <a:t>11-11-2025</a:t>
             </a:fld>
             <a:endParaRPr lang="nl-NL"/>
           </a:p>
@@ -3520,7 +3520,7 @@
           <a:p>
             <a:fld id="{276FB3F0-79A7-4EA4-A545-C0CD60C10EC0}" type="slidenum">
               <a:rPr lang="nl-NL" smtClean="0"/>
-              <a:t>‹#›</a:t>
+              <a:t>‹nr.›</a:t>
             </a:fld>
             <a:endParaRPr lang="nl-NL"/>
           </a:p>
@@ -3852,7 +3852,7 @@
           <a:p>
             <a:fld id="{2D83C7D4-2A85-430B-9211-96D8094A2B97}" type="datetimeFigureOut">
               <a:rPr lang="nl-NL" smtClean="0"/>
-              <a:t>10-11-2025</a:t>
+              <a:t>11-11-2025</a:t>
             </a:fld>
             <a:endParaRPr lang="nl-NL"/>
           </a:p>
@@ -3894,7 +3894,7 @@
           <a:p>
             <a:fld id="{276FB3F0-79A7-4EA4-A545-C0CD60C10EC0}" type="slidenum">
               <a:rPr lang="nl-NL" smtClean="0"/>
-              <a:t>‹#›</a:t>
+              <a:t>‹nr.›</a:t>
             </a:fld>
             <a:endParaRPr lang="nl-NL"/>
           </a:p>
@@ -3975,7 +3975,7 @@
           <a:p>
             <a:fld id="{2D83C7D4-2A85-430B-9211-96D8094A2B97}" type="datetimeFigureOut">
               <a:rPr lang="nl-NL" smtClean="0"/>
-              <a:t>10-11-2025</a:t>
+              <a:t>11-11-2025</a:t>
             </a:fld>
             <a:endParaRPr lang="nl-NL"/>
           </a:p>
@@ -4017,7 +4017,7 @@
           <a:p>
             <a:fld id="{276FB3F0-79A7-4EA4-A545-C0CD60C10EC0}" type="slidenum">
               <a:rPr lang="nl-NL" smtClean="0"/>
-              <a:t>‹#›</a:t>
+              <a:t>‹nr.›</a:t>
             </a:fld>
             <a:endParaRPr lang="nl-NL"/>
           </a:p>
@@ -4070,7 +4070,7 @@
           <a:p>
             <a:fld id="{2D83C7D4-2A85-430B-9211-96D8094A2B97}" type="datetimeFigureOut">
               <a:rPr lang="nl-NL" smtClean="0"/>
-              <a:t>10-11-2025</a:t>
+              <a:t>11-11-2025</a:t>
             </a:fld>
             <a:endParaRPr lang="nl-NL"/>
           </a:p>
@@ -4112,7 +4112,7 @@
           <a:p>
             <a:fld id="{276FB3F0-79A7-4EA4-A545-C0CD60C10EC0}" type="slidenum">
               <a:rPr lang="nl-NL" smtClean="0"/>
-              <a:t>‹#›</a:t>
+              <a:t>‹nr.›</a:t>
             </a:fld>
             <a:endParaRPr lang="nl-NL"/>
           </a:p>
@@ -4325,7 +4325,7 @@
           <a:p>
             <a:fld id="{2D83C7D4-2A85-430B-9211-96D8094A2B97}" type="datetimeFigureOut">
               <a:rPr lang="nl-NL" smtClean="0"/>
-              <a:t>10-11-2025</a:t>
+              <a:t>11-11-2025</a:t>
             </a:fld>
             <a:endParaRPr lang="nl-NL"/>
           </a:p>
@@ -4367,7 +4367,7 @@
           <a:p>
             <a:fld id="{276FB3F0-79A7-4EA4-A545-C0CD60C10EC0}" type="slidenum">
               <a:rPr lang="nl-NL" smtClean="0"/>
-              <a:t>‹#›</a:t>
+              <a:t>‹nr.›</a:t>
             </a:fld>
             <a:endParaRPr lang="nl-NL"/>
           </a:p>
@@ -4607,7 +4607,7 @@
           <a:p>
             <a:fld id="{276FB3F0-79A7-4EA4-A545-C0CD60C10EC0}" type="slidenum">
               <a:rPr lang="nl-NL" smtClean="0"/>
-              <a:t>‹#›</a:t>
+              <a:t>‹nr.›</a:t>
             </a:fld>
             <a:endParaRPr lang="nl-NL"/>
           </a:p>
@@ -4630,7 +4630,7 @@
           <a:p>
             <a:fld id="{2D83C7D4-2A85-430B-9211-96D8094A2B97}" type="datetimeFigureOut">
               <a:rPr lang="nl-NL" smtClean="0"/>
-              <a:t>10-11-2025</a:t>
+              <a:t>11-11-2025</a:t>
             </a:fld>
             <a:endParaRPr lang="nl-NL"/>
           </a:p>
@@ -5332,7 +5332,7 @@
           <a:p>
             <a:fld id="{2D83C7D4-2A85-430B-9211-96D8094A2B97}" type="datetimeFigureOut">
               <a:rPr lang="nl-NL" smtClean="0"/>
-              <a:t>10-11-2025</a:t>
+              <a:t>11-11-2025</a:t>
             </a:fld>
             <a:endParaRPr lang="nl-NL"/>
           </a:p>
@@ -5408,7 +5408,7 @@
           <a:p>
             <a:fld id="{276FB3F0-79A7-4EA4-A545-C0CD60C10EC0}" type="slidenum">
               <a:rPr lang="nl-NL" smtClean="0"/>
-              <a:t>‹#›</a:t>
+              <a:t>‹nr.›</a:t>
             </a:fld>
             <a:endParaRPr lang="nl-NL"/>
           </a:p>
@@ -9253,7 +9253,7 @@
         <p:spPr/>
         <p:txBody>
           <a:bodyPr>
-            <a:normAutofit lnSpcReduction="10000"/>
+            <a:normAutofit/>
           </a:bodyPr>
           <a:lstStyle/>
           <a:p>
@@ -9287,15 +9287,16 @@
           <a:p>
             <a:r>
               <a:rPr lang="en-US" dirty="0"/>
-              <a:t>Requirements</a:t>
+              <a:t>Requirements </a:t>
             </a:r>
-          </a:p>
-          <a:p>
             <a:r>
               <a:rPr lang="en-US" dirty="0" err="1"/>
-              <a:t>Userstories</a:t>
+              <a:t>en</a:t>
             </a:r>
-            <a:endParaRPr lang="en-US" dirty="0"/>
+            <a:r>
+              <a:rPr lang="en-US" dirty="0"/>
+              <a:t> Userstories</a:t>
+            </a:r>
           </a:p>
           <a:p>
             <a:r>
@@ -10284,6 +10285,14 @@
 <file path=ppt/slides/slide4.xml><?xml version="1.0" encoding="utf-8"?>
 <p:sld xmlns:a="http://schemas.openxmlformats.org/drawingml/2006/main" xmlns:r="http://schemas.openxmlformats.org/officeDocument/2006/relationships" xmlns:p="http://schemas.openxmlformats.org/presentationml/2006/main">
   <p:cSld>
+    <p:bg>
+      <p:bgPr>
+        <a:solidFill>
+          <a:schemeClr val="bg1"/>
+        </a:solidFill>
+        <a:effectLst/>
+      </p:bgPr>
+    </p:bg>
     <p:spTree>
       <p:nvGrpSpPr>
         <p:cNvPr id="1" name=""/>
@@ -10314,9 +10323,16 @@
             <p:ph type="title"/>
           </p:nvPr>
         </p:nvSpPr>
-        <p:spPr/>
+        <p:spPr>
+          <a:xfrm>
+            <a:off x="5536734" y="609600"/>
+            <a:ext cx="3737268" cy="1320800"/>
+          </a:xfrm>
+        </p:spPr>
         <p:txBody>
-          <a:bodyPr/>
+          <a:bodyPr>
+            <a:normAutofit/>
+          </a:bodyPr>
           <a:lstStyle/>
           <a:p>
             <a:r>
@@ -10337,10 +10353,10 @@
       </p:sp>
       <p:sp>
         <p:nvSpPr>
-          <p:cNvPr id="7" name="Content Placeholder 6">
+          <p:cNvPr id="8" name="Content Placeholder 7">
             <a:extLst>
               <a:ext uri="{FF2B5EF4-FFF2-40B4-BE49-F238E27FC236}">
-                <a16:creationId xmlns:a16="http://schemas.microsoft.com/office/drawing/2014/main" id="{74F7A8A6-C786-8616-5113-292F14951B09}"/>
+                <a16:creationId xmlns:a16="http://schemas.microsoft.com/office/drawing/2014/main" id="{1E65CE3B-B1C1-86F2-2240-99C8AFD8E405}"/>
               </a:ext>
             </a:extLst>
           </p:cNvPr>
@@ -10351,12 +10367,146 @@
             <p:ph idx="1"/>
           </p:nvPr>
         </p:nvSpPr>
-        <p:spPr/>
+        <p:spPr>
+          <a:xfrm>
+            <a:off x="5209563" y="2160589"/>
+            <a:ext cx="4064439" cy="3880773"/>
+          </a:xfrm>
+        </p:spPr>
+        <p:txBody>
+          <a:bodyPr>
+            <a:normAutofit/>
+          </a:bodyPr>
+          <a:lstStyle/>
+          <a:p>
+            <a:endParaRPr lang="en-US" dirty="0"/>
+          </a:p>
+        </p:txBody>
+      </p:sp>
+      <p:pic>
+        <p:nvPicPr>
+          <p:cNvPr id="4" name="Tijdelijke aanduiding voor inhoud 3" descr="Afbeelding met buitenshuis, water, meer, transport&#10;&#10;Door AI gegenereerde inhoud is mogelijk onjuist.">
+            <a:extLst>
+              <a:ext uri="{FF2B5EF4-FFF2-40B4-BE49-F238E27FC236}">
+                <a16:creationId xmlns:a16="http://schemas.microsoft.com/office/drawing/2014/main" id="{AE93EF3A-879E-092C-E00D-577326DFF14A}"/>
+              </a:ext>
+            </a:extLst>
+          </p:cNvPr>
+          <p:cNvPicPr>
+            <a:picLocks noChangeAspect="1"/>
+          </p:cNvPicPr>
+          <p:nvPr/>
+        </p:nvPicPr>
+        <p:blipFill>
+          <a:blip r:embed="rId2">
+            <a:extLst>
+              <a:ext uri="{28A0092B-C50C-407E-A947-70E740481C1C}">
+                <a14:useLocalDpi xmlns:a14="http://schemas.microsoft.com/office/drawing/2010/main" val="0"/>
+              </a:ext>
+            </a:extLst>
+          </a:blip>
+          <a:srcRect t="4661" r="-1" b="-1"/>
+          <a:stretch>
+            <a:fillRect/>
+          </a:stretch>
+        </p:blipFill>
+        <p:spPr>
+          <a:xfrm>
+            <a:off x="20" y="-1"/>
+            <a:ext cx="5394940" cy="6858001"/>
+          </a:xfrm>
+          <a:custGeom>
+            <a:avLst/>
+            <a:gdLst/>
+            <a:ahLst/>
+            <a:cxnLst/>
+            <a:rect l="l" t="t" r="r" b="b"/>
+            <a:pathLst>
+              <a:path w="5394960" h="6858000">
+                <a:moveTo>
+                  <a:pt x="842596" y="0"/>
+                </a:moveTo>
+                <a:lnTo>
+                  <a:pt x="5394960" y="0"/>
+                </a:lnTo>
+                <a:lnTo>
+                  <a:pt x="5394960" y="21851"/>
+                </a:lnTo>
+                <a:lnTo>
+                  <a:pt x="4365943" y="6858000"/>
+                </a:lnTo>
+                <a:lnTo>
+                  <a:pt x="0" y="6858000"/>
+                </a:lnTo>
+                <a:lnTo>
+                  <a:pt x="0" y="5666154"/>
+                </a:lnTo>
+                <a:close/>
+              </a:path>
+            </a:pathLst>
+          </a:custGeom>
+        </p:spPr>
+      </p:pic>
+      <p:sp>
+        <p:nvSpPr>
+          <p:cNvPr id="11" name="Isosceles Triangle 10">
+            <a:extLst>
+              <a:ext uri="{FF2B5EF4-FFF2-40B4-BE49-F238E27FC236}">
+                <a16:creationId xmlns:a16="http://schemas.microsoft.com/office/drawing/2014/main" id="{3BCB5F6A-9EB0-40B0-9D13-3023E9A20508}"/>
+              </a:ext>
+              <a:ext uri="{C183D7F6-B498-43B3-948B-1728B52AA6E4}">
+                <adec:decorative xmlns:adec="http://schemas.microsoft.com/office/drawing/2017/decorative" val="1"/>
+              </a:ext>
+            </a:extLst>
+          </p:cNvPr>
+          <p:cNvSpPr>
+            <a:spLocks noGrp="1" noRot="1" noChangeAspect="1" noMove="1" noResize="1" noEditPoints="1" noAdjustHandles="1" noChangeArrowheads="1" noChangeShapeType="1" noTextEdit="1"/>
+          </p:cNvSpPr>
+          <p:nvPr>
+            <p:extLst>
+              <p:ext uri="{386F3935-93C4-4BCD-93E2-E3B085C9AB24}">
+                <p16:designElem xmlns:p16="http://schemas.microsoft.com/office/powerpoint/2015/main" val="1"/>
+              </p:ext>
+            </p:extLst>
+          </p:nvPr>
+        </p:nvSpPr>
+        <p:spPr>
+          <a:xfrm rot="10800000">
+            <a:off x="0" y="0"/>
+            <a:ext cx="842596" cy="5666154"/>
+          </a:xfrm>
+          <a:prstGeom prst="triangle">
+            <a:avLst>
+              <a:gd name="adj" fmla="val 100000"/>
+            </a:avLst>
+          </a:prstGeom>
+          <a:solidFill>
+            <a:schemeClr val="accent1"/>
+          </a:solidFill>
+          <a:ln>
+            <a:noFill/>
+          </a:ln>
+          <a:effectLst/>
+        </p:spPr>
+        <p:style>
+          <a:lnRef idx="1">
+            <a:schemeClr val="accent1"/>
+          </a:lnRef>
+          <a:fillRef idx="3">
+            <a:schemeClr val="accent1"/>
+          </a:fillRef>
+          <a:effectRef idx="2">
+            <a:schemeClr val="accent1"/>
+          </a:effectRef>
+          <a:fontRef idx="minor">
+            <a:schemeClr val="lt1"/>
+          </a:fontRef>
+        </p:style>
         <p:txBody>
           <a:bodyPr/>
           <a:lstStyle/>
           <a:p>
-            <a:endParaRPr lang="en-NL"/>
+            <a:endParaRPr lang="nl-NL"/>
           </a:p>
         </p:txBody>
       </p:sp>
@@ -10379,7 +10529,7 @@
     <p:bg>
       <p:bgPr>
         <a:solidFill>
-          <a:schemeClr val="bg1"/>
+          <a:schemeClr val="bg2"/>
         </a:solidFill>
         <a:effectLst/>
       </p:bgPr>
@@ -10400,10 +10550,10 @@
       </p:grpSpPr>
       <p:grpSp>
         <p:nvGrpSpPr>
-          <p:cNvPr id="10" name="Group 9">
+          <p:cNvPr id="60" name="Group 59">
             <a:extLst>
               <a:ext uri="{FF2B5EF4-FFF2-40B4-BE49-F238E27FC236}">
-                <a16:creationId xmlns:a16="http://schemas.microsoft.com/office/drawing/2014/main" id="{6CE6E43D-FC44-4F15-89C6-7C08E9BDC3FF}"/>
+                <a16:creationId xmlns:a16="http://schemas.microsoft.com/office/drawing/2014/main" id="{76582886-877C-4AEC-A77F-8055EB9A0CF9}"/>
               </a:ext>
               <a:ext uri="{C183D7F6-B498-43B3-948B-1728B52AA6E4}">
                 <adec:decorative xmlns:adec="http://schemas.microsoft.com/office/drawing/2017/decorative" val="1"/>
@@ -10429,12 +10579,97 @@
             <a:chExt cx="12192000" cy="6866467"/>
           </a:xfrm>
         </p:grpSpPr>
+        <p:sp>
+          <p:nvSpPr>
+            <p:cNvPr id="109" name="Freeform 14">
+              <a:extLst>
+                <a:ext uri="{FF2B5EF4-FFF2-40B4-BE49-F238E27FC236}">
+                  <a16:creationId xmlns:a16="http://schemas.microsoft.com/office/drawing/2014/main" id="{171A838D-27EA-485C-9A80-DCE624AB30B2}"/>
+                </a:ext>
+                <a:ext uri="{C183D7F6-B498-43B3-948B-1728B52AA6E4}">
+                  <adec:decorative xmlns:adec="http://schemas.microsoft.com/office/drawing/2017/decorative" val="1"/>
+                </a:ext>
+              </a:extLst>
+            </p:cNvPr>
+            <p:cNvSpPr/>
+            <p:nvPr>
+              <p:extLst>
+                <p:ext uri="{386F3935-93C4-4BCD-93E2-E3B085C9AB24}">
+                  <p16:designElem xmlns:p16="http://schemas.microsoft.com/office/powerpoint/2015/main" val="1"/>
+                </p:ext>
+              </p:extLst>
+            </p:nvPr>
+          </p:nvSpPr>
+          <p:spPr>
+            <a:xfrm>
+              <a:off x="0" y="-7862"/>
+              <a:ext cx="863600" cy="5698067"/>
+            </a:xfrm>
+            <a:custGeom>
+              <a:avLst/>
+              <a:gdLst/>
+              <a:ahLst/>
+              <a:cxnLst/>
+              <a:rect l="l" t="t" r="r" b="b"/>
+              <a:pathLst>
+                <a:path w="863600" h="5698067">
+                  <a:moveTo>
+                    <a:pt x="0" y="8467"/>
+                  </a:moveTo>
+                  <a:lnTo>
+                    <a:pt x="863600" y="0"/>
+                  </a:lnTo>
+                  <a:lnTo>
+                    <a:pt x="863600" y="16934"/>
+                  </a:lnTo>
+                  <a:lnTo>
+                    <a:pt x="0" y="5698067"/>
+                  </a:lnTo>
+                  <a:lnTo>
+                    <a:pt x="0" y="8467"/>
+                  </a:lnTo>
+                  <a:close/>
+                </a:path>
+              </a:pathLst>
+            </a:custGeom>
+            <a:solidFill>
+              <a:schemeClr val="accent1">
+                <a:alpha val="70000"/>
+              </a:schemeClr>
+            </a:solidFill>
+            <a:ln>
+              <a:noFill/>
+            </a:ln>
+            <a:effectLst/>
+          </p:spPr>
+          <p:style>
+            <a:lnRef idx="1">
+              <a:schemeClr val="accent1"/>
+            </a:lnRef>
+            <a:fillRef idx="3">
+              <a:schemeClr val="accent1"/>
+            </a:fillRef>
+            <a:effectRef idx="2">
+              <a:schemeClr val="accent1"/>
+            </a:effectRef>
+            <a:fontRef idx="minor">
+              <a:schemeClr val="lt1"/>
+            </a:fontRef>
+          </p:style>
+          <p:txBody>
+            <a:bodyPr/>
+            <a:lstStyle/>
+            <a:p>
+              <a:endParaRPr lang="nl-NL"/>
+            </a:p>
+          </p:txBody>
+        </p:sp>
         <p:cxnSp>
           <p:nvCxnSpPr>
-            <p:cNvPr id="11" name="Straight Connector 10">
+            <p:cNvPr id="62" name="Straight Connector 61">
               <a:extLst>
                 <a:ext uri="{FF2B5EF4-FFF2-40B4-BE49-F238E27FC236}">
-                  <a16:creationId xmlns:a16="http://schemas.microsoft.com/office/drawing/2014/main" id="{321115E6-3640-4179-A252-686A27B75B3B}"/>
+                  <a16:creationId xmlns:a16="http://schemas.microsoft.com/office/drawing/2014/main" id="{9059F313-A1BB-425E-9626-2BD43CAC6489}"/>
                 </a:ext>
                 <a:ext uri="{C183D7F6-B498-43B3-948B-1728B52AA6E4}">
                   <adec:decorative xmlns:adec="http://schemas.microsoft.com/office/drawing/2017/decorative" val="1"/>
@@ -10483,10 +10718,10 @@
         </p:cxnSp>
         <p:cxnSp>
           <p:nvCxnSpPr>
-            <p:cNvPr id="12" name="Straight Connector 11">
+            <p:cNvPr id="63" name="Straight Connector 62">
               <a:extLst>
                 <a:ext uri="{FF2B5EF4-FFF2-40B4-BE49-F238E27FC236}">
-                  <a16:creationId xmlns:a16="http://schemas.microsoft.com/office/drawing/2014/main" id="{E68D2ABE-CDFA-4BEB-AF45-E43862265B0D}"/>
+                  <a16:creationId xmlns:a16="http://schemas.microsoft.com/office/drawing/2014/main" id="{19ABF76A-A1AE-44BB-9ECB-D55D2FE29BF1}"/>
                 </a:ext>
                 <a:ext uri="{C183D7F6-B498-43B3-948B-1728B52AA6E4}">
                   <adec:decorative xmlns:adec="http://schemas.microsoft.com/office/drawing/2017/decorative" val="1"/>
@@ -10535,10 +10770,10 @@
         </p:cxnSp>
         <p:sp>
           <p:nvSpPr>
-            <p:cNvPr id="13" name="Rectangle 23">
+            <p:cNvPr id="110" name="Rectangle 23">
               <a:extLst>
                 <a:ext uri="{FF2B5EF4-FFF2-40B4-BE49-F238E27FC236}">
-                  <a16:creationId xmlns:a16="http://schemas.microsoft.com/office/drawing/2014/main" id="{A108FB8B-558B-4F9E-970F-72D2EE57F644}"/>
+                  <a16:creationId xmlns:a16="http://schemas.microsoft.com/office/drawing/2014/main" id="{5B6D2EC4-82D3-43B8-82D6-028CB4345618}"/>
                 </a:ext>
                 <a:ext uri="{C183D7F6-B498-43B3-948B-1728B52AA6E4}">
                   <adec:decorative xmlns:adec="http://schemas.microsoft.com/office/drawing/2017/decorative" val="1"/>
@@ -10614,16 +10849,16 @@
             <a:bodyPr/>
             <a:lstStyle/>
             <a:p>
-              <a:endParaRPr lang="en-NL"/>
+              <a:endParaRPr lang="nl-NL"/>
             </a:p>
           </p:txBody>
         </p:sp>
         <p:sp>
           <p:nvSpPr>
-            <p:cNvPr id="14" name="Rectangle 25">
+            <p:cNvPr id="111" name="Rectangle 25">
               <a:extLst>
                 <a:ext uri="{FF2B5EF4-FFF2-40B4-BE49-F238E27FC236}">
-                  <a16:creationId xmlns:a16="http://schemas.microsoft.com/office/drawing/2014/main" id="{481E92F1-5BD2-4422-B875-90578CEAA552}"/>
+                  <a16:creationId xmlns:a16="http://schemas.microsoft.com/office/drawing/2014/main" id="{520034CE-71F9-4E0F-94D8-99335CB85263}"/>
                 </a:ext>
                 <a:ext uri="{C183D7F6-B498-43B3-948B-1728B52AA6E4}">
                   <adec:decorative xmlns:adec="http://schemas.microsoft.com/office/drawing/2017/decorative" val="1"/>
@@ -10699,16 +10934,16 @@
             <a:bodyPr/>
             <a:lstStyle/>
             <a:p>
-              <a:endParaRPr lang="en-NL"/>
+              <a:endParaRPr lang="nl-NL"/>
             </a:p>
           </p:txBody>
         </p:sp>
         <p:sp>
           <p:nvSpPr>
-            <p:cNvPr id="15" name="Isosceles Triangle 14">
+            <p:cNvPr id="112" name="Isosceles Triangle 65">
               <a:extLst>
                 <a:ext uri="{FF2B5EF4-FFF2-40B4-BE49-F238E27FC236}">
-                  <a16:creationId xmlns:a16="http://schemas.microsoft.com/office/drawing/2014/main" id="{9D9630F3-9488-4F58-9098-F6B8552BD6D5}"/>
+                  <a16:creationId xmlns:a16="http://schemas.microsoft.com/office/drawing/2014/main" id="{1926C6C0-16F7-4CDC-B481-2D19B2F3BF0C}"/>
                 </a:ext>
                 <a:ext uri="{C183D7F6-B498-43B3-948B-1728B52AA6E4}">
                   <adec:decorative xmlns:adec="http://schemas.microsoft.com/office/drawing/2017/decorative" val="1"/>
@@ -10763,16 +10998,16 @@
             <a:bodyPr/>
             <a:lstStyle/>
             <a:p>
-              <a:endParaRPr lang="en-NL"/>
+              <a:endParaRPr lang="nl-NL"/>
             </a:p>
           </p:txBody>
         </p:sp>
         <p:sp>
           <p:nvSpPr>
-            <p:cNvPr id="16" name="Rectangle 27">
+            <p:cNvPr id="113" name="Rectangle 27">
               <a:extLst>
                 <a:ext uri="{FF2B5EF4-FFF2-40B4-BE49-F238E27FC236}">
-                  <a16:creationId xmlns:a16="http://schemas.microsoft.com/office/drawing/2014/main" id="{A82B105D-E7A6-4F3A-AFDA-B9133F6BDFE0}"/>
+                  <a16:creationId xmlns:a16="http://schemas.microsoft.com/office/drawing/2014/main" id="{042CE423-CE6E-4EE9-91F2-3E40EFB40A35}"/>
                 </a:ext>
                 <a:ext uri="{C183D7F6-B498-43B3-948B-1728B52AA6E4}">
                   <adec:decorative xmlns:adec="http://schemas.microsoft.com/office/drawing/2017/decorative" val="1"/>
@@ -10849,16 +11084,16 @@
             <a:bodyPr/>
             <a:lstStyle/>
             <a:p>
-              <a:endParaRPr lang="en-NL"/>
+              <a:endParaRPr lang="nl-NL"/>
             </a:p>
           </p:txBody>
         </p:sp>
         <p:sp>
           <p:nvSpPr>
-            <p:cNvPr id="17" name="Rectangle 28">
+            <p:cNvPr id="114" name="Rectangle 28">
               <a:extLst>
                 <a:ext uri="{FF2B5EF4-FFF2-40B4-BE49-F238E27FC236}">
-                  <a16:creationId xmlns:a16="http://schemas.microsoft.com/office/drawing/2014/main" id="{592262AB-546B-41A7-99DE-EC034F0722FB}"/>
+                  <a16:creationId xmlns:a16="http://schemas.microsoft.com/office/drawing/2014/main" id="{699BB4BD-31D7-434C-A6DB-E2CF3ACF6053}"/>
                 </a:ext>
                 <a:ext uri="{C183D7F6-B498-43B3-948B-1728B52AA6E4}">
                   <adec:decorative xmlns:adec="http://schemas.microsoft.com/office/drawing/2017/decorative" val="1"/>
@@ -10934,16 +11169,16 @@
             <a:bodyPr/>
             <a:lstStyle/>
             <a:p>
-              <a:endParaRPr lang="en-NL"/>
+              <a:endParaRPr lang="nl-NL"/>
             </a:p>
           </p:txBody>
         </p:sp>
         <p:sp>
           <p:nvSpPr>
-            <p:cNvPr id="18" name="Rectangle 29">
+            <p:cNvPr id="115" name="Rectangle 29">
               <a:extLst>
                 <a:ext uri="{FF2B5EF4-FFF2-40B4-BE49-F238E27FC236}">
-                  <a16:creationId xmlns:a16="http://schemas.microsoft.com/office/drawing/2014/main" id="{D878A1F7-F404-41A0-BD7C-9739499BDDD6}"/>
+                  <a16:creationId xmlns:a16="http://schemas.microsoft.com/office/drawing/2014/main" id="{23D406B8-656A-4D8B-91D0-BF4202C86FEF}"/>
                 </a:ext>
                 <a:ext uri="{C183D7F6-B498-43B3-948B-1728B52AA6E4}">
                   <adec:decorative xmlns:adec="http://schemas.microsoft.com/office/drawing/2017/decorative" val="1"/>
@@ -11020,16 +11255,16 @@
             <a:bodyPr/>
             <a:lstStyle/>
             <a:p>
-              <a:endParaRPr lang="en-NL"/>
+              <a:endParaRPr lang="nl-NL"/>
             </a:p>
           </p:txBody>
         </p:sp>
         <p:sp>
           <p:nvSpPr>
-            <p:cNvPr id="19" name="Isosceles Triangle 18">
+            <p:cNvPr id="116" name="Isosceles Triangle 69">
               <a:extLst>
                 <a:ext uri="{FF2B5EF4-FFF2-40B4-BE49-F238E27FC236}">
-                  <a16:creationId xmlns:a16="http://schemas.microsoft.com/office/drawing/2014/main" id="{0076BF32-29FF-4C3A-B1AF-91A28EFDA079}"/>
+                  <a16:creationId xmlns:a16="http://schemas.microsoft.com/office/drawing/2014/main" id="{83F4BFB6-D6B8-446C-8E17-3D54DCA9FF23}"/>
                 </a:ext>
                 <a:ext uri="{C183D7F6-B498-43B3-948B-1728B52AA6E4}">
                   <adec:decorative xmlns:adec="http://schemas.microsoft.com/office/drawing/2017/decorative" val="1"/>
@@ -11084,107 +11319,705 @@
             <a:bodyPr/>
             <a:lstStyle/>
             <a:p>
-              <a:endParaRPr lang="en-NL"/>
-            </a:p>
-          </p:txBody>
-        </p:sp>
-        <p:sp>
-          <p:nvSpPr>
-            <p:cNvPr id="20" name="Isosceles Triangle 19">
-              <a:extLst>
-                <a:ext uri="{FF2B5EF4-FFF2-40B4-BE49-F238E27FC236}">
-                  <a16:creationId xmlns:a16="http://schemas.microsoft.com/office/drawing/2014/main" id="{0A4C29F3-B3A2-40B9-8670-ADA39B0C42FF}"/>
-                </a:ext>
-                <a:ext uri="{C183D7F6-B498-43B3-948B-1728B52AA6E4}">
-                  <adec:decorative xmlns:adec="http://schemas.microsoft.com/office/drawing/2017/decorative" val="1"/>
-                </a:ext>
-              </a:extLst>
-            </p:cNvPr>
-            <p:cNvSpPr/>
-            <p:nvPr>
-              <p:extLst>
-                <p:ext uri="{386F3935-93C4-4BCD-93E2-E3B085C9AB24}">
-                  <p16:designElem xmlns:p16="http://schemas.microsoft.com/office/powerpoint/2015/main" val="1"/>
-                </p:ext>
-              </p:extLst>
-            </p:nvPr>
-          </p:nvSpPr>
-          <p:spPr>
-            <a:xfrm>
-              <a:off x="0" y="4013200"/>
-              <a:ext cx="448733" cy="2844800"/>
-            </a:xfrm>
-            <a:prstGeom prst="triangle">
-              <a:avLst>
-                <a:gd name="adj" fmla="val 0"/>
-              </a:avLst>
-            </a:prstGeom>
-            <a:solidFill>
-              <a:schemeClr val="accent1">
-                <a:alpha val="70000"/>
-              </a:schemeClr>
-            </a:solidFill>
-            <a:ln>
-              <a:noFill/>
-            </a:ln>
-            <a:effectLst/>
-          </p:spPr>
-          <p:style>
-            <a:lnRef idx="1">
-              <a:schemeClr val="accent1"/>
-            </a:lnRef>
-            <a:fillRef idx="3">
-              <a:schemeClr val="accent1"/>
-            </a:fillRef>
-            <a:effectRef idx="2">
-              <a:schemeClr val="accent1"/>
-            </a:effectRef>
-            <a:fontRef idx="minor">
-              <a:schemeClr val="lt1"/>
-            </a:fontRef>
-          </p:style>
-          <p:txBody>
-            <a:bodyPr/>
-            <a:lstStyle/>
-            <a:p>
-              <a:endParaRPr lang="en-NL"/>
+              <a:endParaRPr lang="nl-NL"/>
             </a:p>
           </p:txBody>
         </p:sp>
       </p:grpSp>
-      <p:pic>
-        <p:nvPicPr>
-          <p:cNvPr id="5" name="Content Placeholder 4" descr="A graph on a piece of paper&#10;&#10;AI-generated content may be incorrect.">
+      <p:sp useBgFill="1">
+        <p:nvSpPr>
+          <p:cNvPr id="72" name="Rectangle 71">
             <a:extLst>
               <a:ext uri="{FF2B5EF4-FFF2-40B4-BE49-F238E27FC236}">
-                <a16:creationId xmlns:a16="http://schemas.microsoft.com/office/drawing/2014/main" id="{4B2658E6-2642-2CD2-1AC2-A1DCF4F6C89C}"/>
+                <a16:creationId xmlns:a16="http://schemas.microsoft.com/office/drawing/2014/main" id="{9179DE42-5613-4B35-A1E6-6CCBAA13C743}"/>
+              </a:ext>
+              <a:ext uri="{C183D7F6-B498-43B3-948B-1728B52AA6E4}">
+                <adec:decorative xmlns:adec="http://schemas.microsoft.com/office/drawing/2017/decorative" val="1"/>
               </a:ext>
             </a:extLst>
           </p:cNvPr>
-          <p:cNvPicPr>
-            <a:picLocks noGrp="1" noChangeAspect="1"/>
-          </p:cNvPicPr>
-          <p:nvPr>
-            <p:ph idx="1"/>
-          </p:nvPr>
-        </p:nvPicPr>
-        <p:blipFill>
-          <a:blip r:embed="rId2"/>
-          <a:srcRect t="13663" b="14222"/>
-          <a:stretch>
-            <a:fillRect/>
-          </a:stretch>
-        </p:blipFill>
+          <p:cNvSpPr>
+            <a:spLocks noGrp="1" noRot="1" noChangeAspect="1" noMove="1" noResize="1" noEditPoints="1" noAdjustHandles="1" noChangeArrowheads="1" noChangeShapeType="1" noTextEdit="1"/>
+          </p:cNvSpPr>
+          <p:nvPr>
+            <p:extLst>
+              <p:ext uri="{386F3935-93C4-4BCD-93E2-E3B085C9AB24}">
+                <p16:designElem xmlns:p16="http://schemas.microsoft.com/office/powerpoint/2015/main" val="1"/>
+              </p:ext>
+            </p:extLst>
+          </p:nvPr>
+        </p:nvSpPr>
         <p:spPr>
           <a:xfrm>
-            <a:off x="1165685" y="1409117"/>
-            <a:ext cx="9860629" cy="5546605"/>
+            <a:off x="0" y="0"/>
+            <a:ext cx="12192000" cy="6858000"/>
           </a:xfrm>
           <a:prstGeom prst="rect">
             <a:avLst/>
           </a:prstGeom>
+          <a:ln>
+            <a:noFill/>
+          </a:ln>
         </p:spPr>
-      </p:pic>
+        <p:style>
+          <a:lnRef idx="2">
+            <a:schemeClr val="accent1">
+              <a:shade val="50000"/>
+            </a:schemeClr>
+          </a:lnRef>
+          <a:fillRef idx="1">
+            <a:schemeClr val="accent1"/>
+          </a:fillRef>
+          <a:effectRef idx="0">
+            <a:schemeClr val="accent1"/>
+          </a:effectRef>
+          <a:fontRef idx="minor">
+            <a:schemeClr val="lt1"/>
+          </a:fontRef>
+        </p:style>
+        <p:txBody>
+          <a:bodyPr rtlCol="0" anchor="ctr"/>
+          <a:lstStyle/>
+          <a:p>
+            <a:pPr algn="ctr"/>
+            <a:endParaRPr lang="en-US"/>
+          </a:p>
+        </p:txBody>
+      </p:sp>
+      <p:cxnSp>
+        <p:nvCxnSpPr>
+          <p:cNvPr id="74" name="Straight Connector 73">
+            <a:extLst>
+              <a:ext uri="{FF2B5EF4-FFF2-40B4-BE49-F238E27FC236}">
+                <a16:creationId xmlns:a16="http://schemas.microsoft.com/office/drawing/2014/main" id="{EB898B32-3891-4C3A-8F58-C5969D2E9033}"/>
+              </a:ext>
+              <a:ext uri="{C183D7F6-B498-43B3-948B-1728B52AA6E4}">
+                <adec:decorative xmlns:adec="http://schemas.microsoft.com/office/drawing/2017/decorative" val="1"/>
+              </a:ext>
+            </a:extLst>
+          </p:cNvPr>
+          <p:cNvCxnSpPr>
+            <a:cxnSpLocks noGrp="1" noRot="1" noChangeAspect="1" noMove="1" noResize="1" noEditPoints="1" noAdjustHandles="1" noChangeArrowheads="1" noChangeShapeType="1"/>
+          </p:cNvCxnSpPr>
+          <p:nvPr>
+            <p:extLst>
+              <p:ext uri="{386F3935-93C4-4BCD-93E2-E3B085C9AB24}">
+                <p16:designElem xmlns:p16="http://schemas.microsoft.com/office/powerpoint/2015/main" val="1"/>
+              </p:ext>
+            </p:extLst>
+          </p:nvPr>
+        </p:nvCxnSpPr>
+        <p:spPr>
+          <a:xfrm>
+            <a:off x="1448300" y="0"/>
+            <a:ext cx="1219200" cy="6858000"/>
+          </a:xfrm>
+          <a:prstGeom prst="line">
+            <a:avLst/>
+          </a:prstGeom>
+          <a:ln w="9525">
+            <a:solidFill>
+              <a:schemeClr val="accent1">
+                <a:lumMod val="75000"/>
+              </a:schemeClr>
+            </a:solidFill>
+          </a:ln>
+        </p:spPr>
+        <p:style>
+          <a:lnRef idx="2">
+            <a:schemeClr val="accent1"/>
+          </a:lnRef>
+          <a:fillRef idx="0">
+            <a:schemeClr val="accent1"/>
+          </a:fillRef>
+          <a:effectRef idx="1">
+            <a:schemeClr val="accent1"/>
+          </a:effectRef>
+          <a:fontRef idx="minor">
+            <a:schemeClr val="tx1"/>
+          </a:fontRef>
+        </p:style>
+      </p:cxnSp>
+      <p:cxnSp>
+        <p:nvCxnSpPr>
+          <p:cNvPr id="76" name="Straight Connector 75">
+            <a:extLst>
+              <a:ext uri="{FF2B5EF4-FFF2-40B4-BE49-F238E27FC236}">
+                <a16:creationId xmlns:a16="http://schemas.microsoft.com/office/drawing/2014/main" id="{4AE4806D-B8F9-4679-A68A-9BD21C01A301}"/>
+              </a:ext>
+              <a:ext uri="{C183D7F6-B498-43B3-948B-1728B52AA6E4}">
+                <adec:decorative xmlns:adec="http://schemas.microsoft.com/office/drawing/2017/decorative" val="1"/>
+              </a:ext>
+            </a:extLst>
+          </p:cNvPr>
+          <p:cNvCxnSpPr>
+            <a:cxnSpLocks noGrp="1" noRot="1" noChangeAspect="1" noMove="1" noResize="1" noEditPoints="1" noAdjustHandles="1" noChangeArrowheads="1" noChangeShapeType="1"/>
+          </p:cNvCxnSpPr>
+          <p:nvPr>
+            <p:extLst>
+              <p:ext uri="{386F3935-93C4-4BCD-93E2-E3B085C9AB24}">
+                <p16:designElem xmlns:p16="http://schemas.microsoft.com/office/powerpoint/2015/main" val="1"/>
+              </p:ext>
+            </p:extLst>
+          </p:nvPr>
+        </p:nvCxnSpPr>
+        <p:spPr>
+          <a:xfrm flipH="1">
+            <a:off x="67175" y="3681413"/>
+            <a:ext cx="4763558" cy="3176587"/>
+          </a:xfrm>
+          <a:prstGeom prst="line">
+            <a:avLst/>
+          </a:prstGeom>
+          <a:ln w="9525">
+            <a:solidFill>
+              <a:schemeClr val="tx1">
+                <a:lumMod val="50000"/>
+                <a:lumOff val="50000"/>
+                <a:alpha val="80000"/>
+              </a:schemeClr>
+            </a:solidFill>
+          </a:ln>
+        </p:spPr>
+        <p:style>
+          <a:lnRef idx="2">
+            <a:schemeClr val="accent1"/>
+          </a:lnRef>
+          <a:fillRef idx="0">
+            <a:schemeClr val="accent1"/>
+          </a:fillRef>
+          <a:effectRef idx="1">
+            <a:schemeClr val="accent1"/>
+          </a:effectRef>
+          <a:fontRef idx="minor">
+            <a:schemeClr val="tx1"/>
+          </a:fontRef>
+        </p:style>
+      </p:cxnSp>
+      <p:sp>
+        <p:nvSpPr>
+          <p:cNvPr id="117" name="Rectangle 23">
+            <a:extLst>
+              <a:ext uri="{FF2B5EF4-FFF2-40B4-BE49-F238E27FC236}">
+                <a16:creationId xmlns:a16="http://schemas.microsoft.com/office/drawing/2014/main" id="{52FB45E9-914E-4471-AC87-E475CD51767D}"/>
+              </a:ext>
+              <a:ext uri="{C183D7F6-B498-43B3-948B-1728B52AA6E4}">
+                <adec:decorative xmlns:adec="http://schemas.microsoft.com/office/drawing/2017/decorative" val="1"/>
+              </a:ext>
+            </a:extLst>
+          </p:cNvPr>
+          <p:cNvSpPr>
+            <a:spLocks noGrp="1" noRot="1" noChangeAspect="1" noMove="1" noResize="1" noEditPoints="1" noAdjustHandles="1" noChangeArrowheads="1" noChangeShapeType="1" noTextEdit="1"/>
+          </p:cNvSpPr>
+          <p:nvPr>
+            <p:extLst>
+              <p:ext uri="{386F3935-93C4-4BCD-93E2-E3B085C9AB24}">
+                <p16:designElem xmlns:p16="http://schemas.microsoft.com/office/powerpoint/2015/main" val="1"/>
+              </p:ext>
+            </p:extLst>
+          </p:nvPr>
+        </p:nvSpPr>
+        <p:spPr>
+          <a:xfrm>
+            <a:off x="1258764" y="-8467"/>
+            <a:ext cx="3007349" cy="6866467"/>
+          </a:xfrm>
+          <a:custGeom>
+            <a:avLst/>
+            <a:gdLst/>
+            <a:ahLst/>
+            <a:cxnLst/>
+            <a:rect l="l" t="t" r="r" b="b"/>
+            <a:pathLst>
+              <a:path w="3007349" h="6866467">
+                <a:moveTo>
+                  <a:pt x="2045532" y="0"/>
+                </a:moveTo>
+                <a:lnTo>
+                  <a:pt x="3007349" y="0"/>
+                </a:lnTo>
+                <a:lnTo>
+                  <a:pt x="3007349" y="6866467"/>
+                </a:lnTo>
+                <a:lnTo>
+                  <a:pt x="0" y="6866467"/>
+                </a:lnTo>
+                <a:lnTo>
+                  <a:pt x="2045532" y="0"/>
+                </a:lnTo>
+                <a:close/>
+              </a:path>
+            </a:pathLst>
+          </a:custGeom>
+          <a:solidFill>
+            <a:schemeClr val="accent1">
+              <a:alpha val="30000"/>
+            </a:schemeClr>
+          </a:solidFill>
+          <a:ln>
+            <a:noFill/>
+          </a:ln>
+          <a:effectLst/>
+        </p:spPr>
+        <p:style>
+          <a:lnRef idx="1">
+            <a:schemeClr val="accent1"/>
+          </a:lnRef>
+          <a:fillRef idx="3">
+            <a:schemeClr val="accent1"/>
+          </a:fillRef>
+          <a:effectRef idx="2">
+            <a:schemeClr val="accent1"/>
+          </a:effectRef>
+          <a:fontRef idx="minor">
+            <a:schemeClr val="lt1"/>
+          </a:fontRef>
+        </p:style>
+        <p:txBody>
+          <a:bodyPr/>
+          <a:lstStyle/>
+          <a:p>
+            <a:endParaRPr lang="nl-NL"/>
+          </a:p>
+        </p:txBody>
+      </p:sp>
+      <p:sp>
+        <p:nvSpPr>
+          <p:cNvPr id="118" name="Rectangle 25">
+            <a:extLst>
+              <a:ext uri="{FF2B5EF4-FFF2-40B4-BE49-F238E27FC236}">
+                <a16:creationId xmlns:a16="http://schemas.microsoft.com/office/drawing/2014/main" id="{C310626D-5743-49D4-8F7D-88C4F8F05774}"/>
+              </a:ext>
+              <a:ext uri="{C183D7F6-B498-43B3-948B-1728B52AA6E4}">
+                <adec:decorative xmlns:adec="http://schemas.microsoft.com/office/drawing/2017/decorative" val="1"/>
+              </a:ext>
+            </a:extLst>
+          </p:cNvPr>
+          <p:cNvSpPr>
+            <a:spLocks noGrp="1" noRot="1" noChangeAspect="1" noMove="1" noResize="1" noEditPoints="1" noAdjustHandles="1" noChangeArrowheads="1" noChangeShapeType="1" noTextEdit="1"/>
+          </p:cNvSpPr>
+          <p:nvPr>
+            <p:extLst>
+              <p:ext uri="{386F3935-93C4-4BCD-93E2-E3B085C9AB24}">
+                <p16:designElem xmlns:p16="http://schemas.microsoft.com/office/powerpoint/2015/main" val="1"/>
+              </p:ext>
+            </p:extLst>
+          </p:nvPr>
+        </p:nvSpPr>
+        <p:spPr>
+          <a:xfrm>
+            <a:off x="1680730" y="-8467"/>
+            <a:ext cx="2588558" cy="6866467"/>
+          </a:xfrm>
+          <a:custGeom>
+            <a:avLst/>
+            <a:gdLst/>
+            <a:ahLst/>
+            <a:cxnLst/>
+            <a:rect l="l" t="t" r="r" b="b"/>
+            <a:pathLst>
+              <a:path w="2573311" h="6866467">
+                <a:moveTo>
+                  <a:pt x="0" y="0"/>
+                </a:moveTo>
+                <a:lnTo>
+                  <a:pt x="2573311" y="0"/>
+                </a:lnTo>
+                <a:lnTo>
+                  <a:pt x="2573311" y="6866467"/>
+                </a:lnTo>
+                <a:lnTo>
+                  <a:pt x="1202336" y="6866467"/>
+                </a:lnTo>
+                <a:lnTo>
+                  <a:pt x="0" y="0"/>
+                </a:lnTo>
+                <a:close/>
+              </a:path>
+            </a:pathLst>
+          </a:custGeom>
+          <a:solidFill>
+            <a:schemeClr val="accent1">
+              <a:alpha val="20000"/>
+            </a:schemeClr>
+          </a:solidFill>
+          <a:ln>
+            <a:noFill/>
+          </a:ln>
+          <a:effectLst/>
+        </p:spPr>
+        <p:style>
+          <a:lnRef idx="1">
+            <a:schemeClr val="accent1"/>
+          </a:lnRef>
+          <a:fillRef idx="3">
+            <a:schemeClr val="accent1"/>
+          </a:fillRef>
+          <a:effectRef idx="2">
+            <a:schemeClr val="accent1"/>
+          </a:effectRef>
+          <a:fontRef idx="minor">
+            <a:schemeClr val="lt1"/>
+          </a:fontRef>
+        </p:style>
+        <p:txBody>
+          <a:bodyPr/>
+          <a:lstStyle/>
+          <a:p>
+            <a:endParaRPr lang="nl-NL"/>
+          </a:p>
+        </p:txBody>
+      </p:sp>
+      <p:sp>
+        <p:nvSpPr>
+          <p:cNvPr id="119" name="Isosceles Triangle 81">
+            <a:extLst>
+              <a:ext uri="{FF2B5EF4-FFF2-40B4-BE49-F238E27FC236}">
+                <a16:creationId xmlns:a16="http://schemas.microsoft.com/office/drawing/2014/main" id="{3C195FC1-B568-4C72-9902-34CB35DDD7A1}"/>
+              </a:ext>
+              <a:ext uri="{C183D7F6-B498-43B3-948B-1728B52AA6E4}">
+                <adec:decorative xmlns:adec="http://schemas.microsoft.com/office/drawing/2017/decorative" val="1"/>
+              </a:ext>
+            </a:extLst>
+          </p:cNvPr>
+          <p:cNvSpPr>
+            <a:spLocks noGrp="1" noRot="1" noChangeAspect="1" noMove="1" noResize="1" noEditPoints="1" noAdjustHandles="1" noChangeArrowheads="1" noChangeShapeType="1" noTextEdit="1"/>
+          </p:cNvSpPr>
+          <p:nvPr>
+            <p:extLst>
+              <p:ext uri="{386F3935-93C4-4BCD-93E2-E3B085C9AB24}">
+                <p16:designElem xmlns:p16="http://schemas.microsoft.com/office/powerpoint/2015/main" val="1"/>
+              </p:ext>
+            </p:extLst>
+          </p:nvPr>
+        </p:nvSpPr>
+        <p:spPr>
+          <a:xfrm>
+            <a:off x="1009621" y="3048000"/>
+            <a:ext cx="3259667" cy="3810000"/>
+          </a:xfrm>
+          <a:prstGeom prst="triangle">
+            <a:avLst>
+              <a:gd name="adj" fmla="val 100000"/>
+            </a:avLst>
+          </a:prstGeom>
+          <a:solidFill>
+            <a:schemeClr val="accent2">
+              <a:alpha val="72000"/>
+            </a:schemeClr>
+          </a:solidFill>
+          <a:ln>
+            <a:noFill/>
+          </a:ln>
+          <a:effectLst/>
+        </p:spPr>
+        <p:style>
+          <a:lnRef idx="1">
+            <a:schemeClr val="accent1"/>
+          </a:lnRef>
+          <a:fillRef idx="3">
+            <a:schemeClr val="accent1"/>
+          </a:fillRef>
+          <a:effectRef idx="2">
+            <a:schemeClr val="accent1"/>
+          </a:effectRef>
+          <a:fontRef idx="minor">
+            <a:schemeClr val="lt1"/>
+          </a:fontRef>
+        </p:style>
+        <p:txBody>
+          <a:bodyPr/>
+          <a:lstStyle/>
+          <a:p>
+            <a:endParaRPr lang="nl-NL"/>
+          </a:p>
+        </p:txBody>
+      </p:sp>
+      <p:sp>
+        <p:nvSpPr>
+          <p:cNvPr id="120" name="Rectangle 27">
+            <a:extLst>
+              <a:ext uri="{FF2B5EF4-FFF2-40B4-BE49-F238E27FC236}">
+                <a16:creationId xmlns:a16="http://schemas.microsoft.com/office/drawing/2014/main" id="{EF2BDF77-362C-43F0-8CBB-A969EC2AE0C4}"/>
+              </a:ext>
+              <a:ext uri="{C183D7F6-B498-43B3-948B-1728B52AA6E4}">
+                <adec:decorative xmlns:adec="http://schemas.microsoft.com/office/drawing/2017/decorative" val="1"/>
+              </a:ext>
+            </a:extLst>
+          </p:cNvPr>
+          <p:cNvSpPr>
+            <a:spLocks noGrp="1" noRot="1" noChangeAspect="1" noMove="1" noResize="1" noEditPoints="1" noAdjustHandles="1" noChangeArrowheads="1" noChangeShapeType="1" noTextEdit="1"/>
+          </p:cNvSpPr>
+          <p:nvPr>
+            <p:extLst>
+              <p:ext uri="{386F3935-93C4-4BCD-93E2-E3B085C9AB24}">
+                <p16:designElem xmlns:p16="http://schemas.microsoft.com/office/powerpoint/2015/main" val="1"/>
+              </p:ext>
+            </p:extLst>
+          </p:nvPr>
+        </p:nvSpPr>
+        <p:spPr>
+          <a:xfrm>
+            <a:off x="1411788" y="-8467"/>
+            <a:ext cx="2854326" cy="6866467"/>
+          </a:xfrm>
+          <a:custGeom>
+            <a:avLst/>
+            <a:gdLst/>
+            <a:ahLst/>
+            <a:cxnLst/>
+            <a:rect l="l" t="t" r="r" b="b"/>
+            <a:pathLst>
+              <a:path w="2858013" h="6866467">
+                <a:moveTo>
+                  <a:pt x="0" y="0"/>
+                </a:moveTo>
+                <a:lnTo>
+                  <a:pt x="2858013" y="0"/>
+                </a:lnTo>
+                <a:lnTo>
+                  <a:pt x="2858013" y="6866467"/>
+                </a:lnTo>
+                <a:lnTo>
+                  <a:pt x="2473942" y="6866467"/>
+                </a:lnTo>
+                <a:lnTo>
+                  <a:pt x="0" y="0"/>
+                </a:lnTo>
+                <a:close/>
+              </a:path>
+            </a:pathLst>
+          </a:custGeom>
+          <a:solidFill>
+            <a:schemeClr val="accent2">
+              <a:lumMod val="75000"/>
+              <a:alpha val="70000"/>
+            </a:schemeClr>
+          </a:solidFill>
+          <a:ln>
+            <a:noFill/>
+          </a:ln>
+          <a:effectLst/>
+        </p:spPr>
+        <p:style>
+          <a:lnRef idx="1">
+            <a:schemeClr val="accent1"/>
+          </a:lnRef>
+          <a:fillRef idx="3">
+            <a:schemeClr val="accent1"/>
+          </a:fillRef>
+          <a:effectRef idx="2">
+            <a:schemeClr val="accent1"/>
+          </a:effectRef>
+          <a:fontRef idx="minor">
+            <a:schemeClr val="lt1"/>
+          </a:fontRef>
+        </p:style>
+        <p:txBody>
+          <a:bodyPr/>
+          <a:lstStyle/>
+          <a:p>
+            <a:endParaRPr lang="nl-NL"/>
+          </a:p>
+        </p:txBody>
+      </p:sp>
+      <p:sp>
+        <p:nvSpPr>
+          <p:cNvPr id="86" name="Isosceles Triangle 85">
+            <a:extLst>
+              <a:ext uri="{FF2B5EF4-FFF2-40B4-BE49-F238E27FC236}">
+                <a16:creationId xmlns:a16="http://schemas.microsoft.com/office/drawing/2014/main" id="{4BE96B01-3929-432D-B8C2-ADBCB74C2EF4}"/>
+              </a:ext>
+              <a:ext uri="{C183D7F6-B498-43B3-948B-1728B52AA6E4}">
+                <adec:decorative xmlns:adec="http://schemas.microsoft.com/office/drawing/2017/decorative" val="1"/>
+              </a:ext>
+            </a:extLst>
+          </p:cNvPr>
+          <p:cNvSpPr>
+            <a:spLocks noGrp="1" noRot="1" noChangeAspect="1" noMove="1" noResize="1" noEditPoints="1" noAdjustHandles="1" noChangeArrowheads="1" noChangeShapeType="1" noTextEdit="1"/>
+          </p:cNvSpPr>
+          <p:nvPr>
+            <p:extLst>
+              <p:ext uri="{386F3935-93C4-4BCD-93E2-E3B085C9AB24}">
+                <p16:designElem xmlns:p16="http://schemas.microsoft.com/office/powerpoint/2015/main" val="1"/>
+              </p:ext>
+            </p:extLst>
+          </p:nvPr>
+        </p:nvSpPr>
+        <p:spPr>
+          <a:xfrm>
+            <a:off x="2448954" y="3589867"/>
+            <a:ext cx="1817159" cy="3268133"/>
+          </a:xfrm>
+          <a:prstGeom prst="triangle">
+            <a:avLst>
+              <a:gd name="adj" fmla="val 100000"/>
+            </a:avLst>
+          </a:prstGeom>
+          <a:solidFill>
+            <a:schemeClr val="accent1">
+              <a:alpha val="80000"/>
+            </a:schemeClr>
+          </a:solidFill>
+          <a:ln>
+            <a:noFill/>
+          </a:ln>
+          <a:effectLst/>
+        </p:spPr>
+        <p:style>
+          <a:lnRef idx="1">
+            <a:schemeClr val="accent1"/>
+          </a:lnRef>
+          <a:fillRef idx="3">
+            <a:schemeClr val="accent1"/>
+          </a:fillRef>
+          <a:effectRef idx="2">
+            <a:schemeClr val="accent1"/>
+          </a:effectRef>
+          <a:fontRef idx="minor">
+            <a:schemeClr val="lt1"/>
+          </a:fontRef>
+        </p:style>
+        <p:txBody>
+          <a:bodyPr/>
+          <a:lstStyle/>
+          <a:p>
+            <a:endParaRPr lang="nl-NL"/>
+          </a:p>
+        </p:txBody>
+      </p:sp>
+      <p:sp>
+        <p:nvSpPr>
+          <p:cNvPr id="88" name="Freeform: Shape 87">
+            <a:extLst>
+              <a:ext uri="{FF2B5EF4-FFF2-40B4-BE49-F238E27FC236}">
+                <a16:creationId xmlns:a16="http://schemas.microsoft.com/office/drawing/2014/main" id="{2A6FCDE6-CDE2-4C51-B18E-A95CFB679714}"/>
+              </a:ext>
+              <a:ext uri="{C183D7F6-B498-43B3-948B-1728B52AA6E4}">
+                <adec:decorative xmlns:adec="http://schemas.microsoft.com/office/drawing/2017/decorative" val="1"/>
+              </a:ext>
+            </a:extLst>
+          </p:cNvPr>
+          <p:cNvSpPr>
+            <a:spLocks noGrp="1" noRot="1" noChangeAspect="1" noMove="1" noResize="1" noEditPoints="1" noAdjustHandles="1" noChangeArrowheads="1" noChangeShapeType="1" noTextEdit="1"/>
+          </p:cNvSpPr>
+          <p:nvPr>
+            <p:extLst>
+              <p:ext uri="{386F3935-93C4-4BCD-93E2-E3B085C9AB24}">
+                <p16:designElem xmlns:p16="http://schemas.microsoft.com/office/powerpoint/2015/main" val="1"/>
+              </p:ext>
+            </p:extLst>
+          </p:nvPr>
+        </p:nvSpPr>
+        <p:spPr>
+          <a:xfrm>
+            <a:off x="3016287" y="-8467"/>
+            <a:ext cx="9175713" cy="6866467"/>
+          </a:xfrm>
+          <a:custGeom>
+            <a:avLst/>
+            <a:gdLst>
+              <a:gd name="connsiteX0" fmla="*/ 0 w 9175713"/>
+              <a:gd name="connsiteY0" fmla="*/ 0 h 6866467"/>
+              <a:gd name="connsiteX1" fmla="*/ 1249825 w 9175713"/>
+              <a:gd name="connsiteY1" fmla="*/ 0 h 6866467"/>
+              <a:gd name="connsiteX2" fmla="*/ 1249825 w 9175713"/>
+              <a:gd name="connsiteY2" fmla="*/ 8467 h 6866467"/>
+              <a:gd name="connsiteX3" fmla="*/ 9175713 w 9175713"/>
+              <a:gd name="connsiteY3" fmla="*/ 8467 h 6866467"/>
+              <a:gd name="connsiteX4" fmla="*/ 9175713 w 9175713"/>
+              <a:gd name="connsiteY4" fmla="*/ 6866467 h 6866467"/>
+              <a:gd name="connsiteX5" fmla="*/ 1249825 w 9175713"/>
+              <a:gd name="connsiteY5" fmla="*/ 6866467 h 6866467"/>
+              <a:gd name="connsiteX6" fmla="*/ 1109382 w 9175713"/>
+              <a:gd name="connsiteY6" fmla="*/ 6866467 h 6866467"/>
+            </a:gdLst>
+            <a:ahLst/>
+            <a:cxnLst>
+              <a:cxn ang="0">
+                <a:pos x="connsiteX0" y="connsiteY0"/>
+              </a:cxn>
+              <a:cxn ang="0">
+                <a:pos x="connsiteX1" y="connsiteY1"/>
+              </a:cxn>
+              <a:cxn ang="0">
+                <a:pos x="connsiteX2" y="connsiteY2"/>
+              </a:cxn>
+              <a:cxn ang="0">
+                <a:pos x="connsiteX3" y="connsiteY3"/>
+              </a:cxn>
+              <a:cxn ang="0">
+                <a:pos x="connsiteX4" y="connsiteY4"/>
+              </a:cxn>
+              <a:cxn ang="0">
+                <a:pos x="connsiteX5" y="connsiteY5"/>
+              </a:cxn>
+              <a:cxn ang="0">
+                <a:pos x="connsiteX6" y="connsiteY6"/>
+              </a:cxn>
+            </a:cxnLst>
+            <a:rect l="l" t="t" r="r" b="b"/>
+            <a:pathLst>
+              <a:path w="9175713" h="6866467">
+                <a:moveTo>
+                  <a:pt x="0" y="0"/>
+                </a:moveTo>
+                <a:lnTo>
+                  <a:pt x="1249825" y="0"/>
+                </a:lnTo>
+                <a:lnTo>
+                  <a:pt x="1249825" y="8467"/>
+                </a:lnTo>
+                <a:lnTo>
+                  <a:pt x="9175713" y="8467"/>
+                </a:lnTo>
+                <a:lnTo>
+                  <a:pt x="9175713" y="6866467"/>
+                </a:lnTo>
+                <a:lnTo>
+                  <a:pt x="1249825" y="6866467"/>
+                </a:lnTo>
+                <a:lnTo>
+                  <a:pt x="1109382" y="6866467"/>
+                </a:lnTo>
+                <a:close/>
+              </a:path>
+            </a:pathLst>
+          </a:custGeom>
+          <a:solidFill>
+            <a:schemeClr val="accent1">
+              <a:lumMod val="75000"/>
+            </a:schemeClr>
+          </a:solidFill>
+          <a:ln>
+            <a:noFill/>
+          </a:ln>
+        </p:spPr>
+        <p:style>
+          <a:lnRef idx="2">
+            <a:schemeClr val="accent1">
+              <a:shade val="50000"/>
+            </a:schemeClr>
+          </a:lnRef>
+          <a:fillRef idx="1">
+            <a:schemeClr val="accent1"/>
+          </a:fillRef>
+          <a:effectRef idx="0">
+            <a:schemeClr val="accent1"/>
+          </a:effectRef>
+          <a:fontRef idx="minor">
+            <a:schemeClr val="lt1"/>
+          </a:fontRef>
+        </p:style>
+        <p:txBody>
+          <a:bodyPr rtlCol="0" anchor="ctr"/>
+          <a:lstStyle/>
+          <a:p>
+            <a:pPr algn="ctr"/>
+            <a:endParaRPr lang="en-US"/>
+          </a:p>
+        </p:txBody>
+      </p:sp>
       <p:sp>
         <p:nvSpPr>
           <p:cNvPr id="6" name="TextBox 5">
@@ -11199,33 +12032,101 @@
         </p:nvSpPr>
         <p:spPr>
           <a:xfrm>
-            <a:off x="272227" y="342027"/>
-            <a:ext cx="8906076" cy="615553"/>
+            <a:off x="4419136" y="1020871"/>
+            <a:ext cx="6960759" cy="2849671"/>
           </a:xfrm>
           <a:prstGeom prst="rect">
             <a:avLst/>
           </a:prstGeom>
-          <a:noFill/>
         </p:spPr>
         <p:txBody>
-          <a:bodyPr wrap="square" rtlCol="0">
-            <a:spAutoFit/>
+          <a:bodyPr vert="horz" lIns="91440" tIns="45720" rIns="91440" bIns="45720" rtlCol="0" anchor="b">
+            <a:normAutofit/>
           </a:bodyPr>
           <a:lstStyle/>
           <a:p>
+            <a:pPr>
+              <a:spcBef>
+                <a:spcPct val="0"/>
+              </a:spcBef>
+              <a:spcAft>
+                <a:spcPts val="600"/>
+              </a:spcAft>
+            </a:pPr>
             <a:r>
-              <a:rPr lang="en-US" sz="3400" dirty="0" err="1">
+              <a:rPr lang="en-US" sz="6000">
                 <a:solidFill>
-                  <a:schemeClr val="accent1"/>
+                  <a:srgbClr val="FFFFFF"/>
                 </a:solidFill>
+                <a:latin typeface="+mj-lt"/>
+                <a:ea typeface="+mj-ea"/>
+                <a:cs typeface="+mj-cs"/>
               </a:rPr>
               <a:t>Locatie</a:t>
             </a:r>
-            <a:endParaRPr lang="en-NL" sz="3400" dirty="0">
-              <a:solidFill>
-                <a:schemeClr val="accent1"/>
-              </a:solidFill>
-            </a:endParaRPr>
+          </a:p>
+        </p:txBody>
+      </p:sp>
+      <p:sp>
+        <p:nvSpPr>
+          <p:cNvPr id="90" name="Isosceles Triangle 89">
+            <a:extLst>
+              <a:ext uri="{FF2B5EF4-FFF2-40B4-BE49-F238E27FC236}">
+                <a16:creationId xmlns:a16="http://schemas.microsoft.com/office/drawing/2014/main" id="{9D2E8756-2465-473A-BA2A-2DB1D6224745}"/>
+              </a:ext>
+              <a:ext uri="{C183D7F6-B498-43B3-948B-1728B52AA6E4}">
+                <adec:decorative xmlns:adec="http://schemas.microsoft.com/office/drawing/2017/decorative" val="1"/>
+              </a:ext>
+            </a:extLst>
+          </p:cNvPr>
+          <p:cNvSpPr>
+            <a:spLocks noGrp="1" noRot="1" noChangeAspect="1" noMove="1" noResize="1" noEditPoints="1" noAdjustHandles="1" noChangeArrowheads="1" noChangeShapeType="1" noTextEdit="1"/>
+          </p:cNvSpPr>
+          <p:nvPr>
+            <p:extLst>
+              <p:ext uri="{386F3935-93C4-4BCD-93E2-E3B085C9AB24}">
+                <p16:designElem xmlns:p16="http://schemas.microsoft.com/office/powerpoint/2015/main" val="1"/>
+              </p:ext>
+            </p:extLst>
+          </p:nvPr>
+        </p:nvSpPr>
+        <p:spPr>
+          <a:xfrm rot="5400000">
+            <a:off x="4062562" y="3271487"/>
+            <a:ext cx="220660" cy="186439"/>
+          </a:xfrm>
+          <a:prstGeom prst="triangle">
+            <a:avLst/>
+          </a:prstGeom>
+          <a:solidFill>
+            <a:srgbClr val="FFFFFF"/>
+          </a:solidFill>
+          <a:ln>
+            <a:noFill/>
+          </a:ln>
+        </p:spPr>
+        <p:style>
+          <a:lnRef idx="2">
+            <a:schemeClr val="accent1">
+              <a:shade val="50000"/>
+            </a:schemeClr>
+          </a:lnRef>
+          <a:fillRef idx="1">
+            <a:schemeClr val="accent1"/>
+          </a:fillRef>
+          <a:effectRef idx="0">
+            <a:schemeClr val="accent1"/>
+          </a:effectRef>
+          <a:fontRef idx="minor">
+            <a:schemeClr val="lt1"/>
+          </a:fontRef>
+        </p:style>
+        <p:txBody>
+          <a:bodyPr rtlCol="0" anchor="ctr"/>
+          <a:lstStyle/>
+          <a:p>
+            <a:pPr algn="ctr"/>
+            <a:endParaRPr lang="en-US"/>
           </a:p>
         </p:txBody>
       </p:sp>
@@ -11237,12 +12138,100 @@
     </p:extLst>
   </p:cSld>
   <p:clrMapOvr>
+    <a:overrideClrMapping bg1="dk1" tx1="lt1" bg2="dk2" tx2="lt2" accent1="accent1" accent2="accent2" accent3="accent3" accent4="accent4" accent5="accent5" accent6="accent6" hlink="hlink" folHlink="folHlink"/>
+  </p:clrMapOvr>
+</p:sld>
+</file>
+
+<file path=ppt/slides/slide6.xml><?xml version="1.0" encoding="utf-8"?>
+<p:sld xmlns:a="http://schemas.openxmlformats.org/drawingml/2006/main" xmlns:r="http://schemas.openxmlformats.org/officeDocument/2006/relationships" xmlns:p="http://schemas.openxmlformats.org/presentationml/2006/main">
+  <p:cSld>
+    <p:spTree>
+      <p:nvGrpSpPr>
+        <p:cNvPr id="1" name=""/>
+        <p:cNvGrpSpPr/>
+        <p:nvPr/>
+      </p:nvGrpSpPr>
+      <p:grpSpPr>
+        <a:xfrm>
+          <a:off x="0" y="0"/>
+          <a:ext cx="0" cy="0"/>
+          <a:chOff x="0" y="0"/>
+          <a:chExt cx="0" cy="0"/>
+        </a:xfrm>
+      </p:grpSpPr>
+      <p:sp>
+        <p:nvSpPr>
+          <p:cNvPr id="2" name="Titel 1">
+            <a:extLst>
+              <a:ext uri="{FF2B5EF4-FFF2-40B4-BE49-F238E27FC236}">
+                <a16:creationId xmlns:a16="http://schemas.microsoft.com/office/drawing/2014/main" id="{086E24E9-AD9D-55F3-F2C4-97B8BDCD39AA}"/>
+              </a:ext>
+            </a:extLst>
+          </p:cNvPr>
+          <p:cNvSpPr>
+            <a:spLocks noGrp="1"/>
+          </p:cNvSpPr>
+          <p:nvPr>
+            <p:ph type="title"/>
+          </p:nvPr>
+        </p:nvSpPr>
+        <p:spPr/>
+        <p:txBody>
+          <a:bodyPr/>
+          <a:lstStyle/>
+          <a:p>
+            <a:endParaRPr lang="nl-NL"/>
+          </a:p>
+        </p:txBody>
+      </p:sp>
+      <p:pic>
+        <p:nvPicPr>
+          <p:cNvPr id="4" name="Content Placeholder 4" descr="A graph on a piece of paper&#10;&#10;AI-generated content may be incorrect.">
+            <a:extLst>
+              <a:ext uri="{FF2B5EF4-FFF2-40B4-BE49-F238E27FC236}">
+                <a16:creationId xmlns:a16="http://schemas.microsoft.com/office/drawing/2014/main" id="{E95249C0-1838-09F4-16E1-A82E9E9CAE20}"/>
+              </a:ext>
+            </a:extLst>
+          </p:cNvPr>
+          <p:cNvPicPr>
+            <a:picLocks noGrp="1" noChangeAspect="1"/>
+          </p:cNvPicPr>
+          <p:nvPr>
+            <p:ph idx="1"/>
+          </p:nvPr>
+        </p:nvPicPr>
+        <p:blipFill>
+          <a:blip r:embed="rId2"/>
+          <a:srcRect t="13663" b="14222"/>
+          <a:stretch>
+            <a:fillRect/>
+          </a:stretch>
+        </p:blipFill>
+        <p:spPr>
+          <a:xfrm>
+            <a:off x="1" y="0"/>
+            <a:ext cx="12192000" cy="6859064"/>
+          </a:xfrm>
+          <a:prstGeom prst="rect">
+            <a:avLst/>
+          </a:prstGeom>
+        </p:spPr>
+      </p:pic>
+    </p:spTree>
+    <p:extLst>
+      <p:ext uri="{BB962C8B-B14F-4D97-AF65-F5344CB8AC3E}">
+        <p14:creationId xmlns:p14="http://schemas.microsoft.com/office/powerpoint/2010/main" val="202888424"/>
+      </p:ext>
+    </p:extLst>
+  </p:cSld>
+  <p:clrMapOvr>
     <a:masterClrMapping/>
   </p:clrMapOvr>
 </p:sld>
 </file>
 
-<file path=ppt/slides/slide6.xml><?xml version="1.0" encoding="utf-8"?>
+<file path=ppt/slides/slide7.xml><?xml version="1.0" encoding="utf-8"?>
 <p:sld xmlns:a="http://schemas.openxmlformats.org/drawingml/2006/main" xmlns:r="http://schemas.openxmlformats.org/officeDocument/2006/relationships" xmlns:p="http://schemas.openxmlformats.org/presentationml/2006/main">
   <p:cSld>
     <p:spTree>
@@ -11348,7 +12337,7 @@
 </p:sld>
 </file>
 
-<file path=ppt/slides/slide7.xml><?xml version="1.0" encoding="utf-8"?>
+<file path=ppt/slides/slide8.xml><?xml version="1.0" encoding="utf-8"?>
 <p:sld xmlns:a="http://schemas.openxmlformats.org/drawingml/2006/main" xmlns:r="http://schemas.openxmlformats.org/officeDocument/2006/relationships" xmlns:p="http://schemas.openxmlformats.org/presentationml/2006/main">
   <p:cSld>
     <p:bg>
@@ -12179,7 +13168,7 @@
 </p:sld>
 </file>
 
-<file path=ppt/slides/slide8.xml><?xml version="1.0" encoding="utf-8"?>
+<file path=ppt/slides/slide9.xml><?xml version="1.0" encoding="utf-8"?>
 <p:sld xmlns:a="http://schemas.openxmlformats.org/drawingml/2006/main" xmlns:r="http://schemas.openxmlformats.org/officeDocument/2006/relationships" xmlns:p="http://schemas.openxmlformats.org/presentationml/2006/main">
   <p:cSld>
     <p:spTree>
@@ -12218,8 +13207,16 @@
           <a:lstStyle/>
           <a:p>
             <a:r>
+              <a:rPr lang="en-US" dirty="0"/>
+              <a:t>Requirements </a:t>
+            </a:r>
+            <a:r>
               <a:rPr lang="en-US" dirty="0" err="1"/>
-              <a:t>Requirments</a:t>
+              <a:t>en</a:t>
+            </a:r>
+            <a:r>
+              <a:rPr lang="en-US" dirty="0"/>
+              <a:t> Userstories</a:t>
             </a:r>
             <a:endParaRPr lang="en-NL" dirty="0"/>
           </a:p>
@@ -12254,90 +13251,6 @@
     <p:extLst>
       <p:ext uri="{BB962C8B-B14F-4D97-AF65-F5344CB8AC3E}">
         <p14:creationId xmlns:p14="http://schemas.microsoft.com/office/powerpoint/2010/main" val="2490545301"/>
-      </p:ext>
-    </p:extLst>
-  </p:cSld>
-  <p:clrMapOvr>
-    <a:masterClrMapping/>
-  </p:clrMapOvr>
-</p:sld>
-</file>
-
-<file path=ppt/slides/slide9.xml><?xml version="1.0" encoding="utf-8"?>
-<p:sld xmlns:a="http://schemas.openxmlformats.org/drawingml/2006/main" xmlns:r="http://schemas.openxmlformats.org/officeDocument/2006/relationships" xmlns:p="http://schemas.openxmlformats.org/presentationml/2006/main">
-  <p:cSld>
-    <p:spTree>
-      <p:nvGrpSpPr>
-        <p:cNvPr id="1" name=""/>
-        <p:cNvGrpSpPr/>
-        <p:nvPr/>
-      </p:nvGrpSpPr>
-      <p:grpSpPr>
-        <a:xfrm>
-          <a:off x="0" y="0"/>
-          <a:ext cx="0" cy="0"/>
-          <a:chOff x="0" y="0"/>
-          <a:chExt cx="0" cy="0"/>
-        </a:xfrm>
-      </p:grpSpPr>
-      <p:sp>
-        <p:nvSpPr>
-          <p:cNvPr id="2" name="Title 1">
-            <a:extLst>
-              <a:ext uri="{FF2B5EF4-FFF2-40B4-BE49-F238E27FC236}">
-                <a16:creationId xmlns:a16="http://schemas.microsoft.com/office/drawing/2014/main" id="{7F3D2BD3-4192-7438-12CA-E91936F8D949}"/>
-              </a:ext>
-            </a:extLst>
-          </p:cNvPr>
-          <p:cNvSpPr>
-            <a:spLocks noGrp="1"/>
-          </p:cNvSpPr>
-          <p:nvPr>
-            <p:ph type="title"/>
-          </p:nvPr>
-        </p:nvSpPr>
-        <p:spPr/>
-        <p:txBody>
-          <a:bodyPr/>
-          <a:lstStyle/>
-          <a:p>
-            <a:r>
-              <a:rPr lang="en-US" dirty="0" err="1"/>
-              <a:t>Userstories</a:t>
-            </a:r>
-            <a:endParaRPr lang="en-NL" dirty="0"/>
-          </a:p>
-        </p:txBody>
-      </p:sp>
-      <p:sp>
-        <p:nvSpPr>
-          <p:cNvPr id="3" name="Content Placeholder 2">
-            <a:extLst>
-              <a:ext uri="{FF2B5EF4-FFF2-40B4-BE49-F238E27FC236}">
-                <a16:creationId xmlns:a16="http://schemas.microsoft.com/office/drawing/2014/main" id="{BCA71352-4E04-1DC3-F289-021B2E701A70}"/>
-              </a:ext>
-            </a:extLst>
-          </p:cNvPr>
-          <p:cNvSpPr>
-            <a:spLocks noGrp="1"/>
-          </p:cNvSpPr>
-          <p:nvPr>
-            <p:ph idx="1"/>
-          </p:nvPr>
-        </p:nvSpPr>
-        <p:spPr/>
-        <p:txBody>
-          <a:bodyPr/>
-          <a:lstStyle/>
-          <a:p>
-            <a:endParaRPr lang="en-NL"/>
-          </a:p>
-        </p:txBody>
-      </p:sp>
-    </p:spTree>
-    <p:extLst>
-      <p:ext uri="{BB962C8B-B14F-4D97-AF65-F5344CB8AC3E}">
-        <p14:creationId xmlns:p14="http://schemas.microsoft.com/office/powerpoint/2010/main" val="2630957277"/>
       </p:ext>
     </p:extLst>
   </p:cSld>
